--- a/2. Кластеризация/Теория/1. Выбросы.pptx
+++ b/2. Кластеризация/Теория/1. Выбросы.pptx
@@ -19,24 +19,25 @@
     <p:sldId id="268" r:id="rId13"/>
     <p:sldId id="269" r:id="rId14"/>
     <p:sldId id="271" r:id="rId15"/>
-    <p:sldId id="272" r:id="rId16"/>
-    <p:sldId id="273" r:id="rId17"/>
-    <p:sldId id="274" r:id="rId18"/>
-    <p:sldId id="275" r:id="rId19"/>
-    <p:sldId id="276" r:id="rId20"/>
-    <p:sldId id="277" r:id="rId21"/>
-    <p:sldId id="278" r:id="rId22"/>
-    <p:sldId id="279" r:id="rId23"/>
-    <p:sldId id="280" r:id="rId24"/>
-    <p:sldId id="281" r:id="rId25"/>
-    <p:sldId id="282" r:id="rId26"/>
-    <p:sldId id="284" r:id="rId27"/>
-    <p:sldId id="286" r:id="rId28"/>
-    <p:sldId id="287" r:id="rId29"/>
-    <p:sldId id="288" r:id="rId30"/>
-    <p:sldId id="289" r:id="rId31"/>
-    <p:sldId id="291" r:id="rId32"/>
-    <p:sldId id="292" r:id="rId33"/>
+    <p:sldId id="293" r:id="rId16"/>
+    <p:sldId id="294" r:id="rId17"/>
+    <p:sldId id="299" r:id="rId18"/>
+    <p:sldId id="300" r:id="rId19"/>
+    <p:sldId id="301" r:id="rId20"/>
+    <p:sldId id="302" r:id="rId21"/>
+    <p:sldId id="277" r:id="rId22"/>
+    <p:sldId id="278" r:id="rId23"/>
+    <p:sldId id="279" r:id="rId24"/>
+    <p:sldId id="280" r:id="rId25"/>
+    <p:sldId id="281" r:id="rId26"/>
+    <p:sldId id="282" r:id="rId27"/>
+    <p:sldId id="284" r:id="rId28"/>
+    <p:sldId id="286" r:id="rId29"/>
+    <p:sldId id="287" r:id="rId30"/>
+    <p:sldId id="288" r:id="rId31"/>
+    <p:sldId id="289" r:id="rId32"/>
+    <p:sldId id="291" r:id="rId33"/>
+    <p:sldId id="292" r:id="rId34"/>
   </p:sldIdLst>
   <p:sldSz cx="9144000" cy="5143500" type="screen16x9"/>
   <p:notesSz cx="9144000" cy="5143500"/>
@@ -301,7 +302,7 @@
           <a:p>
             <a:fld id="{1D8BD707-D9CF-40AE-B4C6-C98DA3205C09}" type="datetimeFigureOut">
               <a:rPr lang="en-US" smtClean="0"/>
-              <a:t>9/26/23</a:t>
+              <a:t>10/3/23</a:t>
             </a:fld>
             <a:endParaRPr lang="en-US"/>
           </a:p>
@@ -499,7 +500,7 @@
           <a:p>
             <a:fld id="{1D8BD707-D9CF-40AE-B4C6-C98DA3205C09}" type="datetimeFigureOut">
               <a:rPr lang="en-US" smtClean="0"/>
-              <a:t>9/26/23</a:t>
+              <a:t>10/3/23</a:t>
             </a:fld>
             <a:endParaRPr lang="en-US"/>
           </a:p>
@@ -707,7 +708,7 @@
           <a:p>
             <a:fld id="{1D8BD707-D9CF-40AE-B4C6-C98DA3205C09}" type="datetimeFigureOut">
               <a:rPr lang="en-US" smtClean="0"/>
-              <a:t>9/26/23</a:t>
+              <a:t>10/3/23</a:t>
             </a:fld>
             <a:endParaRPr lang="en-US"/>
           </a:p>
@@ -929,7 +930,7 @@
           <a:p>
             <a:fld id="{1D8BD707-D9CF-40AE-B4C6-C98DA3205C09}" type="datetimeFigureOut">
               <a:rPr lang="en-US"/>
-              <a:t>9/26/23</a:t>
+              <a:t>10/3/23</a:t>
             </a:fld>
             <a:endParaRPr lang="en-US"/>
           </a:p>
@@ -1082,7 +1083,7 @@
           <a:p>
             <a:fld id="{1D8BD707-D9CF-40AE-B4C6-C98DA3205C09}" type="datetimeFigureOut">
               <a:rPr lang="en-US"/>
-              <a:t>9/26/23</a:t>
+              <a:t>10/3/23</a:t>
             </a:fld>
             <a:endParaRPr lang="en-US"/>
           </a:p>
@@ -1313,7 +1314,7 @@
           <a:p>
             <a:fld id="{1D8BD707-D9CF-40AE-B4C6-C98DA3205C09}" type="datetimeFigureOut">
               <a:rPr lang="en-US"/>
-              <a:t>9/26/23</a:t>
+              <a:t>10/3/23</a:t>
             </a:fld>
             <a:endParaRPr lang="en-US"/>
           </a:p>
@@ -1437,7 +1438,7 @@
           <a:p>
             <a:fld id="{1D8BD707-D9CF-40AE-B4C6-C98DA3205C09}" type="datetimeFigureOut">
               <a:rPr lang="en-US"/>
-              <a:t>9/26/23</a:t>
+              <a:t>10/3/23</a:t>
             </a:fld>
             <a:endParaRPr lang="en-US"/>
           </a:p>
@@ -1613,7 +1614,7 @@
           <a:p>
             <a:fld id="{1D8BD707-D9CF-40AE-B4C6-C98DA3205C09}" type="datetimeFigureOut">
               <a:rPr lang="en-US" smtClean="0"/>
-              <a:t>9/26/23</a:t>
+              <a:t>10/3/23</a:t>
             </a:fld>
             <a:endParaRPr lang="en-US"/>
           </a:p>
@@ -1888,7 +1889,7 @@
           <a:p>
             <a:fld id="{1D8BD707-D9CF-40AE-B4C6-C98DA3205C09}" type="datetimeFigureOut">
               <a:rPr lang="en-US" smtClean="0"/>
-              <a:t>9/26/23</a:t>
+              <a:t>10/3/23</a:t>
             </a:fld>
             <a:endParaRPr lang="en-US"/>
           </a:p>
@@ -2153,7 +2154,7 @@
           <a:p>
             <a:fld id="{1D8BD707-D9CF-40AE-B4C6-C98DA3205C09}" type="datetimeFigureOut">
               <a:rPr lang="en-US" smtClean="0"/>
-              <a:t>9/26/23</a:t>
+              <a:t>10/3/23</a:t>
             </a:fld>
             <a:endParaRPr lang="en-US"/>
           </a:p>
@@ -2565,7 +2566,7 @@
           <a:p>
             <a:fld id="{1D8BD707-D9CF-40AE-B4C6-C98DA3205C09}" type="datetimeFigureOut">
               <a:rPr lang="en-US" smtClean="0"/>
-              <a:t>9/26/23</a:t>
+              <a:t>10/3/23</a:t>
             </a:fld>
             <a:endParaRPr lang="en-US"/>
           </a:p>
@@ -2706,7 +2707,7 @@
           <a:p>
             <a:fld id="{1D8BD707-D9CF-40AE-B4C6-C98DA3205C09}" type="datetimeFigureOut">
               <a:rPr lang="en-US" smtClean="0"/>
-              <a:t>9/26/23</a:t>
+              <a:t>10/3/23</a:t>
             </a:fld>
             <a:endParaRPr lang="en-US"/>
           </a:p>
@@ -2819,7 +2820,7 @@
           <a:p>
             <a:fld id="{1D8BD707-D9CF-40AE-B4C6-C98DA3205C09}" type="datetimeFigureOut">
               <a:rPr lang="en-US" smtClean="0"/>
-              <a:t>9/26/23</a:t>
+              <a:t>10/3/23</a:t>
             </a:fld>
             <a:endParaRPr lang="en-US"/>
           </a:p>
@@ -3130,7 +3131,7 @@
           <a:p>
             <a:fld id="{1D8BD707-D9CF-40AE-B4C6-C98DA3205C09}" type="datetimeFigureOut">
               <a:rPr lang="en-US" smtClean="0"/>
-              <a:t>9/26/23</a:t>
+              <a:t>10/3/23</a:t>
             </a:fld>
             <a:endParaRPr lang="en-US"/>
           </a:p>
@@ -3418,7 +3419,7 @@
           <a:p>
             <a:fld id="{1D8BD707-D9CF-40AE-B4C6-C98DA3205C09}" type="datetimeFigureOut">
               <a:rPr lang="en-US" smtClean="0"/>
-              <a:t>9/26/23</a:t>
+              <a:t>10/3/23</a:t>
             </a:fld>
             <a:endParaRPr lang="en-US"/>
           </a:p>
@@ -3659,7 +3660,7 @@
           <a:p>
             <a:fld id="{1D8BD707-D9CF-40AE-B4C6-C98DA3205C09}" type="datetimeFigureOut">
               <a:rPr lang="en-US" smtClean="0"/>
-              <a:t>9/26/23</a:t>
+              <a:t>10/3/23</a:t>
             </a:fld>
             <a:endParaRPr lang="en-US"/>
           </a:p>
@@ -6896,7 +6897,7 @@
               </a:rPr>
               <a:t>ошибок.</a:t>
             </a:r>
-            <a:endParaRPr sz="2200">
+            <a:endParaRPr sz="2200" dirty="0">
               <a:latin typeface="Verdana"/>
               <a:cs typeface="Verdana"/>
             </a:endParaRPr>
@@ -6996,719 +6997,195 @@
       </p:grpSpPr>
       <p:sp>
         <p:nvSpPr>
-          <p:cNvPr id="2" name="object 2"/>
-          <p:cNvSpPr txBox="1">
+          <p:cNvPr id="2" name="Заголовок 1">
+            <a:extLst>
+              <a:ext uri="{FF2B5EF4-FFF2-40B4-BE49-F238E27FC236}">
+                <a16:creationId xmlns:a16="http://schemas.microsoft.com/office/drawing/2014/main" id="{B0A6EC71-E2CB-AF3D-41B7-A25B92F21902}"/>
+              </a:ext>
+            </a:extLst>
+          </p:cNvPr>
+          <p:cNvSpPr>
             <a:spLocks noGrp="1"/>
           </p:cNvSpPr>
           <p:nvPr>
             <p:ph type="title"/>
           </p:nvPr>
         </p:nvSpPr>
-        <p:spPr>
-          <a:xfrm>
-            <a:off x="358745" y="222359"/>
-            <a:ext cx="1720214" cy="482600"/>
-          </a:xfrm>
-          <a:prstGeom prst="rect">
-            <a:avLst/>
-          </a:prstGeom>
-        </p:spPr>
+        <p:spPr/>
         <p:txBody>
-          <a:bodyPr vert="horz" wrap="square" lIns="0" tIns="12700" rIns="0" bIns="0" rtlCol="0">
-            <a:spAutoFit/>
-          </a:bodyPr>
+          <a:bodyPr/>
           <a:lstStyle/>
           <a:p>
-            <a:pPr marL="12700">
-              <a:lnSpc>
-                <a:spcPct val="100000"/>
-              </a:lnSpc>
-              <a:spcBef>
-                <a:spcPts val="100"/>
-              </a:spcBef>
-            </a:pPr>
-            <a:r>
-              <a:rPr sz="3000" spc="-5" dirty="0"/>
-              <a:t>Пример</a:t>
-            </a:r>
-            <a:endParaRPr sz="3000" dirty="0"/>
+            <a:r>
+              <a:rPr lang="ru-RU" sz="3600" spc="-10" dirty="0"/>
+              <a:t>Критерий</a:t>
+            </a:r>
+            <a:r>
+              <a:rPr lang="ru-RU" sz="3600" spc="-40" dirty="0"/>
+              <a:t> </a:t>
+            </a:r>
+            <a:r>
+              <a:rPr lang="ru-RU" sz="3600" spc="-5" dirty="0" err="1"/>
+              <a:t>Шавене</a:t>
+            </a:r>
+            <a:r>
+              <a:rPr lang="ru-RU" sz="3600" spc="-40" dirty="0"/>
+              <a:t> </a:t>
+            </a:r>
+            <a:r>
+              <a:rPr lang="ru-RU" sz="3600" spc="-5" dirty="0"/>
+              <a:t>(</a:t>
+            </a:r>
+            <a:r>
+              <a:rPr lang="en" sz="3600" spc="-5" dirty="0" err="1"/>
+              <a:t>Chauvenet</a:t>
+            </a:r>
+            <a:r>
+              <a:rPr lang="en" sz="3600" spc="-5" dirty="0"/>
+              <a:t>)</a:t>
+            </a:r>
+            <a:endParaRPr lang="ru-RU" dirty="0"/>
           </a:p>
         </p:txBody>
       </p:sp>
       <p:sp>
         <p:nvSpPr>
-          <p:cNvPr id="3" name="object 3"/>
-          <p:cNvSpPr txBox="1"/>
-          <p:nvPr/>
+          <p:cNvPr id="3" name="Объект 2">
+            <a:extLst>
+              <a:ext uri="{FF2B5EF4-FFF2-40B4-BE49-F238E27FC236}">
+                <a16:creationId xmlns:a16="http://schemas.microsoft.com/office/drawing/2014/main" id="{24D8D11F-AE62-9224-E47F-1A9288733FF6}"/>
+              </a:ext>
+            </a:extLst>
+          </p:cNvPr>
+          <p:cNvSpPr>
+            <a:spLocks noGrp="1"/>
+          </p:cNvSpPr>
+          <p:nvPr>
+            <p:ph idx="1"/>
+          </p:nvPr>
         </p:nvSpPr>
-        <p:spPr>
-          <a:xfrm>
-            <a:off x="358745" y="1002739"/>
-            <a:ext cx="8145145" cy="2027555"/>
-          </a:xfrm>
-          <a:prstGeom prst="rect">
-            <a:avLst/>
-          </a:prstGeom>
-        </p:spPr>
+        <p:spPr/>
         <p:txBody>
-          <a:bodyPr vert="horz" wrap="square" lIns="0" tIns="24765" rIns="0" bIns="0" rtlCol="0">
-            <a:spAutoFit/>
-          </a:bodyPr>
+          <a:bodyPr/>
           <a:lstStyle/>
           <a:p>
-            <a:pPr marL="469900" marR="1022985" indent="-457200">
-              <a:lnSpc>
-                <a:spcPts val="2630"/>
-              </a:lnSpc>
-              <a:spcBef>
-                <a:spcPts val="195"/>
-              </a:spcBef>
+            <a:pPr marL="0" indent="0">
+              <a:buNone/>
             </a:pPr>
             <a:r>
-              <a:rPr sz="2200" spc="-5" dirty="0">
-                <a:solidFill>
-                  <a:srgbClr val="595959"/>
-                </a:solidFill>
-                <a:latin typeface="Verdana"/>
-                <a:cs typeface="Verdana"/>
-              </a:rPr>
-              <a:t>Есть </a:t>
-            </a:r>
-            <a:r>
-              <a:rPr sz="2200" i="1" spc="-5" dirty="0">
-                <a:solidFill>
-                  <a:srgbClr val="595959"/>
-                </a:solidFill>
-                <a:latin typeface="Verdana"/>
-                <a:cs typeface="Verdana"/>
-              </a:rPr>
-              <a:t>n=14 </a:t>
-            </a:r>
-            <a:r>
-              <a:rPr sz="2200" spc="-5" dirty="0">
-                <a:solidFill>
-                  <a:srgbClr val="595959"/>
-                </a:solidFill>
-                <a:latin typeface="Verdana"/>
-                <a:cs typeface="Verdana"/>
-              </a:rPr>
-              <a:t>объектов со следующими значениями </a:t>
-            </a:r>
-            <a:r>
-              <a:rPr sz="2200" spc="-760" dirty="0">
-                <a:solidFill>
-                  <a:srgbClr val="595959"/>
-                </a:solidFill>
-                <a:latin typeface="Verdana"/>
-                <a:cs typeface="Verdana"/>
-              </a:rPr>
-              <a:t> </a:t>
-            </a:r>
-            <a:r>
-              <a:rPr sz="2200" spc="-5" dirty="0">
-                <a:solidFill>
-                  <a:srgbClr val="595959"/>
-                </a:solidFill>
-                <a:latin typeface="Verdana"/>
-                <a:cs typeface="Verdana"/>
-              </a:rPr>
-              <a:t>признака </a:t>
-            </a:r>
-            <a:r>
-              <a:rPr sz="2200" i="1" dirty="0">
-                <a:solidFill>
-                  <a:srgbClr val="595959"/>
-                </a:solidFill>
-                <a:latin typeface="Verdana"/>
-                <a:cs typeface="Verdana"/>
-              </a:rPr>
-              <a:t>Р</a:t>
-            </a:r>
-            <a:endParaRPr sz="2200" dirty="0">
-              <a:latin typeface="Verdana"/>
-              <a:cs typeface="Verdana"/>
-            </a:endParaRPr>
-          </a:p>
-          <a:p>
-            <a:pPr marL="12700">
-              <a:lnSpc>
-                <a:spcPts val="2525"/>
-              </a:lnSpc>
+              <a:rPr lang="ru-RU" dirty="0"/>
+              <a:t>Для выявления выбросов предлагается использовать реализацию</a:t>
+            </a:r>
+            <a:r>
+              <a:rPr lang="en-US" dirty="0"/>
+              <a:t>,</a:t>
+            </a:r>
+            <a:r>
+              <a:rPr lang="ru-RU" dirty="0"/>
+              <a:t> </a:t>
+            </a:r>
+            <a:r>
+              <a:rPr lang="ru-RU" b="0" i="0" u="none" strike="noStrike" dirty="0">
+                <a:solidFill>
+                  <a:srgbClr val="000000"/>
+                </a:solidFill>
+                <a:effectLst/>
+                <a:latin typeface="times new roman" panose="02020603050405020304" pitchFamily="18" charset="0"/>
+              </a:rPr>
+              <a:t>основанн</a:t>
+            </a:r>
+            <a:r>
+              <a:rPr lang="ru-RU" dirty="0">
+                <a:solidFill>
+                  <a:srgbClr val="000000"/>
+                </a:solidFill>
+                <a:latin typeface="times new roman" panose="02020603050405020304" pitchFamily="18" charset="0"/>
+              </a:rPr>
+              <a:t>ую</a:t>
+            </a:r>
+            <a:r>
+              <a:rPr lang="ru-RU" b="0" i="0" u="none" strike="noStrike" dirty="0">
+                <a:solidFill>
+                  <a:srgbClr val="000000"/>
+                </a:solidFill>
+                <a:effectLst/>
+                <a:latin typeface="times new roman" panose="02020603050405020304" pitchFamily="18" charset="0"/>
+              </a:rPr>
+              <a:t> на соответствующей функции (</a:t>
+            </a:r>
+            <a:r>
+              <a:rPr lang="en" dirty="0">
+                <a:solidFill>
+                  <a:srgbClr val="000000"/>
+                </a:solidFill>
+                <a:latin typeface="times new roman" panose="02020603050405020304" pitchFamily="18" charset="0"/>
+                <a:hlinkClick r:id="rId2">
+                  <a:extLst>
+                    <a:ext uri="{A12FA001-AC4F-418D-AE19-62706E023703}">
+                      <ahyp:hlinkClr xmlns:ahyp="http://schemas.microsoft.com/office/drawing/2018/hyperlinkcolor" val="tx"/>
+                    </a:ext>
+                  </a:extLst>
+                </a:hlinkClick>
+              </a:rPr>
+              <a:t>chauvenet</a:t>
+            </a:r>
+            <a:r>
+              <a:rPr lang="ru-RU" b="0" i="0" u="none" strike="noStrike" dirty="0">
+                <a:solidFill>
+                  <a:srgbClr val="000000"/>
+                </a:solidFill>
+                <a:effectLst/>
+                <a:latin typeface="times new roman" panose="02020603050405020304" pitchFamily="18" charset="0"/>
+              </a:rPr>
+              <a:t>)в библиотеке </a:t>
+            </a:r>
+            <a:r>
+              <a:rPr lang="en" b="1" i="0" u="none" strike="noStrike" dirty="0" err="1">
+                <a:solidFill>
+                  <a:srgbClr val="000000"/>
+                </a:solidFill>
+                <a:effectLst/>
+                <a:latin typeface="times new roman" panose="02020603050405020304" pitchFamily="18" charset="0"/>
+              </a:rPr>
+              <a:t>msproteomicstools</a:t>
+            </a:r>
+            <a:r>
+              <a:rPr lang="en-US" dirty="0"/>
+              <a:t>:</a:t>
+            </a:r>
+          </a:p>
+          <a:p>
+            <a:pPr marL="0" indent="0">
+              <a:buNone/>
             </a:pPr>
-            <a:r>
-              <a:rPr sz="2200" spc="-5" dirty="0">
-                <a:solidFill>
-                  <a:srgbClr val="595959"/>
-                </a:solidFill>
-                <a:latin typeface="Verdana"/>
-                <a:cs typeface="Verdana"/>
-              </a:rPr>
-              <a:t>8.02</a:t>
-            </a:r>
-            <a:r>
-              <a:rPr sz="2200" spc="-10" dirty="0">
-                <a:solidFill>
-                  <a:srgbClr val="595959"/>
-                </a:solidFill>
-                <a:latin typeface="Verdana"/>
-                <a:cs typeface="Verdana"/>
-              </a:rPr>
-              <a:t> </a:t>
-            </a:r>
-            <a:r>
-              <a:rPr sz="2200" spc="-5" dirty="0">
-                <a:solidFill>
-                  <a:srgbClr val="595959"/>
-                </a:solidFill>
-                <a:latin typeface="Verdana"/>
-                <a:cs typeface="Verdana"/>
-              </a:rPr>
-              <a:t>8.16</a:t>
-            </a:r>
-            <a:r>
-              <a:rPr sz="2200" spc="-10" dirty="0">
-                <a:solidFill>
-                  <a:srgbClr val="595959"/>
-                </a:solidFill>
-                <a:latin typeface="Verdana"/>
-                <a:cs typeface="Verdana"/>
-              </a:rPr>
-              <a:t> </a:t>
-            </a:r>
-            <a:r>
-              <a:rPr sz="2200" spc="-5" dirty="0">
-                <a:solidFill>
-                  <a:srgbClr val="595959"/>
-                </a:solidFill>
-                <a:latin typeface="Verdana"/>
-                <a:cs typeface="Verdana"/>
-              </a:rPr>
-              <a:t>3.97</a:t>
-            </a:r>
-            <a:r>
-              <a:rPr sz="2200" spc="-10" dirty="0">
-                <a:solidFill>
-                  <a:srgbClr val="595959"/>
-                </a:solidFill>
-                <a:latin typeface="Verdana"/>
-                <a:cs typeface="Verdana"/>
-              </a:rPr>
-              <a:t> </a:t>
-            </a:r>
-            <a:r>
-              <a:rPr sz="2200" spc="-5" dirty="0">
-                <a:solidFill>
-                  <a:srgbClr val="595959"/>
-                </a:solidFill>
-                <a:latin typeface="Verdana"/>
-                <a:cs typeface="Verdana"/>
-              </a:rPr>
-              <a:t>8.64</a:t>
-            </a:r>
-            <a:r>
-              <a:rPr sz="2200" spc="-10" dirty="0">
-                <a:solidFill>
-                  <a:srgbClr val="595959"/>
-                </a:solidFill>
-                <a:latin typeface="Verdana"/>
-                <a:cs typeface="Verdana"/>
-              </a:rPr>
-              <a:t> </a:t>
-            </a:r>
-            <a:r>
-              <a:rPr sz="2200" spc="-5" dirty="0">
-                <a:solidFill>
-                  <a:srgbClr val="595959"/>
-                </a:solidFill>
-                <a:latin typeface="Verdana"/>
-                <a:cs typeface="Verdana"/>
-              </a:rPr>
-              <a:t>0.84</a:t>
-            </a:r>
-            <a:r>
-              <a:rPr sz="2200" spc="-10" dirty="0">
-                <a:solidFill>
-                  <a:srgbClr val="595959"/>
-                </a:solidFill>
-                <a:latin typeface="Verdana"/>
-                <a:cs typeface="Verdana"/>
-              </a:rPr>
-              <a:t> </a:t>
-            </a:r>
-            <a:r>
-              <a:rPr sz="2200" spc="-5" dirty="0">
-                <a:solidFill>
-                  <a:srgbClr val="595959"/>
-                </a:solidFill>
-                <a:latin typeface="Verdana"/>
-                <a:cs typeface="Verdana"/>
-              </a:rPr>
-              <a:t>4.46</a:t>
-            </a:r>
-            <a:r>
-              <a:rPr sz="2200" spc="-10" dirty="0">
-                <a:solidFill>
-                  <a:srgbClr val="595959"/>
-                </a:solidFill>
-                <a:latin typeface="Verdana"/>
-                <a:cs typeface="Verdana"/>
-              </a:rPr>
-              <a:t> </a:t>
-            </a:r>
-            <a:r>
-              <a:rPr sz="2200" spc="-5" dirty="0">
-                <a:solidFill>
-                  <a:srgbClr val="595959"/>
-                </a:solidFill>
-                <a:latin typeface="Verdana"/>
-                <a:cs typeface="Verdana"/>
-              </a:rPr>
-              <a:t>0.81</a:t>
-            </a:r>
-            <a:r>
-              <a:rPr sz="2200" spc="-10" dirty="0">
-                <a:solidFill>
-                  <a:srgbClr val="595959"/>
-                </a:solidFill>
-                <a:latin typeface="Verdana"/>
-                <a:cs typeface="Verdana"/>
-              </a:rPr>
-              <a:t> </a:t>
-            </a:r>
-            <a:r>
-              <a:rPr sz="2200" spc="-5" dirty="0">
-                <a:solidFill>
-                  <a:srgbClr val="595959"/>
-                </a:solidFill>
-                <a:latin typeface="Verdana"/>
-                <a:cs typeface="Verdana"/>
-              </a:rPr>
-              <a:t>7.74</a:t>
-            </a:r>
-            <a:r>
-              <a:rPr sz="2200" spc="-10" dirty="0">
-                <a:solidFill>
-                  <a:srgbClr val="595959"/>
-                </a:solidFill>
-                <a:latin typeface="Verdana"/>
-                <a:cs typeface="Verdana"/>
-              </a:rPr>
-              <a:t> </a:t>
-            </a:r>
-            <a:r>
-              <a:rPr sz="2200" spc="-5" dirty="0">
-                <a:solidFill>
-                  <a:srgbClr val="595959"/>
-                </a:solidFill>
-                <a:latin typeface="Verdana"/>
-                <a:cs typeface="Verdana"/>
-              </a:rPr>
-              <a:t>8.78</a:t>
-            </a:r>
-            <a:r>
-              <a:rPr sz="2200" spc="-10" dirty="0">
-                <a:solidFill>
-                  <a:srgbClr val="595959"/>
-                </a:solidFill>
-                <a:latin typeface="Verdana"/>
-                <a:cs typeface="Verdana"/>
-              </a:rPr>
-              <a:t> </a:t>
-            </a:r>
-            <a:r>
-              <a:rPr sz="2200" spc="-5" dirty="0">
-                <a:solidFill>
-                  <a:srgbClr val="595959"/>
-                </a:solidFill>
-                <a:latin typeface="Verdana"/>
-                <a:cs typeface="Verdana"/>
-              </a:rPr>
-              <a:t>9.26</a:t>
-            </a:r>
-            <a:r>
-              <a:rPr sz="2200" spc="-10" dirty="0">
-                <a:solidFill>
-                  <a:srgbClr val="595959"/>
-                </a:solidFill>
-                <a:latin typeface="Verdana"/>
-                <a:cs typeface="Verdana"/>
-              </a:rPr>
-              <a:t> </a:t>
-            </a:r>
-            <a:r>
-              <a:rPr sz="2200" spc="-5" dirty="0">
-                <a:solidFill>
-                  <a:srgbClr val="595959"/>
-                </a:solidFill>
-                <a:latin typeface="Verdana"/>
-                <a:cs typeface="Verdana"/>
-              </a:rPr>
-              <a:t>20.46</a:t>
-            </a:r>
-            <a:endParaRPr sz="2200" dirty="0">
-              <a:latin typeface="Verdana"/>
-              <a:cs typeface="Verdana"/>
-            </a:endParaRPr>
-          </a:p>
-          <a:p>
-            <a:pPr marL="469900">
-              <a:lnSpc>
-                <a:spcPts val="2625"/>
-              </a:lnSpc>
+            <a:endParaRPr lang="en-US" dirty="0"/>
+          </a:p>
+          <a:p>
+            <a:pPr marL="0" indent="0" algn="ctr">
+              <a:buNone/>
             </a:pPr>
             <a:r>
-              <a:rPr sz="2200" spc="-5" dirty="0">
-                <a:solidFill>
-                  <a:srgbClr val="595959"/>
-                </a:solidFill>
-                <a:latin typeface="Verdana"/>
-                <a:cs typeface="Verdana"/>
-              </a:rPr>
-              <a:t>29.87</a:t>
-            </a:r>
-            <a:r>
-              <a:rPr sz="2200" spc="-40" dirty="0">
-                <a:solidFill>
-                  <a:srgbClr val="595959"/>
-                </a:solidFill>
-                <a:latin typeface="Verdana"/>
-                <a:cs typeface="Verdana"/>
-              </a:rPr>
-              <a:t> </a:t>
-            </a:r>
-            <a:r>
-              <a:rPr sz="2200" spc="-5" dirty="0">
-                <a:solidFill>
-                  <a:srgbClr val="595959"/>
-                </a:solidFill>
-                <a:latin typeface="Verdana"/>
-                <a:cs typeface="Verdana"/>
-              </a:rPr>
-              <a:t>10.38</a:t>
-            </a:r>
-            <a:r>
-              <a:rPr sz="2200" spc="-35" dirty="0">
-                <a:solidFill>
-                  <a:srgbClr val="595959"/>
-                </a:solidFill>
-                <a:latin typeface="Verdana"/>
-                <a:cs typeface="Verdana"/>
-              </a:rPr>
-              <a:t> </a:t>
-            </a:r>
-            <a:r>
-              <a:rPr sz="2200" spc="-5" dirty="0">
-                <a:solidFill>
-                  <a:srgbClr val="595959"/>
-                </a:solidFill>
-                <a:latin typeface="Verdana"/>
-                <a:cs typeface="Verdana"/>
-              </a:rPr>
-              <a:t>25.71</a:t>
-            </a:r>
-            <a:endParaRPr sz="2200" dirty="0">
-              <a:latin typeface="Verdana"/>
-              <a:cs typeface="Verdana"/>
-            </a:endParaRPr>
-          </a:p>
-          <a:p>
-            <a:pPr marL="12700">
-              <a:lnSpc>
-                <a:spcPts val="2625"/>
-              </a:lnSpc>
-              <a:tabLst>
-                <a:tab pos="2141220" algn="l"/>
-                <a:tab pos="3674110" algn="l"/>
-              </a:tabLst>
+              <a:rPr lang="en" dirty="0">
+                <a:hlinkClick r:id="rId2"/>
+              </a:rPr>
+              <a:t>https://github.com/msproteomicstools/msproteomicstools/blob/master/msproteomicstoolslib/math/chauvenet.py</a:t>
+            </a:r>
+            <a:endParaRPr lang="en" dirty="0"/>
+          </a:p>
+          <a:p>
+            <a:pPr marL="0" indent="0">
+              <a:buNone/>
             </a:pPr>
-            <a:r>
-              <a:rPr sz="2200" spc="-5" dirty="0">
-                <a:solidFill>
-                  <a:srgbClr val="595959"/>
-                </a:solidFill>
-                <a:latin typeface="Verdana"/>
-                <a:cs typeface="Verdana"/>
-              </a:rPr>
-              <a:t>Вычисляем:	=10.51,	=8.77.</a:t>
-            </a:r>
-            <a:endParaRPr sz="2200" dirty="0">
-              <a:latin typeface="Verdana"/>
-              <a:cs typeface="Verdana"/>
-            </a:endParaRPr>
-          </a:p>
-          <a:p>
-            <a:pPr marL="12700">
-              <a:lnSpc>
-                <a:spcPts val="2635"/>
-              </a:lnSpc>
-            </a:pPr>
-            <a:r>
-              <a:rPr sz="2200" spc="-5" dirty="0">
-                <a:solidFill>
-                  <a:srgbClr val="595959"/>
-                </a:solidFill>
-                <a:latin typeface="Verdana"/>
-                <a:cs typeface="Verdana"/>
-              </a:rPr>
-              <a:t>Проверка</a:t>
-            </a:r>
-            <a:r>
-              <a:rPr sz="2200" spc="-40" dirty="0">
-                <a:solidFill>
-                  <a:srgbClr val="595959"/>
-                </a:solidFill>
-                <a:latin typeface="Verdana"/>
-                <a:cs typeface="Verdana"/>
-              </a:rPr>
-              <a:t> </a:t>
-            </a:r>
-            <a:r>
-              <a:rPr sz="2200" spc="-5" dirty="0">
-                <a:solidFill>
-                  <a:srgbClr val="595959"/>
-                </a:solidFill>
-                <a:latin typeface="Verdana"/>
-                <a:cs typeface="Verdana"/>
-              </a:rPr>
-              <a:t>для</a:t>
-            </a:r>
-            <a:r>
-              <a:rPr sz="2200" spc="-35" dirty="0">
-                <a:solidFill>
-                  <a:srgbClr val="595959"/>
-                </a:solidFill>
-                <a:latin typeface="Verdana"/>
-                <a:cs typeface="Verdana"/>
-              </a:rPr>
-              <a:t> </a:t>
-            </a:r>
-            <a:r>
-              <a:rPr sz="2200" spc="-5" dirty="0">
-                <a:solidFill>
-                  <a:srgbClr val="595959"/>
-                </a:solidFill>
-                <a:latin typeface="Verdana"/>
-                <a:cs typeface="Verdana"/>
-              </a:rPr>
-              <a:t>25.71:</a:t>
-            </a:r>
-            <a:endParaRPr sz="2200" dirty="0">
-              <a:latin typeface="Verdana"/>
-              <a:cs typeface="Verdana"/>
-            </a:endParaRPr>
+            <a:endParaRPr lang="ru-RU" dirty="0"/>
           </a:p>
         </p:txBody>
       </p:sp>
-      <p:sp>
-        <p:nvSpPr>
-          <p:cNvPr id="4" name="object 4"/>
-          <p:cNvSpPr txBox="1"/>
-          <p:nvPr/>
-        </p:nvSpPr>
-        <p:spPr>
-          <a:xfrm>
-            <a:off x="5360284" y="4336489"/>
-            <a:ext cx="3078480" cy="360680"/>
-          </a:xfrm>
-          <a:prstGeom prst="rect">
-            <a:avLst/>
-          </a:prstGeom>
-        </p:spPr>
-        <p:txBody>
-          <a:bodyPr vert="horz" wrap="square" lIns="0" tIns="12700" rIns="0" bIns="0" rtlCol="0">
-            <a:spAutoFit/>
-          </a:bodyPr>
-          <a:lstStyle/>
-          <a:p>
-            <a:pPr marL="12700">
-              <a:lnSpc>
-                <a:spcPct val="100000"/>
-              </a:lnSpc>
-              <a:spcBef>
-                <a:spcPts val="100"/>
-              </a:spcBef>
-            </a:pPr>
-            <a:r>
-              <a:rPr sz="2200" spc="-5" dirty="0">
-                <a:solidFill>
-                  <a:srgbClr val="595959"/>
-                </a:solidFill>
-                <a:latin typeface="Verdana"/>
-                <a:cs typeface="Verdana"/>
-              </a:rPr>
-              <a:t>то</a:t>
-            </a:r>
-            <a:r>
-              <a:rPr sz="2200" spc="-35" dirty="0">
-                <a:solidFill>
-                  <a:srgbClr val="595959"/>
-                </a:solidFill>
-                <a:latin typeface="Verdana"/>
-                <a:cs typeface="Verdana"/>
-              </a:rPr>
-              <a:t> </a:t>
-            </a:r>
-            <a:r>
-              <a:rPr sz="2200" spc="-5" dirty="0">
-                <a:solidFill>
-                  <a:srgbClr val="595959"/>
-                </a:solidFill>
-                <a:latin typeface="Verdana"/>
-                <a:cs typeface="Verdana"/>
-              </a:rPr>
-              <a:t>есть</a:t>
-            </a:r>
-            <a:r>
-              <a:rPr sz="2200" spc="-30" dirty="0">
-                <a:solidFill>
-                  <a:srgbClr val="595959"/>
-                </a:solidFill>
-                <a:latin typeface="Verdana"/>
-                <a:cs typeface="Verdana"/>
-              </a:rPr>
-              <a:t> </a:t>
-            </a:r>
-            <a:r>
-              <a:rPr sz="2200" spc="-5" dirty="0">
-                <a:solidFill>
-                  <a:srgbClr val="595959"/>
-                </a:solidFill>
-                <a:latin typeface="Verdana"/>
-                <a:cs typeface="Verdana"/>
-              </a:rPr>
-              <a:t>это</a:t>
-            </a:r>
-            <a:r>
-              <a:rPr sz="2200" spc="-40" dirty="0">
-                <a:solidFill>
-                  <a:srgbClr val="595959"/>
-                </a:solidFill>
-                <a:latin typeface="Verdana"/>
-                <a:cs typeface="Verdana"/>
-              </a:rPr>
-              <a:t> </a:t>
-            </a:r>
-            <a:r>
-              <a:rPr sz="2200" spc="-5" dirty="0">
-                <a:solidFill>
-                  <a:srgbClr val="595959"/>
-                </a:solidFill>
-                <a:latin typeface="Verdana"/>
-                <a:cs typeface="Verdana"/>
-              </a:rPr>
-              <a:t>выброс!!!</a:t>
-            </a:r>
-            <a:endParaRPr sz="2200">
-              <a:latin typeface="Verdana"/>
-              <a:cs typeface="Verdana"/>
-            </a:endParaRPr>
-          </a:p>
-        </p:txBody>
-      </p:sp>
-      <p:pic>
-        <p:nvPicPr>
-          <p:cNvPr id="5" name="object 5"/>
-          <p:cNvPicPr/>
-          <p:nvPr/>
-        </p:nvPicPr>
-        <p:blipFill>
-          <a:blip r:embed="rId2" cstate="print"/>
-          <a:stretch>
-            <a:fillRect/>
-          </a:stretch>
-        </p:blipFill>
-        <p:spPr>
-          <a:xfrm>
-            <a:off x="2285984" y="2357435"/>
-            <a:ext cx="190499" cy="447641"/>
-          </a:xfrm>
-          <a:prstGeom prst="rect">
-            <a:avLst/>
-          </a:prstGeom>
-        </p:spPr>
-      </p:pic>
-      <p:pic>
-        <p:nvPicPr>
-          <p:cNvPr id="6" name="object 6"/>
-          <p:cNvPicPr/>
-          <p:nvPr/>
-        </p:nvPicPr>
-        <p:blipFill>
-          <a:blip r:embed="rId3" cstate="print"/>
-          <a:stretch>
-            <a:fillRect/>
-          </a:stretch>
-        </p:blipFill>
-        <p:spPr>
-          <a:xfrm>
-            <a:off x="3714744" y="2357435"/>
-            <a:ext cx="314293" cy="447641"/>
-          </a:xfrm>
-          <a:prstGeom prst="rect">
-            <a:avLst/>
-          </a:prstGeom>
-        </p:spPr>
-      </p:pic>
-      <p:grpSp>
-        <p:nvGrpSpPr>
-          <p:cNvPr id="7" name="object 7"/>
-          <p:cNvGrpSpPr/>
-          <p:nvPr/>
-        </p:nvGrpSpPr>
-        <p:grpSpPr>
-          <a:xfrm>
-            <a:off x="571471" y="3143254"/>
-            <a:ext cx="6977380" cy="923925"/>
-            <a:chOff x="571471" y="3143254"/>
-            <a:chExt cx="6977380" cy="923925"/>
-          </a:xfrm>
-        </p:grpSpPr>
-        <p:pic>
-          <p:nvPicPr>
-            <p:cNvPr id="8" name="object 8"/>
-            <p:cNvPicPr/>
-            <p:nvPr/>
-          </p:nvPicPr>
-          <p:blipFill>
-            <a:blip r:embed="rId4" cstate="print"/>
-            <a:stretch>
-              <a:fillRect/>
-            </a:stretch>
-          </p:blipFill>
-          <p:spPr>
-            <a:xfrm>
-              <a:off x="6357950" y="3214692"/>
-              <a:ext cx="1190624" cy="771216"/>
-            </a:xfrm>
-            <a:prstGeom prst="rect">
-              <a:avLst/>
-            </a:prstGeom>
-          </p:spPr>
-        </p:pic>
-        <p:pic>
-          <p:nvPicPr>
-            <p:cNvPr id="9" name="object 9"/>
-            <p:cNvPicPr/>
-            <p:nvPr/>
-          </p:nvPicPr>
-          <p:blipFill>
-            <a:blip r:embed="rId5" cstate="print"/>
-            <a:stretch>
-              <a:fillRect/>
-            </a:stretch>
-          </p:blipFill>
-          <p:spPr>
-            <a:xfrm>
-              <a:off x="571471" y="3143254"/>
-              <a:ext cx="5752540" cy="923924"/>
-            </a:xfrm>
-            <a:prstGeom prst="rect">
-              <a:avLst/>
-            </a:prstGeom>
-          </p:spPr>
-        </p:pic>
-      </p:grpSp>
     </p:spTree>
+    <p:extLst>
+      <p:ext uri="{BB962C8B-B14F-4D97-AF65-F5344CB8AC3E}">
+        <p14:creationId xmlns:p14="http://schemas.microsoft.com/office/powerpoint/2010/main" val="1012383423"/>
+      </p:ext>
+    </p:extLst>
   </p:cSld>
   <p:clrMapOvr>
     <a:masterClrMapping/>
@@ -7735,8 +7212,14 @@
       </p:grpSpPr>
       <p:sp>
         <p:nvSpPr>
-          <p:cNvPr id="2" name="object 2"/>
-          <p:cNvSpPr txBox="1">
+          <p:cNvPr id="2" name="Заголовок 1">
+            <a:extLst>
+              <a:ext uri="{FF2B5EF4-FFF2-40B4-BE49-F238E27FC236}">
+                <a16:creationId xmlns:a16="http://schemas.microsoft.com/office/drawing/2014/main" id="{19C683A6-09BE-780D-E728-F104CD5B8EB3}"/>
+              </a:ext>
+            </a:extLst>
+          </p:cNvPr>
+          <p:cNvSpPr>
             <a:spLocks noGrp="1"/>
           </p:cNvSpPr>
           <p:nvPr>
@@ -7745,769 +7228,524 @@
         </p:nvSpPr>
         <p:spPr>
           <a:xfrm>
-            <a:off x="384725" y="481496"/>
-            <a:ext cx="1720214" cy="482600"/>
+            <a:off x="628650" y="13691"/>
+            <a:ext cx="7886700" cy="994172"/>
           </a:xfrm>
-          <a:prstGeom prst="rect">
-            <a:avLst/>
-          </a:prstGeom>
         </p:spPr>
         <p:txBody>
-          <a:bodyPr vert="horz" wrap="square" lIns="0" tIns="12700" rIns="0" bIns="0" rtlCol="0">
-            <a:spAutoFit/>
-          </a:bodyPr>
+          <a:bodyPr/>
           <a:lstStyle/>
           <a:p>
-            <a:pPr marL="12700">
-              <a:lnSpc>
-                <a:spcPct val="100000"/>
-              </a:lnSpc>
-              <a:spcBef>
-                <a:spcPts val="100"/>
-              </a:spcBef>
-            </a:pPr>
-            <a:r>
-              <a:rPr sz="3000" spc="-5" dirty="0"/>
-              <a:t>Пример</a:t>
-            </a:r>
-            <a:endParaRPr sz="3000"/>
+            <a:r>
+              <a:rPr lang="ru-RU" dirty="0"/>
+              <a:t>Пример вычислений</a:t>
+            </a:r>
           </a:p>
         </p:txBody>
       </p:sp>
       <p:sp>
         <p:nvSpPr>
-          <p:cNvPr id="3" name="object 3"/>
+          <p:cNvPr id="3" name="Объект 2">
+            <a:extLst>
+              <a:ext uri="{FF2B5EF4-FFF2-40B4-BE49-F238E27FC236}">
+                <a16:creationId xmlns:a16="http://schemas.microsoft.com/office/drawing/2014/main" id="{0EC90BFC-D70D-721A-FCF8-3ECFE2C084D9}"/>
+              </a:ext>
+            </a:extLst>
+          </p:cNvPr>
+          <p:cNvSpPr>
+            <a:spLocks noGrp="1"/>
+          </p:cNvSpPr>
+          <p:nvPr>
+            <p:ph idx="1"/>
+          </p:nvPr>
+        </p:nvSpPr>
+        <p:spPr>
+          <a:xfrm>
+            <a:off x="628650" y="984100"/>
+            <a:ext cx="7886700" cy="3263504"/>
+          </a:xfrm>
+        </p:spPr>
+        <p:txBody>
+          <a:bodyPr/>
+          <a:lstStyle/>
+          <a:p>
+            <a:r>
+              <a:rPr lang="ru-RU" dirty="0"/>
+              <a:t>Исходный список</a:t>
+            </a:r>
+            <a:r>
+              <a:rPr lang="en-US" dirty="0"/>
+              <a:t>: </a:t>
+            </a:r>
+            <a:r>
+              <a:rPr lang="ru-RU" b="0" dirty="0">
+                <a:solidFill>
+                  <a:srgbClr val="000000"/>
+                </a:solidFill>
+                <a:effectLst/>
+                <a:latin typeface="Courier New" panose="02070309020205020404" pitchFamily="49" charset="0"/>
+              </a:rPr>
+              <a:t>[</a:t>
+            </a:r>
+            <a:r>
+              <a:rPr lang="ru-RU" b="0" dirty="0">
+                <a:solidFill>
+                  <a:srgbClr val="098156"/>
+                </a:solidFill>
+                <a:effectLst/>
+                <a:latin typeface="Courier New" panose="02070309020205020404" pitchFamily="49" charset="0"/>
+              </a:rPr>
+              <a:t>8.02</a:t>
+            </a:r>
+            <a:r>
+              <a:rPr lang="ru-RU" b="0" dirty="0">
+                <a:solidFill>
+                  <a:srgbClr val="000000"/>
+                </a:solidFill>
+                <a:effectLst/>
+                <a:latin typeface="Courier New" panose="02070309020205020404" pitchFamily="49" charset="0"/>
+              </a:rPr>
+              <a:t>, </a:t>
+            </a:r>
+            <a:r>
+              <a:rPr lang="ru-RU" b="0" dirty="0">
+                <a:solidFill>
+                  <a:srgbClr val="098156"/>
+                </a:solidFill>
+                <a:effectLst/>
+                <a:latin typeface="Courier New" panose="02070309020205020404" pitchFamily="49" charset="0"/>
+              </a:rPr>
+              <a:t>8.16</a:t>
+            </a:r>
+            <a:r>
+              <a:rPr lang="ru-RU" b="0" dirty="0">
+                <a:solidFill>
+                  <a:srgbClr val="000000"/>
+                </a:solidFill>
+                <a:effectLst/>
+                <a:latin typeface="Courier New" panose="02070309020205020404" pitchFamily="49" charset="0"/>
+              </a:rPr>
+              <a:t>, </a:t>
+            </a:r>
+            <a:r>
+              <a:rPr lang="ru-RU" b="0" dirty="0">
+                <a:solidFill>
+                  <a:srgbClr val="098156"/>
+                </a:solidFill>
+                <a:effectLst/>
+                <a:latin typeface="Courier New" panose="02070309020205020404" pitchFamily="49" charset="0"/>
+              </a:rPr>
+              <a:t>3.97</a:t>
+            </a:r>
+            <a:r>
+              <a:rPr lang="ru-RU" b="0" dirty="0">
+                <a:solidFill>
+                  <a:srgbClr val="000000"/>
+                </a:solidFill>
+                <a:effectLst/>
+                <a:latin typeface="Courier New" panose="02070309020205020404" pitchFamily="49" charset="0"/>
+              </a:rPr>
+              <a:t>, </a:t>
+            </a:r>
+            <a:r>
+              <a:rPr lang="ru-RU" b="0" dirty="0">
+                <a:solidFill>
+                  <a:srgbClr val="098156"/>
+                </a:solidFill>
+                <a:effectLst/>
+                <a:latin typeface="Courier New" panose="02070309020205020404" pitchFamily="49" charset="0"/>
+              </a:rPr>
+              <a:t>8.64</a:t>
+            </a:r>
+            <a:r>
+              <a:rPr lang="ru-RU" b="0" dirty="0">
+                <a:solidFill>
+                  <a:srgbClr val="000000"/>
+                </a:solidFill>
+                <a:effectLst/>
+                <a:latin typeface="Courier New" panose="02070309020205020404" pitchFamily="49" charset="0"/>
+              </a:rPr>
+              <a:t>, </a:t>
+            </a:r>
+            <a:r>
+              <a:rPr lang="ru-RU" b="0" dirty="0">
+                <a:solidFill>
+                  <a:srgbClr val="098156"/>
+                </a:solidFill>
+                <a:effectLst/>
+                <a:latin typeface="Courier New" panose="02070309020205020404" pitchFamily="49" charset="0"/>
+              </a:rPr>
+              <a:t>0.84</a:t>
+            </a:r>
+            <a:r>
+              <a:rPr lang="ru-RU" b="0" dirty="0">
+                <a:solidFill>
+                  <a:srgbClr val="000000"/>
+                </a:solidFill>
+                <a:effectLst/>
+                <a:latin typeface="Courier New" panose="02070309020205020404" pitchFamily="49" charset="0"/>
+              </a:rPr>
+              <a:t>, </a:t>
+            </a:r>
+            <a:r>
+              <a:rPr lang="ru-RU" b="0" dirty="0">
+                <a:solidFill>
+                  <a:srgbClr val="098156"/>
+                </a:solidFill>
+                <a:effectLst/>
+                <a:latin typeface="Courier New" panose="02070309020205020404" pitchFamily="49" charset="0"/>
+              </a:rPr>
+              <a:t>4.46</a:t>
+            </a:r>
+            <a:r>
+              <a:rPr lang="ru-RU" b="0" dirty="0">
+                <a:solidFill>
+                  <a:srgbClr val="000000"/>
+                </a:solidFill>
+                <a:effectLst/>
+                <a:latin typeface="Courier New" panose="02070309020205020404" pitchFamily="49" charset="0"/>
+              </a:rPr>
+              <a:t>, </a:t>
+            </a:r>
+            <a:r>
+              <a:rPr lang="ru-RU" b="0" dirty="0">
+                <a:solidFill>
+                  <a:srgbClr val="098156"/>
+                </a:solidFill>
+                <a:effectLst/>
+                <a:latin typeface="Courier New" panose="02070309020205020404" pitchFamily="49" charset="0"/>
+              </a:rPr>
+              <a:t>0.81</a:t>
+            </a:r>
+            <a:r>
+              <a:rPr lang="ru-RU" b="0" dirty="0">
+                <a:solidFill>
+                  <a:srgbClr val="000000"/>
+                </a:solidFill>
+                <a:effectLst/>
+                <a:latin typeface="Courier New" panose="02070309020205020404" pitchFamily="49" charset="0"/>
+              </a:rPr>
+              <a:t>, </a:t>
+            </a:r>
+            <a:r>
+              <a:rPr lang="ru-RU" b="0" dirty="0">
+                <a:solidFill>
+                  <a:srgbClr val="098156"/>
+                </a:solidFill>
+                <a:effectLst/>
+                <a:latin typeface="Courier New" panose="02070309020205020404" pitchFamily="49" charset="0"/>
+              </a:rPr>
+              <a:t>7.74</a:t>
+            </a:r>
+            <a:r>
+              <a:rPr lang="ru-RU" b="0" dirty="0">
+                <a:solidFill>
+                  <a:srgbClr val="000000"/>
+                </a:solidFill>
+                <a:effectLst/>
+                <a:latin typeface="Courier New" panose="02070309020205020404" pitchFamily="49" charset="0"/>
+              </a:rPr>
+              <a:t>, </a:t>
+            </a:r>
+            <a:r>
+              <a:rPr lang="ru-RU" b="0" dirty="0">
+                <a:solidFill>
+                  <a:srgbClr val="098156"/>
+                </a:solidFill>
+                <a:effectLst/>
+                <a:latin typeface="Courier New" panose="02070309020205020404" pitchFamily="49" charset="0"/>
+              </a:rPr>
+              <a:t>8.78</a:t>
+            </a:r>
+            <a:r>
+              <a:rPr lang="ru-RU" b="0" dirty="0">
+                <a:solidFill>
+                  <a:srgbClr val="000000"/>
+                </a:solidFill>
+                <a:effectLst/>
+                <a:latin typeface="Courier New" panose="02070309020205020404" pitchFamily="49" charset="0"/>
+              </a:rPr>
+              <a:t>, </a:t>
+            </a:r>
+            <a:r>
+              <a:rPr lang="ru-RU" b="0" dirty="0">
+                <a:solidFill>
+                  <a:srgbClr val="098156"/>
+                </a:solidFill>
+                <a:effectLst/>
+                <a:latin typeface="Courier New" panose="02070309020205020404" pitchFamily="49" charset="0"/>
+              </a:rPr>
+              <a:t>9.26</a:t>
+            </a:r>
+            <a:r>
+              <a:rPr lang="ru-RU" b="0" dirty="0">
+                <a:solidFill>
+                  <a:srgbClr val="000000"/>
+                </a:solidFill>
+                <a:effectLst/>
+                <a:latin typeface="Courier New" panose="02070309020205020404" pitchFamily="49" charset="0"/>
+              </a:rPr>
+              <a:t>, </a:t>
+            </a:r>
+            <a:r>
+              <a:rPr lang="ru-RU" b="0" dirty="0">
+                <a:solidFill>
+                  <a:srgbClr val="098156"/>
+                </a:solidFill>
+                <a:effectLst/>
+                <a:latin typeface="Courier New" panose="02070309020205020404" pitchFamily="49" charset="0"/>
+              </a:rPr>
+              <a:t>20.46</a:t>
+            </a:r>
+            <a:r>
+              <a:rPr lang="ru-RU" b="0" dirty="0">
+                <a:solidFill>
+                  <a:srgbClr val="000000"/>
+                </a:solidFill>
+                <a:effectLst/>
+                <a:latin typeface="Courier New" panose="02070309020205020404" pitchFamily="49" charset="0"/>
+              </a:rPr>
+              <a:t>, </a:t>
+            </a:r>
+            <a:r>
+              <a:rPr lang="ru-RU" b="0" dirty="0">
+                <a:solidFill>
+                  <a:srgbClr val="098156"/>
+                </a:solidFill>
+                <a:effectLst/>
+                <a:latin typeface="Courier New" panose="02070309020205020404" pitchFamily="49" charset="0"/>
+              </a:rPr>
+              <a:t>29.87</a:t>
+            </a:r>
+            <a:r>
+              <a:rPr lang="ru-RU" b="0" dirty="0">
+                <a:solidFill>
+                  <a:srgbClr val="000000"/>
+                </a:solidFill>
+                <a:effectLst/>
+                <a:latin typeface="Courier New" panose="02070309020205020404" pitchFamily="49" charset="0"/>
+              </a:rPr>
+              <a:t>, </a:t>
+            </a:r>
+            <a:r>
+              <a:rPr lang="ru-RU" b="0" dirty="0">
+                <a:solidFill>
+                  <a:srgbClr val="098156"/>
+                </a:solidFill>
+                <a:effectLst/>
+                <a:latin typeface="Courier New" panose="02070309020205020404" pitchFamily="49" charset="0"/>
+              </a:rPr>
+              <a:t>10.38</a:t>
+            </a:r>
+            <a:r>
+              <a:rPr lang="ru-RU" b="0" dirty="0">
+                <a:solidFill>
+                  <a:srgbClr val="000000"/>
+                </a:solidFill>
+                <a:effectLst/>
+                <a:latin typeface="Courier New" panose="02070309020205020404" pitchFamily="49" charset="0"/>
+              </a:rPr>
+              <a:t>, </a:t>
+            </a:r>
+            <a:r>
+              <a:rPr lang="ru-RU" b="0" dirty="0">
+                <a:solidFill>
+                  <a:srgbClr val="098156"/>
+                </a:solidFill>
+                <a:effectLst/>
+                <a:latin typeface="Courier New" panose="02070309020205020404" pitchFamily="49" charset="0"/>
+              </a:rPr>
+              <a:t>25.71</a:t>
+            </a:r>
+            <a:r>
+              <a:rPr lang="ru-RU" b="0" dirty="0">
+                <a:solidFill>
+                  <a:srgbClr val="000000"/>
+                </a:solidFill>
+                <a:effectLst/>
+                <a:latin typeface="Courier New" panose="02070309020205020404" pitchFamily="49" charset="0"/>
+              </a:rPr>
+              <a:t>]</a:t>
+            </a:r>
+            <a:r>
+              <a:rPr lang="en-US" b="0" dirty="0">
+                <a:solidFill>
+                  <a:srgbClr val="000000"/>
+                </a:solidFill>
+                <a:effectLst/>
+                <a:latin typeface="Courier New" panose="02070309020205020404" pitchFamily="49" charset="0"/>
+              </a:rPr>
+              <a:t>, </a:t>
+            </a:r>
+            <a:r>
+              <a:rPr lang="en-US" b="0" i="1" dirty="0">
+                <a:solidFill>
+                  <a:srgbClr val="000000"/>
+                </a:solidFill>
+                <a:effectLst/>
+                <a:latin typeface="Courier New" panose="02070309020205020404" pitchFamily="49" charset="0"/>
+              </a:rPr>
+              <a:t>n = 14</a:t>
+            </a:r>
+            <a:endParaRPr lang="ru-RU" b="0" i="1" dirty="0">
+              <a:solidFill>
+                <a:srgbClr val="000000"/>
+              </a:solidFill>
+              <a:effectLst/>
+              <a:latin typeface="Courier New" panose="02070309020205020404" pitchFamily="49" charset="0"/>
+            </a:endParaRPr>
+          </a:p>
+          <a:p>
+            <a:endParaRPr lang="ru-RU" dirty="0"/>
+          </a:p>
+        </p:txBody>
+      </p:sp>
+      <p:sp>
+        <p:nvSpPr>
+          <p:cNvPr id="5" name="TextBox 4">
+            <a:extLst>
+              <a:ext uri="{FF2B5EF4-FFF2-40B4-BE49-F238E27FC236}">
+                <a16:creationId xmlns:a16="http://schemas.microsoft.com/office/drawing/2014/main" id="{7F068EDD-E524-3D41-BCE0-DE148711A842}"/>
+              </a:ext>
+            </a:extLst>
+          </p:cNvPr>
           <p:cNvSpPr txBox="1"/>
           <p:nvPr/>
         </p:nvSpPr>
         <p:spPr>
           <a:xfrm>
-            <a:off x="358745" y="1002739"/>
-            <a:ext cx="8145145" cy="2360930"/>
+            <a:off x="628650" y="2266950"/>
+            <a:ext cx="8286750" cy="2308324"/>
           </a:xfrm>
           <a:prstGeom prst="rect">
             <a:avLst/>
           </a:prstGeom>
+          <a:noFill/>
         </p:spPr>
         <p:txBody>
-          <a:bodyPr vert="horz" wrap="square" lIns="0" tIns="24765" rIns="0" bIns="0" rtlCol="0">
+          <a:bodyPr wrap="square">
             <a:spAutoFit/>
           </a:bodyPr>
           <a:lstStyle/>
           <a:p>
-            <a:pPr marL="469900" marR="1022985" indent="-457200">
-              <a:lnSpc>
-                <a:spcPts val="2630"/>
-              </a:lnSpc>
-              <a:spcBef>
-                <a:spcPts val="195"/>
-              </a:spcBef>
-            </a:pPr>
-            <a:r>
-              <a:rPr sz="2200" spc="-5" dirty="0">
-                <a:solidFill>
-                  <a:srgbClr val="595959"/>
-                </a:solidFill>
-                <a:latin typeface="Verdana"/>
-                <a:cs typeface="Verdana"/>
-              </a:rPr>
-              <a:t>Есть </a:t>
-            </a:r>
-            <a:r>
-              <a:rPr sz="2200" i="1" spc="-5" dirty="0">
-                <a:solidFill>
-                  <a:srgbClr val="595959"/>
-                </a:solidFill>
-                <a:latin typeface="Verdana"/>
-                <a:cs typeface="Verdana"/>
-              </a:rPr>
-              <a:t>n=14 </a:t>
-            </a:r>
-            <a:r>
-              <a:rPr sz="2200" spc="-5" dirty="0">
-                <a:solidFill>
-                  <a:srgbClr val="595959"/>
-                </a:solidFill>
-                <a:latin typeface="Verdana"/>
-                <a:cs typeface="Verdana"/>
-              </a:rPr>
-              <a:t>объектов со следующими значениями </a:t>
-            </a:r>
-            <a:r>
-              <a:rPr sz="2200" spc="-760" dirty="0">
-                <a:solidFill>
-                  <a:srgbClr val="595959"/>
-                </a:solidFill>
-                <a:latin typeface="Verdana"/>
-                <a:cs typeface="Verdana"/>
-              </a:rPr>
-              <a:t> </a:t>
-            </a:r>
-            <a:r>
-              <a:rPr sz="2200" spc="-5" dirty="0">
-                <a:solidFill>
-                  <a:srgbClr val="595959"/>
-                </a:solidFill>
-                <a:latin typeface="Verdana"/>
-                <a:cs typeface="Verdana"/>
-              </a:rPr>
-              <a:t>признака </a:t>
-            </a:r>
-            <a:r>
-              <a:rPr sz="2200" i="1" dirty="0">
-                <a:solidFill>
-                  <a:srgbClr val="595959"/>
-                </a:solidFill>
-                <a:latin typeface="Verdana"/>
-                <a:cs typeface="Verdana"/>
-              </a:rPr>
-              <a:t>Р</a:t>
-            </a:r>
-            <a:endParaRPr sz="2200" dirty="0">
-              <a:latin typeface="Verdana"/>
-              <a:cs typeface="Verdana"/>
+            <a:r>
+              <a:rPr lang="ru-RU" b="0" i="0" dirty="0">
+                <a:solidFill>
+                  <a:srgbClr val="212121"/>
+                </a:solidFill>
+                <a:effectLst/>
+                <a:latin typeface="Courier New" panose="02070309020205020404" pitchFamily="49" charset="0"/>
+              </a:rPr>
+              <a:t>Итерация: 1 </a:t>
+            </a:r>
+            <a:endParaRPr lang="en-US" b="0" i="0" dirty="0">
+              <a:solidFill>
+                <a:srgbClr val="212121"/>
+              </a:solidFill>
+              <a:effectLst/>
+              <a:latin typeface="Courier New" panose="02070309020205020404" pitchFamily="49" charset="0"/>
             </a:endParaRPr>
           </a:p>
           <a:p>
-            <a:pPr marL="12700">
-              <a:lnSpc>
-                <a:spcPts val="2525"/>
-              </a:lnSpc>
-            </a:pPr>
-            <a:r>
-              <a:rPr sz="2200" spc="-5" dirty="0">
-                <a:solidFill>
-                  <a:srgbClr val="595959"/>
-                </a:solidFill>
-                <a:latin typeface="Verdana"/>
-                <a:cs typeface="Verdana"/>
-              </a:rPr>
-              <a:t>8.02</a:t>
-            </a:r>
-            <a:r>
-              <a:rPr sz="2200" spc="-10" dirty="0">
-                <a:solidFill>
-                  <a:srgbClr val="595959"/>
-                </a:solidFill>
-                <a:latin typeface="Verdana"/>
-                <a:cs typeface="Verdana"/>
-              </a:rPr>
-              <a:t> </a:t>
-            </a:r>
-            <a:r>
-              <a:rPr sz="2200" spc="-5" dirty="0">
-                <a:solidFill>
-                  <a:srgbClr val="595959"/>
-                </a:solidFill>
-                <a:latin typeface="Verdana"/>
-                <a:cs typeface="Verdana"/>
-              </a:rPr>
-              <a:t>8.16</a:t>
-            </a:r>
-            <a:r>
-              <a:rPr sz="2200" spc="-10" dirty="0">
-                <a:solidFill>
-                  <a:srgbClr val="595959"/>
-                </a:solidFill>
-                <a:latin typeface="Verdana"/>
-                <a:cs typeface="Verdana"/>
-              </a:rPr>
-              <a:t> </a:t>
-            </a:r>
-            <a:r>
-              <a:rPr sz="2200" spc="-5" dirty="0">
-                <a:solidFill>
-                  <a:srgbClr val="595959"/>
-                </a:solidFill>
-                <a:latin typeface="Verdana"/>
-                <a:cs typeface="Verdana"/>
-              </a:rPr>
-              <a:t>3.97</a:t>
-            </a:r>
-            <a:r>
-              <a:rPr sz="2200" spc="-10" dirty="0">
-                <a:solidFill>
-                  <a:srgbClr val="595959"/>
-                </a:solidFill>
-                <a:latin typeface="Verdana"/>
-                <a:cs typeface="Verdana"/>
-              </a:rPr>
-              <a:t> </a:t>
-            </a:r>
-            <a:r>
-              <a:rPr sz="2200" spc="-5" dirty="0">
-                <a:solidFill>
-                  <a:srgbClr val="595959"/>
-                </a:solidFill>
-                <a:latin typeface="Verdana"/>
-                <a:cs typeface="Verdana"/>
-              </a:rPr>
-              <a:t>8.64</a:t>
-            </a:r>
-            <a:r>
-              <a:rPr sz="2200" spc="-10" dirty="0">
-                <a:solidFill>
-                  <a:srgbClr val="595959"/>
-                </a:solidFill>
-                <a:latin typeface="Verdana"/>
-                <a:cs typeface="Verdana"/>
-              </a:rPr>
-              <a:t> </a:t>
-            </a:r>
-            <a:r>
-              <a:rPr sz="2200" spc="-5" dirty="0">
-                <a:solidFill>
-                  <a:srgbClr val="595959"/>
-                </a:solidFill>
-                <a:latin typeface="Verdana"/>
-                <a:cs typeface="Verdana"/>
-              </a:rPr>
-              <a:t>0.84</a:t>
-            </a:r>
-            <a:r>
-              <a:rPr sz="2200" spc="-10" dirty="0">
-                <a:solidFill>
-                  <a:srgbClr val="595959"/>
-                </a:solidFill>
-                <a:latin typeface="Verdana"/>
-                <a:cs typeface="Verdana"/>
-              </a:rPr>
-              <a:t> </a:t>
-            </a:r>
-            <a:r>
-              <a:rPr sz="2200" spc="-5" dirty="0">
-                <a:solidFill>
-                  <a:srgbClr val="595959"/>
-                </a:solidFill>
-                <a:latin typeface="Verdana"/>
-                <a:cs typeface="Verdana"/>
-              </a:rPr>
-              <a:t>4.46</a:t>
-            </a:r>
-            <a:r>
-              <a:rPr sz="2200" spc="-10" dirty="0">
-                <a:solidFill>
-                  <a:srgbClr val="595959"/>
-                </a:solidFill>
-                <a:latin typeface="Verdana"/>
-                <a:cs typeface="Verdana"/>
-              </a:rPr>
-              <a:t> </a:t>
-            </a:r>
-            <a:r>
-              <a:rPr sz="2200" spc="-5" dirty="0">
-                <a:solidFill>
-                  <a:srgbClr val="595959"/>
-                </a:solidFill>
-                <a:latin typeface="Verdana"/>
-                <a:cs typeface="Verdana"/>
-              </a:rPr>
-              <a:t>0.81</a:t>
-            </a:r>
-            <a:r>
-              <a:rPr sz="2200" spc="-10" dirty="0">
-                <a:solidFill>
-                  <a:srgbClr val="595959"/>
-                </a:solidFill>
-                <a:latin typeface="Verdana"/>
-                <a:cs typeface="Verdana"/>
-              </a:rPr>
-              <a:t> </a:t>
-            </a:r>
-            <a:r>
-              <a:rPr sz="2200" spc="-5" dirty="0">
-                <a:solidFill>
-                  <a:srgbClr val="595959"/>
-                </a:solidFill>
-                <a:latin typeface="Verdana"/>
-                <a:cs typeface="Verdana"/>
-              </a:rPr>
-              <a:t>7.74</a:t>
-            </a:r>
-            <a:r>
-              <a:rPr sz="2200" spc="-10" dirty="0">
-                <a:solidFill>
-                  <a:srgbClr val="595959"/>
-                </a:solidFill>
-                <a:latin typeface="Verdana"/>
-                <a:cs typeface="Verdana"/>
-              </a:rPr>
-              <a:t> </a:t>
-            </a:r>
-            <a:r>
-              <a:rPr sz="2200" spc="-5" dirty="0">
-                <a:solidFill>
-                  <a:srgbClr val="595959"/>
-                </a:solidFill>
-                <a:latin typeface="Verdana"/>
-                <a:cs typeface="Verdana"/>
-              </a:rPr>
-              <a:t>8.78</a:t>
-            </a:r>
-            <a:r>
-              <a:rPr sz="2200" spc="-10" dirty="0">
-                <a:solidFill>
-                  <a:srgbClr val="595959"/>
-                </a:solidFill>
-                <a:latin typeface="Verdana"/>
-                <a:cs typeface="Verdana"/>
-              </a:rPr>
-              <a:t> </a:t>
-            </a:r>
-            <a:r>
-              <a:rPr sz="2200" spc="-5" dirty="0">
-                <a:solidFill>
-                  <a:srgbClr val="595959"/>
-                </a:solidFill>
-                <a:latin typeface="Verdana"/>
-                <a:cs typeface="Verdana"/>
-              </a:rPr>
-              <a:t>9.26</a:t>
-            </a:r>
-            <a:r>
-              <a:rPr sz="2200" spc="-10" dirty="0">
-                <a:solidFill>
-                  <a:srgbClr val="595959"/>
-                </a:solidFill>
-                <a:latin typeface="Verdana"/>
-                <a:cs typeface="Verdana"/>
-              </a:rPr>
-              <a:t> </a:t>
-            </a:r>
-            <a:r>
-              <a:rPr sz="2200" spc="-5" dirty="0">
-                <a:solidFill>
-                  <a:srgbClr val="595959"/>
-                </a:solidFill>
-                <a:latin typeface="Verdana"/>
-                <a:cs typeface="Verdana"/>
-              </a:rPr>
-              <a:t>20.46</a:t>
-            </a:r>
-            <a:endParaRPr sz="2200" dirty="0">
-              <a:latin typeface="Verdana"/>
-              <a:cs typeface="Verdana"/>
+            <a:r>
+              <a:rPr lang="ru-RU" b="0" i="0" dirty="0">
+                <a:solidFill>
+                  <a:srgbClr val="212121"/>
+                </a:solidFill>
+                <a:effectLst/>
+                <a:latin typeface="Courier New" panose="02070309020205020404" pitchFamily="49" charset="0"/>
+              </a:rPr>
+              <a:t>Критерий: 0.03571428571428571 </a:t>
+            </a:r>
+            <a:endParaRPr lang="en-US" b="0" i="0" dirty="0">
+              <a:solidFill>
+                <a:srgbClr val="212121"/>
+              </a:solidFill>
+              <a:effectLst/>
+              <a:latin typeface="Courier New" panose="02070309020205020404" pitchFamily="49" charset="0"/>
             </a:endParaRPr>
           </a:p>
           <a:p>
-            <a:pPr marL="469900">
-              <a:lnSpc>
-                <a:spcPts val="2625"/>
-              </a:lnSpc>
-            </a:pPr>
-            <a:r>
-              <a:rPr sz="2200" spc="-5" dirty="0">
-                <a:solidFill>
-                  <a:srgbClr val="595959"/>
-                </a:solidFill>
-                <a:latin typeface="Verdana"/>
-                <a:cs typeface="Verdana"/>
-              </a:rPr>
-              <a:t>29.87</a:t>
-            </a:r>
-            <a:r>
-              <a:rPr sz="2200" spc="-40" dirty="0">
-                <a:solidFill>
-                  <a:srgbClr val="595959"/>
-                </a:solidFill>
-                <a:latin typeface="Verdana"/>
-                <a:cs typeface="Verdana"/>
-              </a:rPr>
-              <a:t> </a:t>
-            </a:r>
-            <a:r>
-              <a:rPr sz="2200" spc="-5" dirty="0">
-                <a:solidFill>
-                  <a:srgbClr val="595959"/>
-                </a:solidFill>
-                <a:latin typeface="Verdana"/>
-                <a:cs typeface="Verdana"/>
-              </a:rPr>
-              <a:t>10.38</a:t>
-            </a:r>
-            <a:r>
-              <a:rPr sz="2200" spc="-35" dirty="0">
-                <a:solidFill>
-                  <a:srgbClr val="595959"/>
-                </a:solidFill>
-                <a:latin typeface="Verdana"/>
-                <a:cs typeface="Verdana"/>
-              </a:rPr>
-              <a:t> </a:t>
-            </a:r>
-            <a:r>
-              <a:rPr sz="2200" spc="-5" dirty="0">
-                <a:solidFill>
-                  <a:srgbClr val="595959"/>
-                </a:solidFill>
-                <a:latin typeface="Verdana"/>
-                <a:cs typeface="Verdana"/>
-              </a:rPr>
-              <a:t>25.71</a:t>
-            </a:r>
-            <a:endParaRPr sz="2200" dirty="0">
-              <a:latin typeface="Verdana"/>
-              <a:cs typeface="Verdana"/>
+            <a:r>
+              <a:rPr lang="ru-RU" b="0" i="0" dirty="0">
+                <a:solidFill>
+                  <a:srgbClr val="212121"/>
+                </a:solidFill>
+                <a:effectLst/>
+                <a:latin typeface="Courier New" panose="02070309020205020404" pitchFamily="49" charset="0"/>
+              </a:rPr>
+              <a:t>Среднее: 10.507142857142856 </a:t>
+            </a:r>
+            <a:endParaRPr lang="en-US" b="0" i="0" dirty="0">
+              <a:solidFill>
+                <a:srgbClr val="212121"/>
+              </a:solidFill>
+              <a:effectLst/>
+              <a:latin typeface="Courier New" panose="02070309020205020404" pitchFamily="49" charset="0"/>
             </a:endParaRPr>
           </a:p>
           <a:p>
-            <a:pPr marL="12700">
-              <a:lnSpc>
-                <a:spcPts val="2625"/>
-              </a:lnSpc>
-              <a:tabLst>
-                <a:tab pos="2141220" algn="l"/>
-                <a:tab pos="3674110" algn="l"/>
-              </a:tabLst>
-            </a:pPr>
-            <a:r>
-              <a:rPr sz="2200" spc="-5" dirty="0">
-                <a:solidFill>
-                  <a:srgbClr val="595959"/>
-                </a:solidFill>
-                <a:latin typeface="Verdana"/>
-                <a:cs typeface="Verdana"/>
-              </a:rPr>
-              <a:t>Вычисляем:	=10.51,	=8.77.</a:t>
-            </a:r>
-            <a:endParaRPr sz="2200" dirty="0">
-              <a:latin typeface="Verdana"/>
-              <a:cs typeface="Verdana"/>
+            <a:r>
+              <a:rPr lang="ru-RU" b="0" i="0" dirty="0">
+                <a:solidFill>
+                  <a:srgbClr val="212121"/>
+                </a:solidFill>
+                <a:effectLst/>
+                <a:latin typeface="Courier New" panose="02070309020205020404" pitchFamily="49" charset="0"/>
+              </a:rPr>
+              <a:t>Стандартное отклонение: 8.767464705525615 </a:t>
+            </a:r>
+            <a:endParaRPr lang="en-US" b="0" i="0" dirty="0">
+              <a:solidFill>
+                <a:srgbClr val="212121"/>
+              </a:solidFill>
+              <a:effectLst/>
+              <a:latin typeface="Courier New" panose="02070309020205020404" pitchFamily="49" charset="0"/>
             </a:endParaRPr>
           </a:p>
           <a:p>
-            <a:pPr marL="12700">
-              <a:lnSpc>
-                <a:spcPts val="2625"/>
-              </a:lnSpc>
-            </a:pPr>
-            <a:r>
-              <a:rPr sz="2200" spc="-5" dirty="0">
-                <a:solidFill>
-                  <a:srgbClr val="595959"/>
-                </a:solidFill>
-                <a:latin typeface="Verdana"/>
-                <a:cs typeface="Verdana"/>
-              </a:rPr>
-              <a:t>Проверка</a:t>
-            </a:r>
-            <a:r>
-              <a:rPr sz="2200" spc="-15" dirty="0">
-                <a:solidFill>
-                  <a:srgbClr val="595959"/>
-                </a:solidFill>
-                <a:latin typeface="Verdana"/>
-                <a:cs typeface="Verdana"/>
-              </a:rPr>
-              <a:t> </a:t>
-            </a:r>
-            <a:r>
-              <a:rPr sz="2200" spc="-5" dirty="0">
-                <a:solidFill>
-                  <a:srgbClr val="595959"/>
-                </a:solidFill>
-                <a:latin typeface="Verdana"/>
-                <a:cs typeface="Verdana"/>
-              </a:rPr>
-              <a:t>для</a:t>
-            </a:r>
-            <a:r>
-              <a:rPr sz="2200" spc="-15" dirty="0">
-                <a:solidFill>
-                  <a:srgbClr val="595959"/>
-                </a:solidFill>
-                <a:latin typeface="Verdana"/>
-                <a:cs typeface="Verdana"/>
-              </a:rPr>
-              <a:t> </a:t>
-            </a:r>
-            <a:r>
-              <a:rPr sz="2200" spc="-5" dirty="0">
-                <a:solidFill>
-                  <a:srgbClr val="595959"/>
-                </a:solidFill>
-                <a:latin typeface="Verdana"/>
-                <a:cs typeface="Verdana"/>
-              </a:rPr>
-              <a:t>29.87</a:t>
-            </a:r>
-            <a:r>
-              <a:rPr sz="2200" spc="-15" dirty="0">
-                <a:solidFill>
-                  <a:srgbClr val="595959"/>
-                </a:solidFill>
-                <a:latin typeface="Verdana"/>
-                <a:cs typeface="Verdana"/>
-              </a:rPr>
-              <a:t> </a:t>
-            </a:r>
-            <a:r>
-              <a:rPr sz="2200" spc="-5" dirty="0">
-                <a:solidFill>
-                  <a:srgbClr val="595959"/>
-                </a:solidFill>
-                <a:latin typeface="Verdana"/>
-                <a:cs typeface="Verdana"/>
-              </a:rPr>
-              <a:t>также</a:t>
-            </a:r>
-            <a:r>
-              <a:rPr sz="2200" spc="-15" dirty="0">
-                <a:solidFill>
-                  <a:srgbClr val="595959"/>
-                </a:solidFill>
-                <a:latin typeface="Verdana"/>
-                <a:cs typeface="Verdana"/>
-              </a:rPr>
-              <a:t> </a:t>
-            </a:r>
-            <a:r>
-              <a:rPr sz="2200" spc="-5" dirty="0">
-                <a:solidFill>
-                  <a:srgbClr val="595959"/>
-                </a:solidFill>
-                <a:latin typeface="Verdana"/>
-                <a:cs typeface="Verdana"/>
-              </a:rPr>
-              <a:t>говорит:</a:t>
-            </a:r>
-            <a:r>
-              <a:rPr sz="2200" spc="-10" dirty="0">
-                <a:solidFill>
-                  <a:srgbClr val="595959"/>
-                </a:solidFill>
-                <a:latin typeface="Verdana"/>
-                <a:cs typeface="Verdana"/>
-              </a:rPr>
-              <a:t> </a:t>
-            </a:r>
-            <a:r>
-              <a:rPr sz="2200" spc="-5" dirty="0">
-                <a:solidFill>
-                  <a:srgbClr val="595959"/>
-                </a:solidFill>
-                <a:latin typeface="Verdana"/>
-                <a:cs typeface="Verdana"/>
-              </a:rPr>
-              <a:t>«выброс».</a:t>
-            </a:r>
-            <a:r>
-              <a:rPr sz="2200" spc="-15" dirty="0">
-                <a:solidFill>
-                  <a:srgbClr val="595959"/>
-                </a:solidFill>
-                <a:latin typeface="Verdana"/>
-                <a:cs typeface="Verdana"/>
-              </a:rPr>
-              <a:t> </a:t>
-            </a:r>
-            <a:r>
-              <a:rPr sz="2200" dirty="0">
-                <a:solidFill>
-                  <a:srgbClr val="595959"/>
-                </a:solidFill>
-                <a:latin typeface="Verdana"/>
-                <a:cs typeface="Verdana"/>
-              </a:rPr>
-              <a:t>А</a:t>
-            </a:r>
-            <a:r>
-              <a:rPr sz="2200" spc="-15" dirty="0">
-                <a:solidFill>
-                  <a:srgbClr val="595959"/>
-                </a:solidFill>
-                <a:latin typeface="Verdana"/>
-                <a:cs typeface="Verdana"/>
-              </a:rPr>
-              <a:t> </a:t>
-            </a:r>
-            <a:r>
-              <a:rPr sz="2200" spc="-5" dirty="0">
-                <a:solidFill>
-                  <a:srgbClr val="595959"/>
-                </a:solidFill>
-                <a:latin typeface="Verdana"/>
-                <a:cs typeface="Verdana"/>
-              </a:rPr>
-              <a:t>вот</a:t>
-            </a:r>
-            <a:endParaRPr sz="2200" dirty="0">
-              <a:latin typeface="Verdana"/>
-              <a:cs typeface="Verdana"/>
+            <a:r>
+              <a:rPr lang="ru-RU" b="0" i="0" dirty="0">
+                <a:solidFill>
+                  <a:srgbClr val="212121"/>
+                </a:solidFill>
+                <a:effectLst/>
+                <a:latin typeface="Courier New" panose="02070309020205020404" pitchFamily="49" charset="0"/>
+              </a:rPr>
+              <a:t>Выброс: 29.87 </a:t>
+            </a:r>
+            <a:endParaRPr lang="en-US" b="0" i="0" dirty="0">
+              <a:solidFill>
+                <a:srgbClr val="212121"/>
+              </a:solidFill>
+              <a:effectLst/>
+              <a:latin typeface="Courier New" panose="02070309020205020404" pitchFamily="49" charset="0"/>
             </a:endParaRPr>
           </a:p>
           <a:p>
-            <a:pPr marL="469900">
-              <a:lnSpc>
-                <a:spcPts val="2635"/>
-              </a:lnSpc>
-            </a:pPr>
-            <a:r>
-              <a:rPr sz="2200" spc="-5" dirty="0">
-                <a:solidFill>
-                  <a:srgbClr val="595959"/>
-                </a:solidFill>
-                <a:latin typeface="Verdana"/>
-                <a:cs typeface="Verdana"/>
-              </a:rPr>
-              <a:t>20.46</a:t>
-            </a:r>
-            <a:r>
-              <a:rPr sz="2200" spc="-30" dirty="0">
-                <a:solidFill>
-                  <a:srgbClr val="595959"/>
-                </a:solidFill>
-                <a:latin typeface="Verdana"/>
-                <a:cs typeface="Verdana"/>
-              </a:rPr>
-              <a:t> </a:t>
-            </a:r>
-            <a:r>
-              <a:rPr sz="2200" spc="-5" dirty="0">
-                <a:solidFill>
-                  <a:srgbClr val="595959"/>
-                </a:solidFill>
-                <a:latin typeface="Verdana"/>
-                <a:cs typeface="Verdana"/>
-              </a:rPr>
-              <a:t>уже</a:t>
-            </a:r>
-            <a:r>
-              <a:rPr sz="2200" spc="-25" dirty="0">
-                <a:solidFill>
-                  <a:srgbClr val="595959"/>
-                </a:solidFill>
-                <a:latin typeface="Verdana"/>
-                <a:cs typeface="Verdana"/>
-              </a:rPr>
-              <a:t> </a:t>
-            </a:r>
-            <a:r>
-              <a:rPr sz="2200" spc="-5" dirty="0">
-                <a:solidFill>
-                  <a:srgbClr val="595959"/>
-                </a:solidFill>
-                <a:latin typeface="Verdana"/>
-                <a:cs typeface="Verdana"/>
-              </a:rPr>
-              <a:t>не</a:t>
-            </a:r>
-            <a:r>
-              <a:rPr sz="2200" spc="-25" dirty="0">
-                <a:solidFill>
-                  <a:srgbClr val="595959"/>
-                </a:solidFill>
-                <a:latin typeface="Verdana"/>
-                <a:cs typeface="Verdana"/>
-              </a:rPr>
-              <a:t> </a:t>
-            </a:r>
-            <a:r>
-              <a:rPr sz="2200" spc="-5" dirty="0">
-                <a:solidFill>
-                  <a:srgbClr val="595959"/>
-                </a:solidFill>
-                <a:latin typeface="Verdana"/>
-                <a:cs typeface="Verdana"/>
-              </a:rPr>
-              <a:t>выброс:</a:t>
-            </a:r>
-            <a:endParaRPr sz="2200" dirty="0">
-              <a:latin typeface="Verdana"/>
-              <a:cs typeface="Verdana"/>
-            </a:endParaRPr>
+            <a:r>
+              <a:rPr lang="ru-RU" b="0" i="0" dirty="0">
+                <a:solidFill>
+                  <a:srgbClr val="212121"/>
+                </a:solidFill>
+                <a:effectLst/>
+                <a:latin typeface="Courier New" panose="02070309020205020404" pitchFamily="49" charset="0"/>
+              </a:rPr>
+              <a:t>Список:[0.81, 0.84, 3.97, 4.46, 7.74, 8.02, 8.16, 8.64, 8.78, 9.26, 10.38, 20.46, 25.71] </a:t>
+            </a:r>
+            <a:br>
+              <a:rPr lang="ru-RU" dirty="0"/>
+            </a:br>
+            <a:endParaRPr lang="ru-RU" dirty="0"/>
           </a:p>
         </p:txBody>
       </p:sp>
-      <p:pic>
-        <p:nvPicPr>
-          <p:cNvPr id="4" name="object 4"/>
-          <p:cNvPicPr/>
-          <p:nvPr/>
-        </p:nvPicPr>
-        <p:blipFill>
-          <a:blip r:embed="rId2" cstate="print"/>
-          <a:stretch>
-            <a:fillRect/>
-          </a:stretch>
-        </p:blipFill>
-        <p:spPr>
-          <a:xfrm>
-            <a:off x="2285984" y="2343150"/>
-            <a:ext cx="190499" cy="371441"/>
-          </a:xfrm>
-          <a:prstGeom prst="rect">
-            <a:avLst/>
-          </a:prstGeom>
-        </p:spPr>
-      </p:pic>
-      <p:pic>
-        <p:nvPicPr>
-          <p:cNvPr id="5" name="object 5"/>
-          <p:cNvPicPr/>
-          <p:nvPr/>
-        </p:nvPicPr>
-        <p:blipFill>
-          <a:blip r:embed="rId3" cstate="print"/>
-          <a:stretch>
-            <a:fillRect/>
-          </a:stretch>
-        </p:blipFill>
-        <p:spPr>
-          <a:xfrm>
-            <a:off x="3733800" y="2266950"/>
-            <a:ext cx="314293" cy="447641"/>
-          </a:xfrm>
-          <a:prstGeom prst="rect">
-            <a:avLst/>
-          </a:prstGeom>
-        </p:spPr>
-      </p:pic>
-      <p:pic>
-        <p:nvPicPr>
-          <p:cNvPr id="6" name="object 6"/>
-          <p:cNvPicPr/>
-          <p:nvPr/>
-        </p:nvPicPr>
-        <p:blipFill>
-          <a:blip r:embed="rId4" cstate="print"/>
-          <a:stretch>
-            <a:fillRect/>
-          </a:stretch>
-        </p:blipFill>
-        <p:spPr>
-          <a:xfrm>
-            <a:off x="571471" y="3500444"/>
-            <a:ext cx="5568642" cy="923924"/>
-          </a:xfrm>
-          <a:prstGeom prst="rect">
-            <a:avLst/>
-          </a:prstGeom>
-        </p:spPr>
-      </p:pic>
-      <p:pic>
-        <p:nvPicPr>
-          <p:cNvPr id="7" name="object 7"/>
-          <p:cNvPicPr/>
-          <p:nvPr/>
-        </p:nvPicPr>
-        <p:blipFill>
-          <a:blip r:embed="rId5" cstate="print"/>
-          <a:stretch>
-            <a:fillRect/>
-          </a:stretch>
-        </p:blipFill>
-        <p:spPr>
-          <a:xfrm>
-            <a:off x="6215074" y="3571882"/>
-            <a:ext cx="1190624" cy="771216"/>
-          </a:xfrm>
-          <a:prstGeom prst="rect">
-            <a:avLst/>
-          </a:prstGeom>
-        </p:spPr>
-      </p:pic>
     </p:spTree>
+    <p:extLst>
+      <p:ext uri="{BB962C8B-B14F-4D97-AF65-F5344CB8AC3E}">
+        <p14:creationId xmlns:p14="http://schemas.microsoft.com/office/powerpoint/2010/main" val="3970135697"/>
+      </p:ext>
+    </p:extLst>
   </p:cSld>
   <p:clrMapOvr>
     <a:masterClrMapping/>
@@ -8534,8 +7772,14 @@
       </p:grpSpPr>
       <p:sp>
         <p:nvSpPr>
-          <p:cNvPr id="2" name="object 2"/>
-          <p:cNvSpPr txBox="1">
+          <p:cNvPr id="2" name="Заголовок 1">
+            <a:extLst>
+              <a:ext uri="{FF2B5EF4-FFF2-40B4-BE49-F238E27FC236}">
+                <a16:creationId xmlns:a16="http://schemas.microsoft.com/office/drawing/2014/main" id="{19C683A6-09BE-780D-E728-F104CD5B8EB3}"/>
+              </a:ext>
+            </a:extLst>
+          </p:cNvPr>
+          <p:cNvSpPr>
             <a:spLocks noGrp="1"/>
           </p:cNvSpPr>
           <p:nvPr>
@@ -8544,710 +7788,269 @@
         </p:nvSpPr>
         <p:spPr>
           <a:xfrm>
-            <a:off x="384725" y="481496"/>
-            <a:ext cx="5958205" cy="482600"/>
+            <a:off x="628650" y="13691"/>
+            <a:ext cx="7886700" cy="994172"/>
           </a:xfrm>
-          <a:prstGeom prst="rect">
-            <a:avLst/>
-          </a:prstGeom>
         </p:spPr>
         <p:txBody>
-          <a:bodyPr vert="horz" wrap="square" lIns="0" tIns="12700" rIns="0" bIns="0" rtlCol="0">
-            <a:spAutoFit/>
-          </a:bodyPr>
+          <a:bodyPr/>
           <a:lstStyle/>
           <a:p>
-            <a:pPr marL="12700">
-              <a:lnSpc>
-                <a:spcPct val="100000"/>
-              </a:lnSpc>
-              <a:spcBef>
-                <a:spcPts val="100"/>
-              </a:spcBef>
-            </a:pPr>
-            <a:r>
-              <a:rPr sz="3000" spc="-5" dirty="0"/>
-              <a:t>Пример</a:t>
-            </a:r>
-            <a:r>
-              <a:rPr sz="3000" spc="-50" dirty="0"/>
-              <a:t> </a:t>
-            </a:r>
-            <a:r>
-              <a:rPr sz="3000" spc="-5" dirty="0"/>
-              <a:t>(вторая</a:t>
-            </a:r>
-            <a:r>
-              <a:rPr sz="3000" spc="-50" dirty="0"/>
-              <a:t> </a:t>
-            </a:r>
-            <a:r>
-              <a:rPr sz="3000" spc="-5" dirty="0"/>
-              <a:t>итерация)</a:t>
-            </a:r>
-            <a:endParaRPr sz="3000"/>
+            <a:r>
+              <a:rPr lang="ru-RU" dirty="0"/>
+              <a:t>Пример вычислений</a:t>
+            </a:r>
           </a:p>
         </p:txBody>
       </p:sp>
       <p:sp>
         <p:nvSpPr>
-          <p:cNvPr id="3" name="object 3"/>
+          <p:cNvPr id="3" name="Объект 2">
+            <a:extLst>
+              <a:ext uri="{FF2B5EF4-FFF2-40B4-BE49-F238E27FC236}">
+                <a16:creationId xmlns:a16="http://schemas.microsoft.com/office/drawing/2014/main" id="{0EC90BFC-D70D-721A-FCF8-3ECFE2C084D9}"/>
+              </a:ext>
+            </a:extLst>
+          </p:cNvPr>
+          <p:cNvSpPr>
+            <a:spLocks noGrp="1"/>
+          </p:cNvSpPr>
+          <p:nvPr>
+            <p:ph idx="1"/>
+          </p:nvPr>
+        </p:nvSpPr>
+        <p:spPr>
+          <a:xfrm>
+            <a:off x="628650" y="984100"/>
+            <a:ext cx="7886700" cy="3263504"/>
+          </a:xfrm>
+        </p:spPr>
+        <p:txBody>
+          <a:bodyPr/>
+          <a:lstStyle/>
+          <a:p>
+            <a:r>
+              <a:rPr lang="en-US" dirty="0" err="1"/>
+              <a:t>Cп</a:t>
+            </a:r>
+            <a:r>
+              <a:rPr lang="ru-RU" dirty="0" err="1"/>
+              <a:t>исок</a:t>
+            </a:r>
+            <a:r>
+              <a:rPr lang="ru-RU" dirty="0"/>
+              <a:t> после 1 итерации</a:t>
+            </a:r>
+            <a:r>
+              <a:rPr lang="en-US" dirty="0"/>
+              <a:t>: </a:t>
+            </a:r>
+            <a:r>
+              <a:rPr lang="ru-RU" b="0" dirty="0">
+                <a:solidFill>
+                  <a:srgbClr val="000000"/>
+                </a:solidFill>
+                <a:effectLst/>
+                <a:latin typeface="Courier New" panose="02070309020205020404" pitchFamily="49" charset="0"/>
+              </a:rPr>
+              <a:t>[</a:t>
+            </a:r>
+            <a:r>
+              <a:rPr lang="ru-RU" b="0" i="0" dirty="0">
+                <a:solidFill>
+                  <a:srgbClr val="212121"/>
+                </a:solidFill>
+                <a:effectLst/>
+                <a:latin typeface="Courier New" panose="02070309020205020404" pitchFamily="49" charset="0"/>
+              </a:rPr>
+              <a:t>0.81, 0.84, 3.97, 4.46, 7.74, 8.02, 8.16, 8.64, 8.78, 9.26, 10.38, 20.46, 25.71</a:t>
+            </a:r>
+            <a:r>
+              <a:rPr lang="ru-RU" b="0" dirty="0">
+                <a:solidFill>
+                  <a:srgbClr val="000000"/>
+                </a:solidFill>
+                <a:effectLst/>
+                <a:latin typeface="Courier New" panose="02070309020205020404" pitchFamily="49" charset="0"/>
+              </a:rPr>
+              <a:t>]</a:t>
+            </a:r>
+            <a:r>
+              <a:rPr lang="en-US" b="0" dirty="0">
+                <a:solidFill>
+                  <a:srgbClr val="000000"/>
+                </a:solidFill>
+                <a:effectLst/>
+                <a:latin typeface="Courier New" panose="02070309020205020404" pitchFamily="49" charset="0"/>
+              </a:rPr>
+              <a:t>, </a:t>
+            </a:r>
+            <a:r>
+              <a:rPr lang="en-US" b="0" i="1" dirty="0">
+                <a:solidFill>
+                  <a:srgbClr val="000000"/>
+                </a:solidFill>
+                <a:effectLst/>
+                <a:latin typeface="Courier New" panose="02070309020205020404" pitchFamily="49" charset="0"/>
+              </a:rPr>
+              <a:t>n = 13</a:t>
+            </a:r>
+            <a:endParaRPr lang="ru-RU" b="0" i="1" dirty="0">
+              <a:solidFill>
+                <a:srgbClr val="000000"/>
+              </a:solidFill>
+              <a:effectLst/>
+              <a:latin typeface="Courier New" panose="02070309020205020404" pitchFamily="49" charset="0"/>
+            </a:endParaRPr>
+          </a:p>
+          <a:p>
+            <a:endParaRPr lang="ru-RU" dirty="0"/>
+          </a:p>
+        </p:txBody>
+      </p:sp>
+      <p:sp>
+        <p:nvSpPr>
+          <p:cNvPr id="5" name="TextBox 4">
+            <a:extLst>
+              <a:ext uri="{FF2B5EF4-FFF2-40B4-BE49-F238E27FC236}">
+                <a16:creationId xmlns:a16="http://schemas.microsoft.com/office/drawing/2014/main" id="{7F068EDD-E524-3D41-BCE0-DE148711A842}"/>
+              </a:ext>
+            </a:extLst>
+          </p:cNvPr>
           <p:cNvSpPr txBox="1"/>
           <p:nvPr/>
         </p:nvSpPr>
         <p:spPr>
           <a:xfrm>
-            <a:off x="358745" y="1002739"/>
-            <a:ext cx="8145145" cy="2027555"/>
+            <a:off x="628650" y="2419350"/>
+            <a:ext cx="8286750" cy="2031325"/>
           </a:xfrm>
           <a:prstGeom prst="rect">
             <a:avLst/>
           </a:prstGeom>
+          <a:noFill/>
         </p:spPr>
         <p:txBody>
-          <a:bodyPr vert="horz" wrap="square" lIns="0" tIns="24765" rIns="0" bIns="0" rtlCol="0">
+          <a:bodyPr wrap="square">
             <a:spAutoFit/>
           </a:bodyPr>
           <a:lstStyle/>
           <a:p>
-            <a:pPr marL="469900" marR="320040" indent="-457200">
-              <a:lnSpc>
-                <a:spcPts val="2630"/>
-              </a:lnSpc>
-              <a:spcBef>
-                <a:spcPts val="195"/>
-              </a:spcBef>
-            </a:pPr>
-            <a:r>
-              <a:rPr sz="2200" spc="-5" dirty="0">
-                <a:solidFill>
-                  <a:srgbClr val="595959"/>
-                </a:solidFill>
-                <a:latin typeface="Verdana"/>
-                <a:cs typeface="Verdana"/>
-              </a:rPr>
-              <a:t>Осталось </a:t>
-            </a:r>
-            <a:r>
-              <a:rPr sz="2200" i="1" spc="-5" dirty="0">
-                <a:solidFill>
-                  <a:srgbClr val="595959"/>
-                </a:solidFill>
-                <a:latin typeface="Verdana"/>
-                <a:cs typeface="Verdana"/>
-              </a:rPr>
-              <a:t>n=12 </a:t>
-            </a:r>
-            <a:r>
-              <a:rPr sz="2200" spc="-5" dirty="0">
-                <a:solidFill>
-                  <a:srgbClr val="595959"/>
-                </a:solidFill>
-                <a:latin typeface="Verdana"/>
-                <a:cs typeface="Verdana"/>
-              </a:rPr>
-              <a:t>объектов со следующими значениями </a:t>
-            </a:r>
-            <a:r>
-              <a:rPr sz="2200" spc="-760" dirty="0">
-                <a:solidFill>
-                  <a:srgbClr val="595959"/>
-                </a:solidFill>
-                <a:latin typeface="Verdana"/>
-                <a:cs typeface="Verdana"/>
-              </a:rPr>
-              <a:t> </a:t>
-            </a:r>
-            <a:r>
-              <a:rPr sz="2200" spc="-5" dirty="0">
-                <a:solidFill>
-                  <a:srgbClr val="595959"/>
-                </a:solidFill>
-                <a:latin typeface="Verdana"/>
-                <a:cs typeface="Verdana"/>
-              </a:rPr>
-              <a:t>признака </a:t>
-            </a:r>
-            <a:r>
-              <a:rPr sz="2200" i="1" dirty="0">
-                <a:solidFill>
-                  <a:srgbClr val="595959"/>
-                </a:solidFill>
-                <a:latin typeface="Verdana"/>
-                <a:cs typeface="Verdana"/>
-              </a:rPr>
-              <a:t>Р</a:t>
-            </a:r>
-            <a:endParaRPr sz="2200" dirty="0">
-              <a:latin typeface="Verdana"/>
-              <a:cs typeface="Verdana"/>
+            <a:r>
+              <a:rPr lang="ru-RU" b="0" i="0" dirty="0">
+                <a:solidFill>
+                  <a:srgbClr val="212121"/>
+                </a:solidFill>
+                <a:effectLst/>
+                <a:latin typeface="Courier New" panose="02070309020205020404" pitchFamily="49" charset="0"/>
+              </a:rPr>
+              <a:t>Итерация: 2 </a:t>
+            </a:r>
+            <a:endParaRPr lang="en-US" b="0" i="0" dirty="0">
+              <a:solidFill>
+                <a:srgbClr val="212121"/>
+              </a:solidFill>
+              <a:effectLst/>
+              <a:latin typeface="Courier New" panose="02070309020205020404" pitchFamily="49" charset="0"/>
             </a:endParaRPr>
           </a:p>
           <a:p>
-            <a:pPr marL="12700">
-              <a:lnSpc>
-                <a:spcPts val="2525"/>
-              </a:lnSpc>
-            </a:pPr>
-            <a:r>
-              <a:rPr sz="2200" spc="-5" dirty="0">
-                <a:solidFill>
-                  <a:srgbClr val="595959"/>
-                </a:solidFill>
-                <a:latin typeface="Verdana"/>
-                <a:cs typeface="Verdana"/>
-              </a:rPr>
-              <a:t>8.02</a:t>
-            </a:r>
-            <a:r>
-              <a:rPr sz="2200" spc="-10" dirty="0">
-                <a:solidFill>
-                  <a:srgbClr val="595959"/>
-                </a:solidFill>
-                <a:latin typeface="Verdana"/>
-                <a:cs typeface="Verdana"/>
-              </a:rPr>
-              <a:t> </a:t>
-            </a:r>
-            <a:r>
-              <a:rPr sz="2200" spc="-5" dirty="0">
-                <a:solidFill>
-                  <a:srgbClr val="595959"/>
-                </a:solidFill>
-                <a:latin typeface="Verdana"/>
-                <a:cs typeface="Verdana"/>
-              </a:rPr>
-              <a:t>8.16</a:t>
-            </a:r>
-            <a:r>
-              <a:rPr sz="2200" spc="-10" dirty="0">
-                <a:solidFill>
-                  <a:srgbClr val="595959"/>
-                </a:solidFill>
-                <a:latin typeface="Verdana"/>
-                <a:cs typeface="Verdana"/>
-              </a:rPr>
-              <a:t> </a:t>
-            </a:r>
-            <a:r>
-              <a:rPr sz="2200" spc="-5" dirty="0">
-                <a:solidFill>
-                  <a:srgbClr val="595959"/>
-                </a:solidFill>
-                <a:latin typeface="Verdana"/>
-                <a:cs typeface="Verdana"/>
-              </a:rPr>
-              <a:t>3.97</a:t>
-            </a:r>
-            <a:r>
-              <a:rPr sz="2200" spc="-10" dirty="0">
-                <a:solidFill>
-                  <a:srgbClr val="595959"/>
-                </a:solidFill>
-                <a:latin typeface="Verdana"/>
-                <a:cs typeface="Verdana"/>
-              </a:rPr>
-              <a:t> </a:t>
-            </a:r>
-            <a:r>
-              <a:rPr sz="2200" spc="-5" dirty="0">
-                <a:solidFill>
-                  <a:srgbClr val="595959"/>
-                </a:solidFill>
-                <a:latin typeface="Verdana"/>
-                <a:cs typeface="Verdana"/>
-              </a:rPr>
-              <a:t>8.64</a:t>
-            </a:r>
-            <a:r>
-              <a:rPr sz="2200" spc="-10" dirty="0">
-                <a:solidFill>
-                  <a:srgbClr val="595959"/>
-                </a:solidFill>
-                <a:latin typeface="Verdana"/>
-                <a:cs typeface="Verdana"/>
-              </a:rPr>
-              <a:t> </a:t>
-            </a:r>
-            <a:r>
-              <a:rPr sz="2200" spc="-5" dirty="0">
-                <a:solidFill>
-                  <a:srgbClr val="595959"/>
-                </a:solidFill>
-                <a:latin typeface="Verdana"/>
-                <a:cs typeface="Verdana"/>
-              </a:rPr>
-              <a:t>0.84</a:t>
-            </a:r>
-            <a:r>
-              <a:rPr sz="2200" spc="-10" dirty="0">
-                <a:solidFill>
-                  <a:srgbClr val="595959"/>
-                </a:solidFill>
-                <a:latin typeface="Verdana"/>
-                <a:cs typeface="Verdana"/>
-              </a:rPr>
-              <a:t> </a:t>
-            </a:r>
-            <a:r>
-              <a:rPr sz="2200" spc="-5" dirty="0">
-                <a:solidFill>
-                  <a:srgbClr val="595959"/>
-                </a:solidFill>
-                <a:latin typeface="Verdana"/>
-                <a:cs typeface="Verdana"/>
-              </a:rPr>
-              <a:t>4.46</a:t>
-            </a:r>
-            <a:r>
-              <a:rPr sz="2200" spc="-10" dirty="0">
-                <a:solidFill>
-                  <a:srgbClr val="595959"/>
-                </a:solidFill>
-                <a:latin typeface="Verdana"/>
-                <a:cs typeface="Verdana"/>
-              </a:rPr>
-              <a:t> </a:t>
-            </a:r>
-            <a:r>
-              <a:rPr sz="2200" spc="-5" dirty="0">
-                <a:solidFill>
-                  <a:srgbClr val="595959"/>
-                </a:solidFill>
-                <a:latin typeface="Verdana"/>
-                <a:cs typeface="Verdana"/>
-              </a:rPr>
-              <a:t>0.81</a:t>
-            </a:r>
-            <a:r>
-              <a:rPr sz="2200" spc="-10" dirty="0">
-                <a:solidFill>
-                  <a:srgbClr val="595959"/>
-                </a:solidFill>
-                <a:latin typeface="Verdana"/>
-                <a:cs typeface="Verdana"/>
-              </a:rPr>
-              <a:t> </a:t>
-            </a:r>
-            <a:r>
-              <a:rPr sz="2200" spc="-5" dirty="0">
-                <a:solidFill>
-                  <a:srgbClr val="595959"/>
-                </a:solidFill>
-                <a:latin typeface="Verdana"/>
-                <a:cs typeface="Verdana"/>
-              </a:rPr>
-              <a:t>7.74</a:t>
-            </a:r>
-            <a:r>
-              <a:rPr sz="2200" spc="-10" dirty="0">
-                <a:solidFill>
-                  <a:srgbClr val="595959"/>
-                </a:solidFill>
-                <a:latin typeface="Verdana"/>
-                <a:cs typeface="Verdana"/>
-              </a:rPr>
-              <a:t> </a:t>
-            </a:r>
-            <a:r>
-              <a:rPr sz="2200" spc="-5" dirty="0">
-                <a:solidFill>
-                  <a:srgbClr val="595959"/>
-                </a:solidFill>
-                <a:latin typeface="Verdana"/>
-                <a:cs typeface="Verdana"/>
-              </a:rPr>
-              <a:t>8.78</a:t>
-            </a:r>
-            <a:r>
-              <a:rPr sz="2200" spc="-10" dirty="0">
-                <a:solidFill>
-                  <a:srgbClr val="595959"/>
-                </a:solidFill>
-                <a:latin typeface="Verdana"/>
-                <a:cs typeface="Verdana"/>
-              </a:rPr>
-              <a:t> </a:t>
-            </a:r>
-            <a:r>
-              <a:rPr sz="2200" spc="-5" dirty="0">
-                <a:solidFill>
-                  <a:srgbClr val="595959"/>
-                </a:solidFill>
-                <a:latin typeface="Verdana"/>
-                <a:cs typeface="Verdana"/>
-              </a:rPr>
-              <a:t>9.26</a:t>
-            </a:r>
-            <a:r>
-              <a:rPr sz="2200" spc="-10" dirty="0">
-                <a:solidFill>
-                  <a:srgbClr val="595959"/>
-                </a:solidFill>
-                <a:latin typeface="Verdana"/>
-                <a:cs typeface="Verdana"/>
-              </a:rPr>
-              <a:t> </a:t>
-            </a:r>
-            <a:r>
-              <a:rPr sz="2200" spc="-5" dirty="0">
-                <a:solidFill>
-                  <a:srgbClr val="595959"/>
-                </a:solidFill>
-                <a:latin typeface="Verdana"/>
-                <a:cs typeface="Verdana"/>
-              </a:rPr>
-              <a:t>20.46</a:t>
-            </a:r>
-            <a:endParaRPr sz="2200" dirty="0">
-              <a:latin typeface="Verdana"/>
-              <a:cs typeface="Verdana"/>
+            <a:r>
+              <a:rPr lang="ru-RU" b="0" i="0" dirty="0">
+                <a:solidFill>
+                  <a:srgbClr val="212121"/>
+                </a:solidFill>
+                <a:effectLst/>
+                <a:latin typeface="Courier New" panose="02070309020205020404" pitchFamily="49" charset="0"/>
+              </a:rPr>
+              <a:t>Критерий: 0.038461538461538464 </a:t>
+            </a:r>
+            <a:endParaRPr lang="en-US" b="0" i="0" dirty="0">
+              <a:solidFill>
+                <a:srgbClr val="212121"/>
+              </a:solidFill>
+              <a:effectLst/>
+              <a:latin typeface="Courier New" panose="02070309020205020404" pitchFamily="49" charset="0"/>
             </a:endParaRPr>
           </a:p>
           <a:p>
-            <a:pPr marL="469900">
-              <a:lnSpc>
-                <a:spcPts val="2625"/>
-              </a:lnSpc>
-            </a:pPr>
-            <a:r>
-              <a:rPr sz="2200" spc="-5" dirty="0">
-                <a:solidFill>
-                  <a:srgbClr val="595959"/>
-                </a:solidFill>
-                <a:latin typeface="Verdana"/>
-                <a:cs typeface="Verdana"/>
-              </a:rPr>
-              <a:t>10.38</a:t>
-            </a:r>
-            <a:endParaRPr sz="2200" dirty="0">
-              <a:latin typeface="Verdana"/>
-              <a:cs typeface="Verdana"/>
+            <a:r>
+              <a:rPr lang="ru-RU" b="0" i="0" dirty="0">
+                <a:solidFill>
+                  <a:srgbClr val="212121"/>
+                </a:solidFill>
+                <a:effectLst/>
+                <a:latin typeface="Courier New" panose="02070309020205020404" pitchFamily="49" charset="0"/>
+              </a:rPr>
+              <a:t>Среднее: 9.01769230769231 </a:t>
+            </a:r>
+            <a:endParaRPr lang="en-US" b="0" i="0" dirty="0">
+              <a:solidFill>
+                <a:srgbClr val="212121"/>
+              </a:solidFill>
+              <a:effectLst/>
+              <a:latin typeface="Courier New" panose="02070309020205020404" pitchFamily="49" charset="0"/>
             </a:endParaRPr>
           </a:p>
           <a:p>
-            <a:pPr marL="12700">
-              <a:lnSpc>
-                <a:spcPts val="2625"/>
-              </a:lnSpc>
-              <a:tabLst>
-                <a:tab pos="2141220" algn="l"/>
-                <a:tab pos="3496945" algn="l"/>
-              </a:tabLst>
-            </a:pPr>
-            <a:r>
-              <a:rPr sz="2200" spc="-5" dirty="0">
-                <a:solidFill>
-                  <a:srgbClr val="595959"/>
-                </a:solidFill>
-                <a:latin typeface="Verdana"/>
-                <a:cs typeface="Verdana"/>
-              </a:rPr>
-              <a:t>Вычисляем:	=7.63,	=5.17.</a:t>
-            </a:r>
-            <a:endParaRPr sz="2200" dirty="0">
-              <a:latin typeface="Verdana"/>
-              <a:cs typeface="Verdana"/>
+            <a:r>
+              <a:rPr lang="ru-RU" b="0" i="0" dirty="0">
+                <a:solidFill>
+                  <a:srgbClr val="212121"/>
+                </a:solidFill>
+                <a:effectLst/>
+                <a:latin typeface="Courier New" panose="02070309020205020404" pitchFamily="49" charset="0"/>
+              </a:rPr>
+              <a:t>Стандартное отклонение: 7.044675476138171 </a:t>
+            </a:r>
+            <a:endParaRPr lang="en-US" b="0" i="0" dirty="0">
+              <a:solidFill>
+                <a:srgbClr val="212121"/>
+              </a:solidFill>
+              <a:effectLst/>
+              <a:latin typeface="Courier New" panose="02070309020205020404" pitchFamily="49" charset="0"/>
             </a:endParaRPr>
           </a:p>
           <a:p>
-            <a:pPr marL="12700">
-              <a:lnSpc>
-                <a:spcPts val="2635"/>
-              </a:lnSpc>
-            </a:pPr>
-            <a:r>
-              <a:rPr sz="2200" spc="-5" dirty="0">
-                <a:solidFill>
-                  <a:srgbClr val="595959"/>
-                </a:solidFill>
-                <a:latin typeface="Verdana"/>
-                <a:cs typeface="Verdana"/>
-              </a:rPr>
-              <a:t>Проверка</a:t>
-            </a:r>
-            <a:r>
-              <a:rPr sz="2200" spc="-40" dirty="0">
-                <a:solidFill>
-                  <a:srgbClr val="595959"/>
-                </a:solidFill>
-                <a:latin typeface="Verdana"/>
-                <a:cs typeface="Verdana"/>
-              </a:rPr>
-              <a:t> </a:t>
-            </a:r>
-            <a:r>
-              <a:rPr sz="2200" spc="-5" dirty="0">
-                <a:solidFill>
-                  <a:srgbClr val="595959"/>
-                </a:solidFill>
-                <a:latin typeface="Verdana"/>
-                <a:cs typeface="Verdana"/>
-              </a:rPr>
-              <a:t>для</a:t>
-            </a:r>
-            <a:r>
-              <a:rPr sz="2200" spc="-35" dirty="0">
-                <a:solidFill>
-                  <a:srgbClr val="595959"/>
-                </a:solidFill>
-                <a:latin typeface="Verdana"/>
-                <a:cs typeface="Verdana"/>
-              </a:rPr>
-              <a:t> </a:t>
-            </a:r>
-            <a:r>
-              <a:rPr sz="2200" spc="-5" dirty="0">
-                <a:solidFill>
-                  <a:srgbClr val="595959"/>
-                </a:solidFill>
-                <a:latin typeface="Verdana"/>
-                <a:cs typeface="Verdana"/>
-              </a:rPr>
-              <a:t>20.46:</a:t>
-            </a:r>
-            <a:endParaRPr sz="2200" dirty="0">
-              <a:latin typeface="Verdana"/>
-              <a:cs typeface="Verdana"/>
+            <a:r>
+              <a:rPr lang="ru-RU" b="0" i="0" dirty="0">
+                <a:solidFill>
+                  <a:srgbClr val="212121"/>
+                </a:solidFill>
+                <a:effectLst/>
+                <a:latin typeface="Courier New" panose="02070309020205020404" pitchFamily="49" charset="0"/>
+              </a:rPr>
+              <a:t>Выброс: 25.71 </a:t>
+            </a:r>
+            <a:endParaRPr lang="en-US" b="0" i="0" dirty="0">
+              <a:solidFill>
+                <a:srgbClr val="212121"/>
+              </a:solidFill>
+              <a:effectLst/>
+              <a:latin typeface="Courier New" panose="02070309020205020404" pitchFamily="49" charset="0"/>
             </a:endParaRPr>
+          </a:p>
+          <a:p>
+            <a:r>
+              <a:rPr lang="ru-RU" b="0" i="0" dirty="0">
+                <a:solidFill>
+                  <a:srgbClr val="212121"/>
+                </a:solidFill>
+                <a:effectLst/>
+                <a:latin typeface="Courier New" panose="02070309020205020404" pitchFamily="49" charset="0"/>
+              </a:rPr>
+              <a:t>Список:[0.81, 0.84, 3.97, 4.46, 7.74, 8.02, 8.16, 8.64, 8.78, 9.26, 10.38, 20.46]</a:t>
+            </a:r>
+            <a:endParaRPr lang="ru-RU" dirty="0"/>
           </a:p>
         </p:txBody>
       </p:sp>
-      <p:sp>
-        <p:nvSpPr>
-          <p:cNvPr id="4" name="object 4"/>
-          <p:cNvSpPr txBox="1"/>
-          <p:nvPr/>
-        </p:nvSpPr>
-        <p:spPr>
-          <a:xfrm>
-            <a:off x="2810480" y="4336489"/>
-            <a:ext cx="5769610" cy="360680"/>
-          </a:xfrm>
-          <a:prstGeom prst="rect">
-            <a:avLst/>
-          </a:prstGeom>
-        </p:spPr>
-        <p:txBody>
-          <a:bodyPr vert="horz" wrap="square" lIns="0" tIns="12700" rIns="0" bIns="0" rtlCol="0">
-            <a:spAutoFit/>
-          </a:bodyPr>
-          <a:lstStyle/>
-          <a:p>
-            <a:pPr marL="12700">
-              <a:lnSpc>
-                <a:spcPct val="100000"/>
-              </a:lnSpc>
-              <a:spcBef>
-                <a:spcPts val="100"/>
-              </a:spcBef>
-            </a:pPr>
-            <a:r>
-              <a:rPr sz="2200" spc="-5" dirty="0">
-                <a:solidFill>
-                  <a:srgbClr val="595959"/>
-                </a:solidFill>
-                <a:latin typeface="Verdana"/>
-                <a:cs typeface="Verdana"/>
-              </a:rPr>
-              <a:t>то</a:t>
-            </a:r>
-            <a:r>
-              <a:rPr sz="2200" spc="-20" dirty="0">
-                <a:solidFill>
-                  <a:srgbClr val="595959"/>
-                </a:solidFill>
-                <a:latin typeface="Verdana"/>
-                <a:cs typeface="Verdana"/>
-              </a:rPr>
-              <a:t> </a:t>
-            </a:r>
-            <a:r>
-              <a:rPr sz="2200" spc="-5" dirty="0">
-                <a:solidFill>
-                  <a:srgbClr val="595959"/>
-                </a:solidFill>
-                <a:latin typeface="Verdana"/>
-                <a:cs typeface="Verdana"/>
-              </a:rPr>
-              <a:t>есть</a:t>
-            </a:r>
-            <a:r>
-              <a:rPr sz="2200" spc="-20" dirty="0">
-                <a:solidFill>
-                  <a:srgbClr val="595959"/>
-                </a:solidFill>
-                <a:latin typeface="Verdana"/>
-                <a:cs typeface="Verdana"/>
-              </a:rPr>
-              <a:t> </a:t>
-            </a:r>
-            <a:r>
-              <a:rPr sz="2200" spc="-5" dirty="0">
-                <a:solidFill>
-                  <a:srgbClr val="595959"/>
-                </a:solidFill>
-                <a:latin typeface="Verdana"/>
-                <a:cs typeface="Verdana"/>
-              </a:rPr>
-              <a:t>теперь</a:t>
-            </a:r>
-            <a:r>
-              <a:rPr sz="2200" spc="-20" dirty="0">
-                <a:solidFill>
-                  <a:srgbClr val="595959"/>
-                </a:solidFill>
-                <a:latin typeface="Verdana"/>
-                <a:cs typeface="Verdana"/>
-              </a:rPr>
-              <a:t> </a:t>
-            </a:r>
-            <a:r>
-              <a:rPr sz="2200" spc="-5" dirty="0">
-                <a:solidFill>
-                  <a:srgbClr val="595959"/>
-                </a:solidFill>
-                <a:latin typeface="Verdana"/>
-                <a:cs typeface="Verdana"/>
-              </a:rPr>
-              <a:t>20.46</a:t>
-            </a:r>
-            <a:r>
-              <a:rPr sz="2200" spc="-20" dirty="0">
-                <a:solidFill>
-                  <a:srgbClr val="595959"/>
-                </a:solidFill>
-                <a:latin typeface="Verdana"/>
-                <a:cs typeface="Verdana"/>
-              </a:rPr>
-              <a:t> </a:t>
-            </a:r>
-            <a:r>
-              <a:rPr sz="2200" spc="-5" dirty="0">
-                <a:solidFill>
-                  <a:srgbClr val="595959"/>
-                </a:solidFill>
-                <a:latin typeface="Verdana"/>
-                <a:cs typeface="Verdana"/>
-              </a:rPr>
-              <a:t>стало</a:t>
-            </a:r>
-            <a:r>
-              <a:rPr sz="2200" spc="-20" dirty="0">
-                <a:solidFill>
-                  <a:srgbClr val="595959"/>
-                </a:solidFill>
-                <a:latin typeface="Verdana"/>
-                <a:cs typeface="Verdana"/>
-              </a:rPr>
-              <a:t> </a:t>
-            </a:r>
-            <a:r>
-              <a:rPr sz="2200" spc="-5" dirty="0">
-                <a:solidFill>
-                  <a:srgbClr val="595959"/>
-                </a:solidFill>
-                <a:latin typeface="Verdana"/>
-                <a:cs typeface="Verdana"/>
-              </a:rPr>
-              <a:t>выбросом!!!</a:t>
-            </a:r>
-            <a:endParaRPr sz="2200">
-              <a:latin typeface="Verdana"/>
-              <a:cs typeface="Verdana"/>
-            </a:endParaRPr>
-          </a:p>
-        </p:txBody>
-      </p:sp>
-      <p:pic>
-        <p:nvPicPr>
-          <p:cNvPr id="5" name="object 5"/>
-          <p:cNvPicPr/>
-          <p:nvPr/>
-        </p:nvPicPr>
-        <p:blipFill>
-          <a:blip r:embed="rId2" cstate="print"/>
-          <a:stretch>
-            <a:fillRect/>
-          </a:stretch>
-        </p:blipFill>
-        <p:spPr>
-          <a:xfrm>
-            <a:off x="2286000" y="2266950"/>
-            <a:ext cx="190499" cy="447641"/>
-          </a:xfrm>
-          <a:prstGeom prst="rect">
-            <a:avLst/>
-          </a:prstGeom>
-        </p:spPr>
-      </p:pic>
-      <p:pic>
-        <p:nvPicPr>
-          <p:cNvPr id="6" name="object 6"/>
-          <p:cNvPicPr/>
-          <p:nvPr/>
-        </p:nvPicPr>
-        <p:blipFill>
-          <a:blip r:embed="rId3" cstate="print"/>
-          <a:stretch>
-            <a:fillRect/>
-          </a:stretch>
-        </p:blipFill>
-        <p:spPr>
-          <a:xfrm>
-            <a:off x="3505200" y="2266336"/>
-            <a:ext cx="314293" cy="447641"/>
-          </a:xfrm>
-          <a:prstGeom prst="rect">
-            <a:avLst/>
-          </a:prstGeom>
-        </p:spPr>
-      </p:pic>
-      <p:pic>
-        <p:nvPicPr>
-          <p:cNvPr id="7" name="object 7"/>
-          <p:cNvPicPr/>
-          <p:nvPr/>
-        </p:nvPicPr>
-        <p:blipFill>
-          <a:blip r:embed="rId4" cstate="print"/>
-          <a:stretch>
-            <a:fillRect/>
-          </a:stretch>
-        </p:blipFill>
-        <p:spPr>
-          <a:xfrm>
-            <a:off x="357158" y="3143254"/>
-            <a:ext cx="5934090" cy="923924"/>
-          </a:xfrm>
-          <a:prstGeom prst="rect">
-            <a:avLst/>
-          </a:prstGeom>
-        </p:spPr>
-      </p:pic>
-      <p:pic>
-        <p:nvPicPr>
-          <p:cNvPr id="8" name="object 8"/>
-          <p:cNvPicPr/>
-          <p:nvPr/>
-        </p:nvPicPr>
-        <p:blipFill>
-          <a:blip r:embed="rId5" cstate="print"/>
-          <a:stretch>
-            <a:fillRect/>
-          </a:stretch>
-        </p:blipFill>
-        <p:spPr>
-          <a:xfrm>
-            <a:off x="6357950" y="3214692"/>
-            <a:ext cx="1190624" cy="771216"/>
-          </a:xfrm>
-          <a:prstGeom prst="rect">
-            <a:avLst/>
-          </a:prstGeom>
-        </p:spPr>
-      </p:pic>
     </p:spTree>
+    <p:extLst>
+      <p:ext uri="{BB962C8B-B14F-4D97-AF65-F5344CB8AC3E}">
+        <p14:creationId xmlns:p14="http://schemas.microsoft.com/office/powerpoint/2010/main" val="2615882974"/>
+      </p:ext>
+    </p:extLst>
   </p:cSld>
   <p:clrMapOvr>
     <a:masterClrMapping/>
@@ -9274,8 +8077,14 @@
       </p:grpSpPr>
       <p:sp>
         <p:nvSpPr>
-          <p:cNvPr id="2" name="object 2"/>
-          <p:cNvSpPr txBox="1">
+          <p:cNvPr id="2" name="Заголовок 1">
+            <a:extLst>
+              <a:ext uri="{FF2B5EF4-FFF2-40B4-BE49-F238E27FC236}">
+                <a16:creationId xmlns:a16="http://schemas.microsoft.com/office/drawing/2014/main" id="{19C683A6-09BE-780D-E728-F104CD5B8EB3}"/>
+              </a:ext>
+            </a:extLst>
+          </p:cNvPr>
+          <p:cNvSpPr>
             <a:spLocks noGrp="1"/>
           </p:cNvSpPr>
           <p:nvPr>
@@ -9284,665 +8093,280 @@
         </p:nvSpPr>
         <p:spPr>
           <a:xfrm>
-            <a:off x="384725" y="481496"/>
-            <a:ext cx="5958205" cy="482600"/>
+            <a:off x="628650" y="13691"/>
+            <a:ext cx="7886700" cy="994172"/>
           </a:xfrm>
-          <a:prstGeom prst="rect">
-            <a:avLst/>
-          </a:prstGeom>
         </p:spPr>
         <p:txBody>
-          <a:bodyPr vert="horz" wrap="square" lIns="0" tIns="12700" rIns="0" bIns="0" rtlCol="0">
-            <a:spAutoFit/>
-          </a:bodyPr>
+          <a:bodyPr/>
           <a:lstStyle/>
           <a:p>
-            <a:pPr marL="12700">
-              <a:lnSpc>
-                <a:spcPct val="100000"/>
-              </a:lnSpc>
-              <a:spcBef>
-                <a:spcPts val="100"/>
-              </a:spcBef>
-            </a:pPr>
-            <a:r>
-              <a:rPr sz="3000" spc="-5" dirty="0"/>
-              <a:t>Пример</a:t>
-            </a:r>
-            <a:r>
-              <a:rPr sz="3000" spc="-50" dirty="0"/>
-              <a:t> </a:t>
-            </a:r>
-            <a:r>
-              <a:rPr sz="3000" spc="-5" dirty="0"/>
-              <a:t>(вторая</a:t>
-            </a:r>
-            <a:r>
-              <a:rPr sz="3000" spc="-50" dirty="0"/>
-              <a:t> </a:t>
-            </a:r>
-            <a:r>
-              <a:rPr sz="3000" spc="-5" dirty="0"/>
-              <a:t>итерация)</a:t>
-            </a:r>
-            <a:endParaRPr sz="3000"/>
+            <a:r>
+              <a:rPr lang="ru-RU" dirty="0"/>
+              <a:t>Пример вычислений</a:t>
+            </a:r>
           </a:p>
         </p:txBody>
       </p:sp>
       <p:sp>
         <p:nvSpPr>
-          <p:cNvPr id="3" name="object 3"/>
+          <p:cNvPr id="3" name="Объект 2">
+            <a:extLst>
+              <a:ext uri="{FF2B5EF4-FFF2-40B4-BE49-F238E27FC236}">
+                <a16:creationId xmlns:a16="http://schemas.microsoft.com/office/drawing/2014/main" id="{0EC90BFC-D70D-721A-FCF8-3ECFE2C084D9}"/>
+              </a:ext>
+            </a:extLst>
+          </p:cNvPr>
+          <p:cNvSpPr>
+            <a:spLocks noGrp="1"/>
+          </p:cNvSpPr>
+          <p:nvPr>
+            <p:ph idx="1"/>
+          </p:nvPr>
+        </p:nvSpPr>
+        <p:spPr>
+          <a:xfrm>
+            <a:off x="628650" y="984100"/>
+            <a:ext cx="7886700" cy="3721250"/>
+          </a:xfrm>
+        </p:spPr>
+        <p:txBody>
+          <a:bodyPr/>
+          <a:lstStyle/>
+          <a:p>
+            <a:r>
+              <a:rPr lang="en-US" dirty="0" err="1"/>
+              <a:t>Cп</a:t>
+            </a:r>
+            <a:r>
+              <a:rPr lang="ru-RU" dirty="0" err="1"/>
+              <a:t>исок</a:t>
+            </a:r>
+            <a:r>
+              <a:rPr lang="ru-RU" dirty="0"/>
+              <a:t> после </a:t>
+            </a:r>
+            <a:r>
+              <a:rPr lang="en-US" dirty="0"/>
+              <a:t>2</a:t>
+            </a:r>
+            <a:r>
+              <a:rPr lang="ru-RU" dirty="0"/>
+              <a:t> итерации</a:t>
+            </a:r>
+            <a:r>
+              <a:rPr lang="en-US" dirty="0"/>
+              <a:t>:</a:t>
+            </a:r>
+            <a:r>
+              <a:rPr lang="ru-RU" b="0" dirty="0">
+                <a:solidFill>
+                  <a:srgbClr val="000000"/>
+                </a:solidFill>
+                <a:effectLst/>
+                <a:latin typeface="Courier New" panose="02070309020205020404" pitchFamily="49" charset="0"/>
+              </a:rPr>
+              <a:t>[</a:t>
+            </a:r>
+            <a:r>
+              <a:rPr lang="ru-RU" b="0" i="0" dirty="0">
+                <a:solidFill>
+                  <a:srgbClr val="212121"/>
+                </a:solidFill>
+                <a:effectLst/>
+                <a:latin typeface="Courier New" panose="02070309020205020404" pitchFamily="49" charset="0"/>
+              </a:rPr>
+              <a:t>0.81, 0.84, 3.97, 4.46, 7.74, 8.02, 8.16, 8.64, 8.78, 9.26, 10.38, 20.46</a:t>
+            </a:r>
+            <a:r>
+              <a:rPr lang="ru-RU" b="0" dirty="0">
+                <a:solidFill>
+                  <a:srgbClr val="000000"/>
+                </a:solidFill>
+                <a:effectLst/>
+                <a:latin typeface="Courier New" panose="02070309020205020404" pitchFamily="49" charset="0"/>
+              </a:rPr>
+              <a:t>]</a:t>
+            </a:r>
+            <a:r>
+              <a:rPr lang="en-US" b="0" dirty="0">
+                <a:solidFill>
+                  <a:srgbClr val="000000"/>
+                </a:solidFill>
+                <a:effectLst/>
+                <a:latin typeface="Courier New" panose="02070309020205020404" pitchFamily="49" charset="0"/>
+              </a:rPr>
+              <a:t>, </a:t>
+            </a:r>
+            <a:r>
+              <a:rPr lang="en-US" b="0" i="1" dirty="0">
+                <a:solidFill>
+                  <a:srgbClr val="000000"/>
+                </a:solidFill>
+                <a:effectLst/>
+                <a:latin typeface="Courier New" panose="02070309020205020404" pitchFamily="49" charset="0"/>
+              </a:rPr>
+              <a:t>n = 12</a:t>
+            </a:r>
+            <a:endParaRPr lang="ru-RU" b="0" i="1" dirty="0">
+              <a:solidFill>
+                <a:srgbClr val="000000"/>
+              </a:solidFill>
+              <a:effectLst/>
+              <a:latin typeface="Courier New" panose="02070309020205020404" pitchFamily="49" charset="0"/>
+            </a:endParaRPr>
+          </a:p>
+          <a:p>
+            <a:endParaRPr lang="ru-RU" dirty="0"/>
+          </a:p>
+        </p:txBody>
+      </p:sp>
+      <p:sp>
+        <p:nvSpPr>
+          <p:cNvPr id="5" name="TextBox 4">
+            <a:extLst>
+              <a:ext uri="{FF2B5EF4-FFF2-40B4-BE49-F238E27FC236}">
+                <a16:creationId xmlns:a16="http://schemas.microsoft.com/office/drawing/2014/main" id="{7F068EDD-E524-3D41-BCE0-DE148711A842}"/>
+              </a:ext>
+            </a:extLst>
+          </p:cNvPr>
           <p:cNvSpPr txBox="1"/>
           <p:nvPr/>
         </p:nvSpPr>
         <p:spPr>
           <a:xfrm>
-            <a:off x="358745" y="1002739"/>
-            <a:ext cx="8145145" cy="2027555"/>
+            <a:off x="628650" y="2571750"/>
+            <a:ext cx="8286750" cy="2308324"/>
           </a:xfrm>
           <a:prstGeom prst="rect">
             <a:avLst/>
           </a:prstGeom>
+          <a:noFill/>
         </p:spPr>
         <p:txBody>
-          <a:bodyPr vert="horz" wrap="square" lIns="0" tIns="24765" rIns="0" bIns="0" rtlCol="0">
+          <a:bodyPr wrap="square">
             <a:spAutoFit/>
           </a:bodyPr>
           <a:lstStyle/>
           <a:p>
-            <a:pPr marL="469900" marR="320040" indent="-457200">
-              <a:lnSpc>
-                <a:spcPts val="2630"/>
-              </a:lnSpc>
-              <a:spcBef>
-                <a:spcPts val="195"/>
-              </a:spcBef>
-            </a:pPr>
-            <a:r>
-              <a:rPr sz="2200" spc="-5" dirty="0">
-                <a:solidFill>
-                  <a:srgbClr val="595959"/>
-                </a:solidFill>
-                <a:latin typeface="Verdana"/>
-                <a:cs typeface="Verdana"/>
-              </a:rPr>
-              <a:t>Осталось </a:t>
-            </a:r>
-            <a:r>
-              <a:rPr sz="2200" i="1" spc="-5" dirty="0">
-                <a:solidFill>
-                  <a:srgbClr val="595959"/>
-                </a:solidFill>
-                <a:latin typeface="Verdana"/>
-                <a:cs typeface="Verdana"/>
-              </a:rPr>
-              <a:t>n=12 </a:t>
-            </a:r>
-            <a:r>
-              <a:rPr sz="2200" spc="-5" dirty="0">
-                <a:solidFill>
-                  <a:srgbClr val="595959"/>
-                </a:solidFill>
-                <a:latin typeface="Verdana"/>
-                <a:cs typeface="Verdana"/>
-              </a:rPr>
-              <a:t>объектов со следующими значениями </a:t>
-            </a:r>
-            <a:r>
-              <a:rPr sz="2200" spc="-760" dirty="0">
-                <a:solidFill>
-                  <a:srgbClr val="595959"/>
-                </a:solidFill>
-                <a:latin typeface="Verdana"/>
-                <a:cs typeface="Verdana"/>
-              </a:rPr>
-              <a:t> </a:t>
-            </a:r>
-            <a:r>
-              <a:rPr sz="2200" spc="-5" dirty="0">
-                <a:solidFill>
-                  <a:srgbClr val="595959"/>
-                </a:solidFill>
-                <a:latin typeface="Verdana"/>
-                <a:cs typeface="Verdana"/>
-              </a:rPr>
-              <a:t>признака </a:t>
-            </a:r>
-            <a:r>
-              <a:rPr sz="2200" i="1" dirty="0">
-                <a:solidFill>
-                  <a:srgbClr val="595959"/>
-                </a:solidFill>
-                <a:latin typeface="Verdana"/>
-                <a:cs typeface="Verdana"/>
-              </a:rPr>
-              <a:t>Р</a:t>
-            </a:r>
-            <a:endParaRPr sz="2200" dirty="0">
-              <a:latin typeface="Verdana"/>
-              <a:cs typeface="Verdana"/>
+            <a:r>
+              <a:rPr lang="ru-RU" b="0" i="0" dirty="0">
+                <a:solidFill>
+                  <a:srgbClr val="212121"/>
+                </a:solidFill>
+                <a:effectLst/>
+                <a:latin typeface="Courier New" panose="02070309020205020404" pitchFamily="49" charset="0"/>
+              </a:rPr>
+              <a:t>Итерация: 3 </a:t>
+            </a:r>
+            <a:endParaRPr lang="en-US" b="0" i="0" dirty="0">
+              <a:solidFill>
+                <a:srgbClr val="212121"/>
+              </a:solidFill>
+              <a:effectLst/>
+              <a:latin typeface="Courier New" panose="02070309020205020404" pitchFamily="49" charset="0"/>
             </a:endParaRPr>
           </a:p>
           <a:p>
-            <a:pPr marL="12700">
-              <a:lnSpc>
-                <a:spcPts val="2525"/>
-              </a:lnSpc>
-            </a:pPr>
-            <a:r>
-              <a:rPr sz="2200" spc="-5" dirty="0">
-                <a:solidFill>
-                  <a:srgbClr val="595959"/>
-                </a:solidFill>
-                <a:latin typeface="Verdana"/>
-                <a:cs typeface="Verdana"/>
-              </a:rPr>
-              <a:t>8.02</a:t>
-            </a:r>
-            <a:r>
-              <a:rPr sz="2200" spc="-10" dirty="0">
-                <a:solidFill>
-                  <a:srgbClr val="595959"/>
-                </a:solidFill>
-                <a:latin typeface="Verdana"/>
-                <a:cs typeface="Verdana"/>
-              </a:rPr>
-              <a:t> </a:t>
-            </a:r>
-            <a:r>
-              <a:rPr sz="2200" spc="-5" dirty="0">
-                <a:solidFill>
-                  <a:srgbClr val="595959"/>
-                </a:solidFill>
-                <a:latin typeface="Verdana"/>
-                <a:cs typeface="Verdana"/>
-              </a:rPr>
-              <a:t>8.16</a:t>
-            </a:r>
-            <a:r>
-              <a:rPr sz="2200" spc="-10" dirty="0">
-                <a:solidFill>
-                  <a:srgbClr val="595959"/>
-                </a:solidFill>
-                <a:latin typeface="Verdana"/>
-                <a:cs typeface="Verdana"/>
-              </a:rPr>
-              <a:t> </a:t>
-            </a:r>
-            <a:r>
-              <a:rPr sz="2200" spc="-5" dirty="0">
-                <a:solidFill>
-                  <a:srgbClr val="595959"/>
-                </a:solidFill>
-                <a:latin typeface="Verdana"/>
-                <a:cs typeface="Verdana"/>
-              </a:rPr>
-              <a:t>3.97</a:t>
-            </a:r>
-            <a:r>
-              <a:rPr sz="2200" spc="-10" dirty="0">
-                <a:solidFill>
-                  <a:srgbClr val="595959"/>
-                </a:solidFill>
-                <a:latin typeface="Verdana"/>
-                <a:cs typeface="Verdana"/>
-              </a:rPr>
-              <a:t> </a:t>
-            </a:r>
-            <a:r>
-              <a:rPr sz="2200" spc="-5" dirty="0">
-                <a:solidFill>
-                  <a:srgbClr val="595959"/>
-                </a:solidFill>
-                <a:latin typeface="Verdana"/>
-                <a:cs typeface="Verdana"/>
-              </a:rPr>
-              <a:t>8.64</a:t>
-            </a:r>
-            <a:r>
-              <a:rPr sz="2200" spc="-10" dirty="0">
-                <a:solidFill>
-                  <a:srgbClr val="595959"/>
-                </a:solidFill>
-                <a:latin typeface="Verdana"/>
-                <a:cs typeface="Verdana"/>
-              </a:rPr>
-              <a:t> </a:t>
-            </a:r>
-            <a:r>
-              <a:rPr sz="2200" spc="-5" dirty="0">
-                <a:solidFill>
-                  <a:srgbClr val="595959"/>
-                </a:solidFill>
-                <a:latin typeface="Verdana"/>
-                <a:cs typeface="Verdana"/>
-              </a:rPr>
-              <a:t>0.84</a:t>
-            </a:r>
-            <a:r>
-              <a:rPr sz="2200" spc="-10" dirty="0">
-                <a:solidFill>
-                  <a:srgbClr val="595959"/>
-                </a:solidFill>
-                <a:latin typeface="Verdana"/>
-                <a:cs typeface="Verdana"/>
-              </a:rPr>
-              <a:t> </a:t>
-            </a:r>
-            <a:r>
-              <a:rPr sz="2200" spc="-5" dirty="0">
-                <a:solidFill>
-                  <a:srgbClr val="595959"/>
-                </a:solidFill>
-                <a:latin typeface="Verdana"/>
-                <a:cs typeface="Verdana"/>
-              </a:rPr>
-              <a:t>4.46</a:t>
-            </a:r>
-            <a:r>
-              <a:rPr sz="2200" spc="-10" dirty="0">
-                <a:solidFill>
-                  <a:srgbClr val="595959"/>
-                </a:solidFill>
-                <a:latin typeface="Verdana"/>
-                <a:cs typeface="Verdana"/>
-              </a:rPr>
-              <a:t> </a:t>
-            </a:r>
-            <a:r>
-              <a:rPr sz="2200" spc="-5" dirty="0">
-                <a:solidFill>
-                  <a:srgbClr val="595959"/>
-                </a:solidFill>
-                <a:latin typeface="Verdana"/>
-                <a:cs typeface="Verdana"/>
-              </a:rPr>
-              <a:t>0.81</a:t>
-            </a:r>
-            <a:r>
-              <a:rPr sz="2200" spc="-10" dirty="0">
-                <a:solidFill>
-                  <a:srgbClr val="595959"/>
-                </a:solidFill>
-                <a:latin typeface="Verdana"/>
-                <a:cs typeface="Verdana"/>
-              </a:rPr>
-              <a:t> </a:t>
-            </a:r>
-            <a:r>
-              <a:rPr sz="2200" spc="-5" dirty="0">
-                <a:solidFill>
-                  <a:srgbClr val="595959"/>
-                </a:solidFill>
-                <a:latin typeface="Verdana"/>
-                <a:cs typeface="Verdana"/>
-              </a:rPr>
-              <a:t>7.74</a:t>
-            </a:r>
-            <a:r>
-              <a:rPr sz="2200" spc="-10" dirty="0">
-                <a:solidFill>
-                  <a:srgbClr val="595959"/>
-                </a:solidFill>
-                <a:latin typeface="Verdana"/>
-                <a:cs typeface="Verdana"/>
-              </a:rPr>
-              <a:t> </a:t>
-            </a:r>
-            <a:r>
-              <a:rPr sz="2200" spc="-5" dirty="0">
-                <a:solidFill>
-                  <a:srgbClr val="595959"/>
-                </a:solidFill>
-                <a:latin typeface="Verdana"/>
-                <a:cs typeface="Verdana"/>
-              </a:rPr>
-              <a:t>8.78</a:t>
-            </a:r>
-            <a:r>
-              <a:rPr sz="2200" spc="-10" dirty="0">
-                <a:solidFill>
-                  <a:srgbClr val="595959"/>
-                </a:solidFill>
-                <a:latin typeface="Verdana"/>
-                <a:cs typeface="Verdana"/>
-              </a:rPr>
-              <a:t> </a:t>
-            </a:r>
-            <a:r>
-              <a:rPr sz="2200" spc="-5" dirty="0">
-                <a:solidFill>
-                  <a:srgbClr val="595959"/>
-                </a:solidFill>
-                <a:latin typeface="Verdana"/>
-                <a:cs typeface="Verdana"/>
-              </a:rPr>
-              <a:t>9.26</a:t>
-            </a:r>
-            <a:r>
-              <a:rPr sz="2200" spc="-10" dirty="0">
-                <a:solidFill>
-                  <a:srgbClr val="595959"/>
-                </a:solidFill>
-                <a:latin typeface="Verdana"/>
-                <a:cs typeface="Verdana"/>
-              </a:rPr>
-              <a:t> </a:t>
-            </a:r>
-            <a:r>
-              <a:rPr sz="2200" spc="-5" dirty="0">
-                <a:solidFill>
-                  <a:srgbClr val="595959"/>
-                </a:solidFill>
-                <a:latin typeface="Verdana"/>
-                <a:cs typeface="Verdana"/>
-              </a:rPr>
-              <a:t>20.46</a:t>
-            </a:r>
-            <a:endParaRPr sz="2200" dirty="0">
-              <a:latin typeface="Verdana"/>
-              <a:cs typeface="Verdana"/>
+            <a:r>
+              <a:rPr lang="ru-RU" b="0" i="0" dirty="0">
+                <a:solidFill>
+                  <a:srgbClr val="212121"/>
+                </a:solidFill>
+                <a:effectLst/>
+                <a:latin typeface="Courier New" panose="02070309020205020404" pitchFamily="49" charset="0"/>
+              </a:rPr>
+              <a:t>Критерий: 0.041666666666666664 </a:t>
+            </a:r>
+            <a:endParaRPr lang="en-US" b="0" i="0" dirty="0">
+              <a:solidFill>
+                <a:srgbClr val="212121"/>
+              </a:solidFill>
+              <a:effectLst/>
+              <a:latin typeface="Courier New" panose="02070309020205020404" pitchFamily="49" charset="0"/>
             </a:endParaRPr>
           </a:p>
           <a:p>
-            <a:pPr marL="469900">
-              <a:lnSpc>
-                <a:spcPts val="2625"/>
-              </a:lnSpc>
-            </a:pPr>
-            <a:r>
-              <a:rPr sz="2200" spc="-5" dirty="0">
-                <a:solidFill>
-                  <a:srgbClr val="595959"/>
-                </a:solidFill>
-                <a:latin typeface="Verdana"/>
-                <a:cs typeface="Verdana"/>
-              </a:rPr>
-              <a:t>10.38</a:t>
-            </a:r>
-            <a:endParaRPr sz="2200" dirty="0">
-              <a:latin typeface="Verdana"/>
-              <a:cs typeface="Verdana"/>
+            <a:r>
+              <a:rPr lang="ru-RU" b="0" i="0" dirty="0">
+                <a:solidFill>
+                  <a:srgbClr val="212121"/>
+                </a:solidFill>
+                <a:effectLst/>
+                <a:latin typeface="Courier New" panose="02070309020205020404" pitchFamily="49" charset="0"/>
+              </a:rPr>
+              <a:t>Среднее: 7.626666666666668 </a:t>
+            </a:r>
+            <a:endParaRPr lang="en-US" b="0" i="0" dirty="0">
+              <a:solidFill>
+                <a:srgbClr val="212121"/>
+              </a:solidFill>
+              <a:effectLst/>
+              <a:latin typeface="Courier New" panose="02070309020205020404" pitchFamily="49" charset="0"/>
             </a:endParaRPr>
           </a:p>
           <a:p>
-            <a:pPr marL="12700">
-              <a:lnSpc>
-                <a:spcPts val="2625"/>
-              </a:lnSpc>
-              <a:tabLst>
-                <a:tab pos="2141220" algn="l"/>
-                <a:tab pos="3496945" algn="l"/>
-              </a:tabLst>
-            </a:pPr>
-            <a:r>
-              <a:rPr sz="2200" spc="-5" dirty="0">
-                <a:solidFill>
-                  <a:srgbClr val="595959"/>
-                </a:solidFill>
-                <a:latin typeface="Verdana"/>
-                <a:cs typeface="Verdana"/>
-              </a:rPr>
-              <a:t>Вычисляем:	=7.63,	=5.17.</a:t>
-            </a:r>
-            <a:endParaRPr sz="2200" dirty="0">
-              <a:latin typeface="Verdana"/>
-              <a:cs typeface="Verdana"/>
+            <a:r>
+              <a:rPr lang="ru-RU" b="0" i="0" dirty="0">
+                <a:solidFill>
+                  <a:srgbClr val="212121"/>
+                </a:solidFill>
+                <a:effectLst/>
+                <a:latin typeface="Courier New" panose="02070309020205020404" pitchFamily="49" charset="0"/>
+              </a:rPr>
+              <a:t>Стандартное отклонение: 5.167000771211184 </a:t>
+            </a:r>
+            <a:endParaRPr lang="en-US" b="0" i="0" dirty="0">
+              <a:solidFill>
+                <a:srgbClr val="212121"/>
+              </a:solidFill>
+              <a:effectLst/>
+              <a:latin typeface="Courier New" panose="02070309020205020404" pitchFamily="49" charset="0"/>
             </a:endParaRPr>
           </a:p>
           <a:p>
-            <a:pPr marL="12700">
-              <a:lnSpc>
-                <a:spcPts val="2635"/>
-              </a:lnSpc>
-            </a:pPr>
-            <a:r>
-              <a:rPr sz="2200" spc="-5" dirty="0">
-                <a:solidFill>
-                  <a:srgbClr val="595959"/>
-                </a:solidFill>
-                <a:latin typeface="Verdana"/>
-                <a:cs typeface="Verdana"/>
-              </a:rPr>
-              <a:t>Проверка</a:t>
-            </a:r>
-            <a:r>
-              <a:rPr sz="2200" spc="-40" dirty="0">
-                <a:solidFill>
-                  <a:srgbClr val="595959"/>
-                </a:solidFill>
-                <a:latin typeface="Verdana"/>
-                <a:cs typeface="Verdana"/>
-              </a:rPr>
-              <a:t> </a:t>
-            </a:r>
-            <a:r>
-              <a:rPr sz="2200" spc="-5" dirty="0">
-                <a:solidFill>
-                  <a:srgbClr val="595959"/>
-                </a:solidFill>
-                <a:latin typeface="Verdana"/>
-                <a:cs typeface="Verdana"/>
-              </a:rPr>
-              <a:t>для</a:t>
-            </a:r>
-            <a:r>
-              <a:rPr sz="2200" spc="-35" dirty="0">
-                <a:solidFill>
-                  <a:srgbClr val="595959"/>
-                </a:solidFill>
-                <a:latin typeface="Verdana"/>
-                <a:cs typeface="Verdana"/>
-              </a:rPr>
-              <a:t> </a:t>
-            </a:r>
-            <a:r>
-              <a:rPr sz="2200" spc="-5" dirty="0">
-                <a:solidFill>
-                  <a:srgbClr val="595959"/>
-                </a:solidFill>
-                <a:latin typeface="Verdana"/>
-                <a:cs typeface="Verdana"/>
-              </a:rPr>
-              <a:t>10.38:</a:t>
-            </a:r>
-            <a:endParaRPr sz="2200" dirty="0">
-              <a:latin typeface="Verdana"/>
-              <a:cs typeface="Verdana"/>
+            <a:r>
+              <a:rPr lang="ru-RU" b="0" i="0" dirty="0">
+                <a:solidFill>
+                  <a:srgbClr val="212121"/>
+                </a:solidFill>
+                <a:effectLst/>
+                <a:latin typeface="Courier New" panose="02070309020205020404" pitchFamily="49" charset="0"/>
+              </a:rPr>
+              <a:t>Выброс: 20.46 </a:t>
+            </a:r>
+            <a:endParaRPr lang="en-US" b="0" i="0" dirty="0">
+              <a:solidFill>
+                <a:srgbClr val="212121"/>
+              </a:solidFill>
+              <a:effectLst/>
+              <a:latin typeface="Courier New" panose="02070309020205020404" pitchFamily="49" charset="0"/>
             </a:endParaRPr>
+          </a:p>
+          <a:p>
+            <a:r>
+              <a:rPr lang="ru-RU" b="0" i="0" dirty="0">
+                <a:solidFill>
+                  <a:srgbClr val="212121"/>
+                </a:solidFill>
+                <a:effectLst/>
+                <a:latin typeface="Courier New" panose="02070309020205020404" pitchFamily="49" charset="0"/>
+              </a:rPr>
+              <a:t>Список:[0.81, 0.84, 3.97, 4.46, 7.74, 8.02, 8.16, 8.64, 8.78, 9.26, 10.38]</a:t>
+            </a:r>
+            <a:br>
+              <a:rPr lang="ru-RU" dirty="0"/>
+            </a:br>
+            <a:endParaRPr lang="ru-RU" dirty="0"/>
           </a:p>
         </p:txBody>
       </p:sp>
-      <p:sp>
-        <p:nvSpPr>
-          <p:cNvPr id="4" name="object 4"/>
-          <p:cNvSpPr txBox="1"/>
-          <p:nvPr/>
-        </p:nvSpPr>
-        <p:spPr>
-          <a:xfrm>
-            <a:off x="358745" y="4003114"/>
-            <a:ext cx="7210425" cy="694055"/>
-          </a:xfrm>
-          <a:prstGeom prst="rect">
-            <a:avLst/>
-          </a:prstGeom>
-        </p:spPr>
-        <p:txBody>
-          <a:bodyPr vert="horz" wrap="square" lIns="0" tIns="24765" rIns="0" bIns="0" rtlCol="0">
-            <a:spAutoFit/>
-          </a:bodyPr>
-          <a:lstStyle/>
-          <a:p>
-            <a:pPr marL="469900" marR="5080" indent="-457200">
-              <a:lnSpc>
-                <a:spcPts val="2630"/>
-              </a:lnSpc>
-              <a:spcBef>
-                <a:spcPts val="195"/>
-              </a:spcBef>
-            </a:pPr>
-            <a:r>
-              <a:rPr sz="2200" spc="-5" dirty="0">
-                <a:solidFill>
-                  <a:srgbClr val="595959"/>
-                </a:solidFill>
-                <a:latin typeface="Verdana"/>
-                <a:cs typeface="Verdana"/>
-              </a:rPr>
-              <a:t>то есть 10.38 не выброс. Остальные числа также </a:t>
-            </a:r>
-            <a:r>
-              <a:rPr sz="2200" spc="-760" dirty="0">
-                <a:solidFill>
-                  <a:srgbClr val="595959"/>
-                </a:solidFill>
-                <a:latin typeface="Verdana"/>
-                <a:cs typeface="Verdana"/>
-              </a:rPr>
-              <a:t> </a:t>
-            </a:r>
-            <a:r>
-              <a:rPr sz="2200" spc="-5" dirty="0">
-                <a:solidFill>
-                  <a:srgbClr val="595959"/>
-                </a:solidFill>
-                <a:latin typeface="Verdana"/>
-                <a:cs typeface="Verdana"/>
-              </a:rPr>
-              <a:t>проходят</a:t>
-            </a:r>
-            <a:r>
-              <a:rPr sz="2200" spc="-10" dirty="0">
-                <a:solidFill>
-                  <a:srgbClr val="595959"/>
-                </a:solidFill>
-                <a:latin typeface="Verdana"/>
-                <a:cs typeface="Verdana"/>
-              </a:rPr>
-              <a:t> </a:t>
-            </a:r>
-            <a:r>
-              <a:rPr sz="2200" spc="-5" dirty="0">
-                <a:solidFill>
-                  <a:srgbClr val="595959"/>
-                </a:solidFill>
-                <a:latin typeface="Verdana"/>
-                <a:cs typeface="Verdana"/>
-              </a:rPr>
-              <a:t>проверку.</a:t>
-            </a:r>
-            <a:endParaRPr sz="2200">
-              <a:latin typeface="Verdana"/>
-              <a:cs typeface="Verdana"/>
-            </a:endParaRPr>
-          </a:p>
-        </p:txBody>
-      </p:sp>
-      <p:pic>
-        <p:nvPicPr>
-          <p:cNvPr id="5" name="object 5"/>
-          <p:cNvPicPr/>
-          <p:nvPr/>
-        </p:nvPicPr>
-        <p:blipFill>
-          <a:blip r:embed="rId2" cstate="print"/>
-          <a:stretch>
-            <a:fillRect/>
-          </a:stretch>
-        </p:blipFill>
-        <p:spPr>
-          <a:xfrm>
-            <a:off x="2286000" y="2293958"/>
-            <a:ext cx="190499" cy="447641"/>
-          </a:xfrm>
-          <a:prstGeom prst="rect">
-            <a:avLst/>
-          </a:prstGeom>
-        </p:spPr>
-      </p:pic>
-      <p:pic>
-        <p:nvPicPr>
-          <p:cNvPr id="6" name="object 6"/>
-          <p:cNvPicPr/>
-          <p:nvPr/>
-        </p:nvPicPr>
-        <p:blipFill>
-          <a:blip r:embed="rId3" cstate="print"/>
-          <a:stretch>
-            <a:fillRect/>
-          </a:stretch>
-        </p:blipFill>
-        <p:spPr>
-          <a:xfrm>
-            <a:off x="3546321" y="2293957"/>
-            <a:ext cx="314293" cy="447641"/>
-          </a:xfrm>
-          <a:prstGeom prst="rect">
-            <a:avLst/>
-          </a:prstGeom>
-        </p:spPr>
-      </p:pic>
-      <p:grpSp>
-        <p:nvGrpSpPr>
-          <p:cNvPr id="7" name="object 7"/>
-          <p:cNvGrpSpPr/>
-          <p:nvPr/>
-        </p:nvGrpSpPr>
-        <p:grpSpPr>
-          <a:xfrm>
-            <a:off x="762000" y="3068937"/>
-            <a:ext cx="6763384" cy="952500"/>
-            <a:chOff x="785786" y="3214692"/>
-            <a:chExt cx="6763384" cy="952500"/>
-          </a:xfrm>
-        </p:grpSpPr>
-        <p:pic>
-          <p:nvPicPr>
-            <p:cNvPr id="8" name="object 8"/>
-            <p:cNvPicPr/>
-            <p:nvPr/>
-          </p:nvPicPr>
-          <p:blipFill>
-            <a:blip r:embed="rId4" cstate="print"/>
-            <a:stretch>
-              <a:fillRect/>
-            </a:stretch>
-          </p:blipFill>
-          <p:spPr>
-            <a:xfrm>
-              <a:off x="6357950" y="3214692"/>
-              <a:ext cx="1190624" cy="771216"/>
-            </a:xfrm>
-            <a:prstGeom prst="rect">
-              <a:avLst/>
-            </a:prstGeom>
-          </p:spPr>
-        </p:pic>
-        <p:pic>
-          <p:nvPicPr>
-            <p:cNvPr id="9" name="object 9"/>
-            <p:cNvPicPr/>
-            <p:nvPr/>
-          </p:nvPicPr>
-          <p:blipFill>
-            <a:blip r:embed="rId5" cstate="print"/>
-            <a:stretch>
-              <a:fillRect/>
-            </a:stretch>
-          </p:blipFill>
-          <p:spPr>
-            <a:xfrm>
-              <a:off x="785786" y="3214692"/>
-              <a:ext cx="5568642" cy="952499"/>
-            </a:xfrm>
-            <a:prstGeom prst="rect">
-              <a:avLst/>
-            </a:prstGeom>
-          </p:spPr>
-        </p:pic>
-      </p:grpSp>
     </p:spTree>
+    <p:extLst>
+      <p:ext uri="{BB962C8B-B14F-4D97-AF65-F5344CB8AC3E}">
+        <p14:creationId xmlns:p14="http://schemas.microsoft.com/office/powerpoint/2010/main" val="3391559420"/>
+      </p:ext>
+    </p:extLst>
   </p:cSld>
   <p:clrMapOvr>
     <a:masterClrMapping/>
@@ -9969,8 +8393,14 @@
       </p:grpSpPr>
       <p:sp>
         <p:nvSpPr>
-          <p:cNvPr id="2" name="object 2"/>
-          <p:cNvSpPr txBox="1">
+          <p:cNvPr id="2" name="Заголовок 1">
+            <a:extLst>
+              <a:ext uri="{FF2B5EF4-FFF2-40B4-BE49-F238E27FC236}">
+                <a16:creationId xmlns:a16="http://schemas.microsoft.com/office/drawing/2014/main" id="{19C683A6-09BE-780D-E728-F104CD5B8EB3}"/>
+              </a:ext>
+            </a:extLst>
+          </p:cNvPr>
+          <p:cNvSpPr>
             <a:spLocks noGrp="1"/>
           </p:cNvSpPr>
           <p:nvPr>
@@ -9979,664 +8409,274 @@
         </p:nvSpPr>
         <p:spPr>
           <a:xfrm>
-            <a:off x="384725" y="481496"/>
-            <a:ext cx="5888355" cy="482600"/>
+            <a:off x="628650" y="13691"/>
+            <a:ext cx="7886700" cy="994172"/>
           </a:xfrm>
-          <a:prstGeom prst="rect">
-            <a:avLst/>
-          </a:prstGeom>
         </p:spPr>
         <p:txBody>
-          <a:bodyPr vert="horz" wrap="square" lIns="0" tIns="12700" rIns="0" bIns="0" rtlCol="0">
-            <a:spAutoFit/>
-          </a:bodyPr>
+          <a:bodyPr/>
           <a:lstStyle/>
           <a:p>
-            <a:pPr marL="12700">
-              <a:lnSpc>
-                <a:spcPct val="100000"/>
-              </a:lnSpc>
-              <a:spcBef>
-                <a:spcPts val="100"/>
-              </a:spcBef>
-            </a:pPr>
-            <a:r>
-              <a:rPr sz="3000" spc="-5" dirty="0"/>
-              <a:t>Пример</a:t>
-            </a:r>
-            <a:r>
-              <a:rPr sz="3000" spc="-50" dirty="0"/>
-              <a:t> </a:t>
-            </a:r>
-            <a:r>
-              <a:rPr sz="3000" spc="-5" dirty="0"/>
-              <a:t>(третья</a:t>
-            </a:r>
-            <a:r>
-              <a:rPr sz="3000" spc="-50" dirty="0"/>
-              <a:t> </a:t>
-            </a:r>
-            <a:r>
-              <a:rPr sz="3000" spc="-5" dirty="0"/>
-              <a:t>итерация)</a:t>
-            </a:r>
-            <a:endParaRPr sz="3000"/>
+            <a:r>
+              <a:rPr lang="ru-RU" dirty="0"/>
+              <a:t>Пример вычислений</a:t>
+            </a:r>
           </a:p>
         </p:txBody>
       </p:sp>
       <p:sp>
         <p:nvSpPr>
-          <p:cNvPr id="3" name="object 3"/>
+          <p:cNvPr id="3" name="Объект 2">
+            <a:extLst>
+              <a:ext uri="{FF2B5EF4-FFF2-40B4-BE49-F238E27FC236}">
+                <a16:creationId xmlns:a16="http://schemas.microsoft.com/office/drawing/2014/main" id="{0EC90BFC-D70D-721A-FCF8-3ECFE2C084D9}"/>
+              </a:ext>
+            </a:extLst>
+          </p:cNvPr>
+          <p:cNvSpPr>
+            <a:spLocks noGrp="1"/>
+          </p:cNvSpPr>
+          <p:nvPr>
+            <p:ph idx="1"/>
+          </p:nvPr>
+        </p:nvSpPr>
+        <p:spPr>
+          <a:xfrm>
+            <a:off x="628650" y="984100"/>
+            <a:ext cx="7886700" cy="3263504"/>
+          </a:xfrm>
+        </p:spPr>
+        <p:txBody>
+          <a:bodyPr/>
+          <a:lstStyle/>
+          <a:p>
+            <a:r>
+              <a:rPr lang="en-US" dirty="0" err="1"/>
+              <a:t>Cп</a:t>
+            </a:r>
+            <a:r>
+              <a:rPr lang="ru-RU" dirty="0" err="1"/>
+              <a:t>исок</a:t>
+            </a:r>
+            <a:r>
+              <a:rPr lang="ru-RU" dirty="0"/>
+              <a:t> после </a:t>
+            </a:r>
+            <a:r>
+              <a:rPr lang="en-US" dirty="0"/>
+              <a:t>3</a:t>
+            </a:r>
+            <a:r>
+              <a:rPr lang="ru-RU" dirty="0"/>
+              <a:t> итерации</a:t>
+            </a:r>
+            <a:r>
+              <a:rPr lang="en-US" dirty="0"/>
+              <a:t>:</a:t>
+            </a:r>
+            <a:r>
+              <a:rPr lang="ru-RU" b="0" dirty="0">
+                <a:solidFill>
+                  <a:srgbClr val="000000"/>
+                </a:solidFill>
+                <a:effectLst/>
+                <a:latin typeface="Courier New" panose="02070309020205020404" pitchFamily="49" charset="0"/>
+              </a:rPr>
+              <a:t>[</a:t>
+            </a:r>
+            <a:r>
+              <a:rPr lang="ru-RU" b="0" i="0" dirty="0">
+                <a:solidFill>
+                  <a:srgbClr val="212121"/>
+                </a:solidFill>
+                <a:effectLst/>
+                <a:latin typeface="Courier New" panose="02070309020205020404" pitchFamily="49" charset="0"/>
+              </a:rPr>
+              <a:t>0.81, 0.84, 3.97, 4.46, 7.74, 8.02, 8.16, 8.64, 8.78, 9.26, 10.38</a:t>
+            </a:r>
+            <a:r>
+              <a:rPr lang="ru-RU" b="0" dirty="0">
+                <a:solidFill>
+                  <a:srgbClr val="000000"/>
+                </a:solidFill>
+                <a:effectLst/>
+                <a:latin typeface="Courier New" panose="02070309020205020404" pitchFamily="49" charset="0"/>
+              </a:rPr>
+              <a:t>]</a:t>
+            </a:r>
+            <a:r>
+              <a:rPr lang="en-US" b="0" dirty="0">
+                <a:solidFill>
+                  <a:srgbClr val="000000"/>
+                </a:solidFill>
+                <a:effectLst/>
+                <a:latin typeface="Courier New" panose="02070309020205020404" pitchFamily="49" charset="0"/>
+              </a:rPr>
+              <a:t>,   </a:t>
+            </a:r>
+            <a:r>
+              <a:rPr lang="en-US" b="0" i="1" dirty="0">
+                <a:solidFill>
+                  <a:srgbClr val="000000"/>
+                </a:solidFill>
+                <a:effectLst/>
+                <a:latin typeface="Courier New" panose="02070309020205020404" pitchFamily="49" charset="0"/>
+              </a:rPr>
+              <a:t>n = 11</a:t>
+            </a:r>
+            <a:endParaRPr lang="ru-RU" b="0" i="1" dirty="0">
+              <a:solidFill>
+                <a:srgbClr val="000000"/>
+              </a:solidFill>
+              <a:effectLst/>
+              <a:latin typeface="Courier New" panose="02070309020205020404" pitchFamily="49" charset="0"/>
+            </a:endParaRPr>
+          </a:p>
+          <a:p>
+            <a:endParaRPr lang="ru-RU" dirty="0"/>
+          </a:p>
+        </p:txBody>
+      </p:sp>
+      <p:sp>
+        <p:nvSpPr>
+          <p:cNvPr id="5" name="TextBox 4">
+            <a:extLst>
+              <a:ext uri="{FF2B5EF4-FFF2-40B4-BE49-F238E27FC236}">
+                <a16:creationId xmlns:a16="http://schemas.microsoft.com/office/drawing/2014/main" id="{7F068EDD-E524-3D41-BCE0-DE148711A842}"/>
+              </a:ext>
+            </a:extLst>
+          </p:cNvPr>
           <p:cNvSpPr txBox="1"/>
           <p:nvPr/>
         </p:nvSpPr>
         <p:spPr>
           <a:xfrm>
-            <a:off x="358745" y="1002739"/>
-            <a:ext cx="8145780" cy="1694180"/>
+            <a:off x="628650" y="2266950"/>
+            <a:ext cx="8286750" cy="1754326"/>
           </a:xfrm>
           <a:prstGeom prst="rect">
             <a:avLst/>
           </a:prstGeom>
+          <a:noFill/>
         </p:spPr>
         <p:txBody>
-          <a:bodyPr vert="horz" wrap="square" lIns="0" tIns="24765" rIns="0" bIns="0" rtlCol="0">
+          <a:bodyPr wrap="square">
             <a:spAutoFit/>
           </a:bodyPr>
           <a:lstStyle/>
           <a:p>
-            <a:pPr marL="469900" marR="320675" indent="-457200">
-              <a:lnSpc>
-                <a:spcPts val="2630"/>
-              </a:lnSpc>
-              <a:spcBef>
-                <a:spcPts val="195"/>
-              </a:spcBef>
-            </a:pPr>
-            <a:r>
-              <a:rPr sz="2200" spc="-5" dirty="0">
-                <a:solidFill>
-                  <a:srgbClr val="595959"/>
-                </a:solidFill>
-                <a:latin typeface="Verdana"/>
-                <a:cs typeface="Verdana"/>
-              </a:rPr>
-              <a:t>Осталось </a:t>
-            </a:r>
-            <a:r>
-              <a:rPr sz="2200" i="1" spc="-5" dirty="0">
-                <a:solidFill>
-                  <a:srgbClr val="595959"/>
-                </a:solidFill>
-                <a:latin typeface="Verdana"/>
-                <a:cs typeface="Verdana"/>
-              </a:rPr>
-              <a:t>n=11 </a:t>
-            </a:r>
-            <a:r>
-              <a:rPr sz="2200" spc="-5" dirty="0">
-                <a:solidFill>
-                  <a:srgbClr val="595959"/>
-                </a:solidFill>
-                <a:latin typeface="Verdana"/>
-                <a:cs typeface="Verdana"/>
-              </a:rPr>
-              <a:t>объектов со следующими значениями </a:t>
-            </a:r>
-            <a:r>
-              <a:rPr sz="2200" spc="-760" dirty="0">
-                <a:solidFill>
-                  <a:srgbClr val="595959"/>
-                </a:solidFill>
-                <a:latin typeface="Verdana"/>
-                <a:cs typeface="Verdana"/>
-              </a:rPr>
-              <a:t> </a:t>
-            </a:r>
-            <a:r>
-              <a:rPr sz="2200" spc="-5" dirty="0">
-                <a:solidFill>
-                  <a:srgbClr val="595959"/>
-                </a:solidFill>
-                <a:latin typeface="Verdana"/>
-                <a:cs typeface="Verdana"/>
-              </a:rPr>
-              <a:t>признака </a:t>
-            </a:r>
-            <a:r>
-              <a:rPr sz="2200" i="1" dirty="0">
-                <a:solidFill>
-                  <a:srgbClr val="595959"/>
-                </a:solidFill>
-                <a:latin typeface="Verdana"/>
-                <a:cs typeface="Verdana"/>
-              </a:rPr>
-              <a:t>Р</a:t>
-            </a:r>
-            <a:endParaRPr sz="2200">
-              <a:latin typeface="Verdana"/>
-              <a:cs typeface="Verdana"/>
+            <a:r>
+              <a:rPr lang="ru-RU" b="0" i="0" dirty="0">
+                <a:solidFill>
+                  <a:srgbClr val="212121"/>
+                </a:solidFill>
+                <a:effectLst/>
+                <a:latin typeface="Courier New" panose="02070309020205020404" pitchFamily="49" charset="0"/>
+              </a:rPr>
+              <a:t>Итерация: 4 </a:t>
+            </a:r>
+            <a:endParaRPr lang="en-US" b="0" i="0" dirty="0">
+              <a:solidFill>
+                <a:srgbClr val="212121"/>
+              </a:solidFill>
+              <a:effectLst/>
+              <a:latin typeface="Courier New" panose="02070309020205020404" pitchFamily="49" charset="0"/>
             </a:endParaRPr>
           </a:p>
           <a:p>
-            <a:pPr marL="12700">
-              <a:lnSpc>
-                <a:spcPts val="2525"/>
-              </a:lnSpc>
-            </a:pPr>
-            <a:r>
-              <a:rPr sz="2200" spc="-5" dirty="0">
-                <a:solidFill>
-                  <a:srgbClr val="595959"/>
-                </a:solidFill>
-                <a:latin typeface="Verdana"/>
-                <a:cs typeface="Verdana"/>
-              </a:rPr>
-              <a:t>8.02</a:t>
-            </a:r>
-            <a:r>
-              <a:rPr sz="2200" spc="-10" dirty="0">
-                <a:solidFill>
-                  <a:srgbClr val="595959"/>
-                </a:solidFill>
-                <a:latin typeface="Verdana"/>
-                <a:cs typeface="Verdana"/>
-              </a:rPr>
-              <a:t> </a:t>
-            </a:r>
-            <a:r>
-              <a:rPr sz="2200" spc="-5" dirty="0">
-                <a:solidFill>
-                  <a:srgbClr val="595959"/>
-                </a:solidFill>
-                <a:latin typeface="Verdana"/>
-                <a:cs typeface="Verdana"/>
-              </a:rPr>
-              <a:t>8.16</a:t>
-            </a:r>
-            <a:r>
-              <a:rPr sz="2200" spc="-10" dirty="0">
-                <a:solidFill>
-                  <a:srgbClr val="595959"/>
-                </a:solidFill>
-                <a:latin typeface="Verdana"/>
-                <a:cs typeface="Verdana"/>
-              </a:rPr>
-              <a:t> </a:t>
-            </a:r>
-            <a:r>
-              <a:rPr sz="2200" spc="-5" dirty="0">
-                <a:solidFill>
-                  <a:srgbClr val="595959"/>
-                </a:solidFill>
-                <a:latin typeface="Verdana"/>
-                <a:cs typeface="Verdana"/>
-              </a:rPr>
-              <a:t>3.97</a:t>
-            </a:r>
-            <a:r>
-              <a:rPr sz="2200" spc="-10" dirty="0">
-                <a:solidFill>
-                  <a:srgbClr val="595959"/>
-                </a:solidFill>
-                <a:latin typeface="Verdana"/>
-                <a:cs typeface="Verdana"/>
-              </a:rPr>
-              <a:t> </a:t>
-            </a:r>
-            <a:r>
-              <a:rPr sz="2200" spc="-5" dirty="0">
-                <a:solidFill>
-                  <a:srgbClr val="595959"/>
-                </a:solidFill>
-                <a:latin typeface="Verdana"/>
-                <a:cs typeface="Verdana"/>
-              </a:rPr>
-              <a:t>8.64</a:t>
-            </a:r>
-            <a:r>
-              <a:rPr sz="2200" spc="-10" dirty="0">
-                <a:solidFill>
-                  <a:srgbClr val="595959"/>
-                </a:solidFill>
-                <a:latin typeface="Verdana"/>
-                <a:cs typeface="Verdana"/>
-              </a:rPr>
-              <a:t> </a:t>
-            </a:r>
-            <a:r>
-              <a:rPr sz="2200" spc="-5" dirty="0">
-                <a:solidFill>
-                  <a:srgbClr val="595959"/>
-                </a:solidFill>
-                <a:latin typeface="Verdana"/>
-                <a:cs typeface="Verdana"/>
-              </a:rPr>
-              <a:t>0.84</a:t>
-            </a:r>
-            <a:r>
-              <a:rPr sz="2200" spc="-10" dirty="0">
-                <a:solidFill>
-                  <a:srgbClr val="595959"/>
-                </a:solidFill>
-                <a:latin typeface="Verdana"/>
-                <a:cs typeface="Verdana"/>
-              </a:rPr>
-              <a:t> </a:t>
-            </a:r>
-            <a:r>
-              <a:rPr sz="2200" spc="-5" dirty="0">
-                <a:solidFill>
-                  <a:srgbClr val="595959"/>
-                </a:solidFill>
-                <a:latin typeface="Verdana"/>
-                <a:cs typeface="Verdana"/>
-              </a:rPr>
-              <a:t>4.46</a:t>
-            </a:r>
-            <a:r>
-              <a:rPr sz="2200" spc="-10" dirty="0">
-                <a:solidFill>
-                  <a:srgbClr val="595959"/>
-                </a:solidFill>
-                <a:latin typeface="Verdana"/>
-                <a:cs typeface="Verdana"/>
-              </a:rPr>
-              <a:t> </a:t>
-            </a:r>
-            <a:r>
-              <a:rPr sz="2200" spc="-5" dirty="0">
-                <a:solidFill>
-                  <a:srgbClr val="595959"/>
-                </a:solidFill>
-                <a:latin typeface="Verdana"/>
-                <a:cs typeface="Verdana"/>
-              </a:rPr>
-              <a:t>0.81</a:t>
-            </a:r>
-            <a:r>
-              <a:rPr sz="2200" spc="-10" dirty="0">
-                <a:solidFill>
-                  <a:srgbClr val="595959"/>
-                </a:solidFill>
-                <a:latin typeface="Verdana"/>
-                <a:cs typeface="Verdana"/>
-              </a:rPr>
-              <a:t> </a:t>
-            </a:r>
-            <a:r>
-              <a:rPr sz="2200" spc="-5" dirty="0">
-                <a:solidFill>
-                  <a:srgbClr val="595959"/>
-                </a:solidFill>
-                <a:latin typeface="Verdana"/>
-                <a:cs typeface="Verdana"/>
-              </a:rPr>
-              <a:t>7.74</a:t>
-            </a:r>
-            <a:r>
-              <a:rPr sz="2200" spc="-10" dirty="0">
-                <a:solidFill>
-                  <a:srgbClr val="595959"/>
-                </a:solidFill>
-                <a:latin typeface="Verdana"/>
-                <a:cs typeface="Verdana"/>
-              </a:rPr>
-              <a:t> </a:t>
-            </a:r>
-            <a:r>
-              <a:rPr sz="2200" spc="-5" dirty="0">
-                <a:solidFill>
-                  <a:srgbClr val="595959"/>
-                </a:solidFill>
-                <a:latin typeface="Verdana"/>
-                <a:cs typeface="Verdana"/>
-              </a:rPr>
-              <a:t>8.78</a:t>
-            </a:r>
-            <a:r>
-              <a:rPr sz="2200" spc="-10" dirty="0">
-                <a:solidFill>
-                  <a:srgbClr val="595959"/>
-                </a:solidFill>
-                <a:latin typeface="Verdana"/>
-                <a:cs typeface="Verdana"/>
-              </a:rPr>
-              <a:t> </a:t>
-            </a:r>
-            <a:r>
-              <a:rPr sz="2200" spc="-5" dirty="0">
-                <a:solidFill>
-                  <a:srgbClr val="595959"/>
-                </a:solidFill>
-                <a:latin typeface="Verdana"/>
-                <a:cs typeface="Verdana"/>
-              </a:rPr>
-              <a:t>9.26</a:t>
-            </a:r>
-            <a:r>
-              <a:rPr sz="2200" spc="-10" dirty="0">
-                <a:solidFill>
-                  <a:srgbClr val="595959"/>
-                </a:solidFill>
-                <a:latin typeface="Verdana"/>
-                <a:cs typeface="Verdana"/>
-              </a:rPr>
-              <a:t> </a:t>
-            </a:r>
-            <a:r>
-              <a:rPr sz="2200" spc="-5" dirty="0">
-                <a:solidFill>
-                  <a:srgbClr val="595959"/>
-                </a:solidFill>
-                <a:latin typeface="Verdana"/>
-                <a:cs typeface="Verdana"/>
-              </a:rPr>
-              <a:t>10.38</a:t>
-            </a:r>
-            <a:endParaRPr sz="2200">
-              <a:latin typeface="Verdana"/>
-              <a:cs typeface="Verdana"/>
+            <a:r>
+              <a:rPr lang="ru-RU" b="0" i="0" dirty="0">
+                <a:solidFill>
+                  <a:srgbClr val="212121"/>
+                </a:solidFill>
+                <a:effectLst/>
+                <a:latin typeface="Courier New" panose="02070309020205020404" pitchFamily="49" charset="0"/>
+              </a:rPr>
+              <a:t>Критерий: 0.045454545454545456 </a:t>
+            </a:r>
+            <a:endParaRPr lang="en-US" b="0" i="0" dirty="0">
+              <a:solidFill>
+                <a:srgbClr val="212121"/>
+              </a:solidFill>
+              <a:effectLst/>
+              <a:latin typeface="Courier New" panose="02070309020205020404" pitchFamily="49" charset="0"/>
             </a:endParaRPr>
           </a:p>
           <a:p>
-            <a:pPr marL="12700">
-              <a:lnSpc>
-                <a:spcPts val="2625"/>
-              </a:lnSpc>
-              <a:tabLst>
-                <a:tab pos="2141220" algn="l"/>
-                <a:tab pos="3496945" algn="l"/>
-              </a:tabLst>
-            </a:pPr>
-            <a:r>
-              <a:rPr sz="2200" spc="-5" dirty="0">
-                <a:solidFill>
-                  <a:srgbClr val="595959"/>
-                </a:solidFill>
-                <a:latin typeface="Verdana"/>
-                <a:cs typeface="Verdana"/>
-              </a:rPr>
-              <a:t>Вычисляем:	=6.46,	=3.38.</a:t>
-            </a:r>
-            <a:endParaRPr sz="2200">
-              <a:latin typeface="Verdana"/>
-              <a:cs typeface="Verdana"/>
+            <a:r>
+              <a:rPr lang="ru-RU" b="0" i="0" dirty="0">
+                <a:solidFill>
+                  <a:srgbClr val="212121"/>
+                </a:solidFill>
+                <a:effectLst/>
+                <a:latin typeface="Courier New" panose="02070309020205020404" pitchFamily="49" charset="0"/>
+              </a:rPr>
+              <a:t>Среднее: 6.46 </a:t>
+            </a:r>
+            <a:endParaRPr lang="en-US" b="0" i="0" dirty="0">
+              <a:solidFill>
+                <a:srgbClr val="212121"/>
+              </a:solidFill>
+              <a:effectLst/>
+              <a:latin typeface="Courier New" panose="02070309020205020404" pitchFamily="49" charset="0"/>
             </a:endParaRPr>
           </a:p>
           <a:p>
-            <a:pPr marL="12700">
-              <a:lnSpc>
-                <a:spcPts val="2635"/>
-              </a:lnSpc>
-            </a:pPr>
-            <a:r>
-              <a:rPr sz="2200" spc="-5" dirty="0">
-                <a:solidFill>
-                  <a:srgbClr val="595959"/>
-                </a:solidFill>
-                <a:latin typeface="Verdana"/>
-                <a:cs typeface="Verdana"/>
-              </a:rPr>
-              <a:t>Проверка</a:t>
-            </a:r>
-            <a:r>
-              <a:rPr sz="2200" spc="-40" dirty="0">
-                <a:solidFill>
-                  <a:srgbClr val="595959"/>
-                </a:solidFill>
-                <a:latin typeface="Verdana"/>
-                <a:cs typeface="Verdana"/>
-              </a:rPr>
-              <a:t> </a:t>
-            </a:r>
-            <a:r>
-              <a:rPr sz="2200" spc="-5" dirty="0">
-                <a:solidFill>
-                  <a:srgbClr val="595959"/>
-                </a:solidFill>
-                <a:latin typeface="Verdana"/>
-                <a:cs typeface="Verdana"/>
-              </a:rPr>
-              <a:t>для</a:t>
-            </a:r>
-            <a:r>
-              <a:rPr sz="2200" spc="-35" dirty="0">
-                <a:solidFill>
-                  <a:srgbClr val="595959"/>
-                </a:solidFill>
-                <a:latin typeface="Verdana"/>
-                <a:cs typeface="Verdana"/>
-              </a:rPr>
-              <a:t> </a:t>
-            </a:r>
-            <a:r>
-              <a:rPr sz="2200" spc="-5" dirty="0">
-                <a:solidFill>
-                  <a:srgbClr val="595959"/>
-                </a:solidFill>
-                <a:latin typeface="Verdana"/>
-                <a:cs typeface="Verdana"/>
-              </a:rPr>
-              <a:t>10.38:</a:t>
-            </a:r>
-            <a:endParaRPr sz="2200">
-              <a:latin typeface="Verdana"/>
-              <a:cs typeface="Verdana"/>
+            <a:r>
+              <a:rPr lang="ru-RU" b="0" i="0" dirty="0">
+                <a:solidFill>
+                  <a:srgbClr val="212121"/>
+                </a:solidFill>
+                <a:effectLst/>
+                <a:latin typeface="Courier New" panose="02070309020205020404" pitchFamily="49" charset="0"/>
+              </a:rPr>
+              <a:t>Стандартное отклонение: 3.3765396488120794</a:t>
+            </a:r>
+            <a:endParaRPr lang="en-US" b="0" i="0" dirty="0">
+              <a:solidFill>
+                <a:srgbClr val="212121"/>
+              </a:solidFill>
+              <a:effectLst/>
+              <a:latin typeface="Courier New" panose="02070309020205020404" pitchFamily="49" charset="0"/>
             </a:endParaRPr>
+          </a:p>
+          <a:p>
+            <a:endParaRPr lang="en-US" dirty="0">
+              <a:solidFill>
+                <a:srgbClr val="212121"/>
+              </a:solidFill>
+              <a:latin typeface="Courier New" panose="02070309020205020404" pitchFamily="49" charset="0"/>
+            </a:endParaRPr>
+          </a:p>
+          <a:p>
+            <a:r>
+              <a:rPr lang="ru-RU" dirty="0">
+                <a:solidFill>
+                  <a:srgbClr val="212121"/>
+                </a:solidFill>
+                <a:latin typeface="Courier New" panose="02070309020205020404" pitchFamily="49" charset="0"/>
+              </a:rPr>
+              <a:t>Выбросов нет</a:t>
+            </a:r>
+            <a:r>
+              <a:rPr lang="en-US" dirty="0">
+                <a:solidFill>
+                  <a:srgbClr val="212121"/>
+                </a:solidFill>
+                <a:latin typeface="Courier New" panose="02070309020205020404" pitchFamily="49" charset="0"/>
+              </a:rPr>
+              <a:t>. </a:t>
+            </a:r>
+            <a:endParaRPr lang="en-US" dirty="0"/>
           </a:p>
         </p:txBody>
       </p:sp>
-      <p:sp>
-        <p:nvSpPr>
-          <p:cNvPr id="4" name="object 4"/>
-          <p:cNvSpPr txBox="1"/>
-          <p:nvPr/>
-        </p:nvSpPr>
-        <p:spPr>
-          <a:xfrm>
-            <a:off x="358745" y="3669739"/>
-            <a:ext cx="7892415" cy="1027430"/>
-          </a:xfrm>
-          <a:prstGeom prst="rect">
-            <a:avLst/>
-          </a:prstGeom>
-        </p:spPr>
-        <p:txBody>
-          <a:bodyPr vert="horz" wrap="square" lIns="0" tIns="24765" rIns="0" bIns="0" rtlCol="0">
-            <a:spAutoFit/>
-          </a:bodyPr>
-          <a:lstStyle/>
-          <a:p>
-            <a:pPr marL="469900" marR="5080" indent="-457200">
-              <a:lnSpc>
-                <a:spcPts val="2630"/>
-              </a:lnSpc>
-              <a:spcBef>
-                <a:spcPts val="195"/>
-              </a:spcBef>
-            </a:pPr>
-            <a:r>
-              <a:rPr sz="2200" spc="-5" dirty="0">
-                <a:solidFill>
-                  <a:srgbClr val="595959"/>
-                </a:solidFill>
-                <a:latin typeface="Verdana"/>
-                <a:cs typeface="Verdana"/>
-              </a:rPr>
-              <a:t>то есть 10.38 не выброс. Остальные числа также </a:t>
-            </a:r>
-            <a:r>
-              <a:rPr sz="2200" dirty="0">
-                <a:solidFill>
-                  <a:srgbClr val="595959"/>
-                </a:solidFill>
-                <a:latin typeface="Verdana"/>
-                <a:cs typeface="Verdana"/>
-              </a:rPr>
-              <a:t> </a:t>
-            </a:r>
-            <a:r>
-              <a:rPr sz="2200" spc="-5" dirty="0">
-                <a:solidFill>
-                  <a:srgbClr val="595959"/>
-                </a:solidFill>
-                <a:latin typeface="Verdana"/>
-                <a:cs typeface="Verdana"/>
-              </a:rPr>
-              <a:t>проходят проверку. КОНЕЦ работы, так как новые </a:t>
-            </a:r>
-            <a:r>
-              <a:rPr sz="2200" spc="-760" dirty="0">
-                <a:solidFill>
-                  <a:srgbClr val="595959"/>
-                </a:solidFill>
-                <a:latin typeface="Verdana"/>
-                <a:cs typeface="Verdana"/>
-              </a:rPr>
-              <a:t> </a:t>
-            </a:r>
-            <a:r>
-              <a:rPr sz="2200" spc="-5" dirty="0">
-                <a:solidFill>
-                  <a:srgbClr val="595959"/>
-                </a:solidFill>
-                <a:latin typeface="Verdana"/>
-                <a:cs typeface="Verdana"/>
-              </a:rPr>
-              <a:t>выбросы</a:t>
-            </a:r>
-            <a:r>
-              <a:rPr sz="2200" spc="-10" dirty="0">
-                <a:solidFill>
-                  <a:srgbClr val="595959"/>
-                </a:solidFill>
-                <a:latin typeface="Verdana"/>
-                <a:cs typeface="Verdana"/>
-              </a:rPr>
-              <a:t> </a:t>
-            </a:r>
-            <a:r>
-              <a:rPr sz="2200" spc="-5" dirty="0">
-                <a:solidFill>
-                  <a:srgbClr val="595959"/>
-                </a:solidFill>
-                <a:latin typeface="Verdana"/>
-                <a:cs typeface="Verdana"/>
-              </a:rPr>
-              <a:t>не появляются.</a:t>
-            </a:r>
-            <a:endParaRPr sz="2200">
-              <a:latin typeface="Verdana"/>
-              <a:cs typeface="Verdana"/>
-            </a:endParaRPr>
-          </a:p>
-        </p:txBody>
-      </p:sp>
-      <p:pic>
-        <p:nvPicPr>
-          <p:cNvPr id="5" name="object 5"/>
-          <p:cNvPicPr/>
-          <p:nvPr/>
-        </p:nvPicPr>
-        <p:blipFill>
-          <a:blip r:embed="rId2" cstate="print"/>
-          <a:stretch>
-            <a:fillRect/>
-          </a:stretch>
-        </p:blipFill>
-        <p:spPr>
-          <a:xfrm>
-            <a:off x="2214546" y="2000246"/>
-            <a:ext cx="190499" cy="447641"/>
-          </a:xfrm>
-          <a:prstGeom prst="rect">
-            <a:avLst/>
-          </a:prstGeom>
-        </p:spPr>
-      </p:pic>
-      <p:pic>
-        <p:nvPicPr>
-          <p:cNvPr id="6" name="object 6"/>
-          <p:cNvPicPr/>
-          <p:nvPr/>
-        </p:nvPicPr>
-        <p:blipFill>
-          <a:blip r:embed="rId3" cstate="print"/>
-          <a:stretch>
-            <a:fillRect/>
-          </a:stretch>
-        </p:blipFill>
-        <p:spPr>
-          <a:xfrm>
-            <a:off x="3500430" y="2000246"/>
-            <a:ext cx="314293" cy="447641"/>
-          </a:xfrm>
-          <a:prstGeom prst="rect">
-            <a:avLst/>
-          </a:prstGeom>
-        </p:spPr>
-      </p:pic>
-      <p:grpSp>
-        <p:nvGrpSpPr>
-          <p:cNvPr id="7" name="object 7"/>
-          <p:cNvGrpSpPr/>
-          <p:nvPr/>
-        </p:nvGrpSpPr>
-        <p:grpSpPr>
-          <a:xfrm>
-            <a:off x="714348" y="2786064"/>
-            <a:ext cx="6405880" cy="952500"/>
-            <a:chOff x="714348" y="2786064"/>
-            <a:chExt cx="6405880" cy="952500"/>
-          </a:xfrm>
-        </p:grpSpPr>
-        <p:pic>
-          <p:nvPicPr>
-            <p:cNvPr id="8" name="object 8"/>
-            <p:cNvPicPr/>
-            <p:nvPr/>
-          </p:nvPicPr>
-          <p:blipFill>
-            <a:blip r:embed="rId4" cstate="print"/>
-            <a:stretch>
-              <a:fillRect/>
-            </a:stretch>
-          </p:blipFill>
-          <p:spPr>
-            <a:xfrm>
-              <a:off x="714348" y="2786064"/>
-              <a:ext cx="5201187" cy="952499"/>
-            </a:xfrm>
-            <a:prstGeom prst="rect">
-              <a:avLst/>
-            </a:prstGeom>
-          </p:spPr>
-        </p:pic>
-        <p:pic>
-          <p:nvPicPr>
-            <p:cNvPr id="9" name="object 9"/>
-            <p:cNvPicPr/>
-            <p:nvPr/>
-          </p:nvPicPr>
-          <p:blipFill>
-            <a:blip r:embed="rId5" cstate="print"/>
-            <a:stretch>
-              <a:fillRect/>
-            </a:stretch>
-          </p:blipFill>
-          <p:spPr>
-            <a:xfrm>
-              <a:off x="5929322" y="2786064"/>
-              <a:ext cx="1190624" cy="771216"/>
-            </a:xfrm>
-            <a:prstGeom prst="rect">
-              <a:avLst/>
-            </a:prstGeom>
-          </p:spPr>
-        </p:pic>
-      </p:grpSp>
     </p:spTree>
+    <p:extLst>
+      <p:ext uri="{BB962C8B-B14F-4D97-AF65-F5344CB8AC3E}">
+        <p14:creationId xmlns:p14="http://schemas.microsoft.com/office/powerpoint/2010/main" val="1238956383"/>
+      </p:ext>
+    </p:extLst>
   </p:cSld>
   <p:clrMapOvr>
     <a:masterClrMapping/>
@@ -11303,6 +9343,429 @@
       </p:grpSpPr>
       <p:sp>
         <p:nvSpPr>
+          <p:cNvPr id="2" name="Заголовок 1">
+            <a:extLst>
+              <a:ext uri="{FF2B5EF4-FFF2-40B4-BE49-F238E27FC236}">
+                <a16:creationId xmlns:a16="http://schemas.microsoft.com/office/drawing/2014/main" id="{47AB8CED-866D-34E2-AB52-89651C000857}"/>
+              </a:ext>
+            </a:extLst>
+          </p:cNvPr>
+          <p:cNvSpPr>
+            <a:spLocks noGrp="1"/>
+          </p:cNvSpPr>
+          <p:nvPr>
+            <p:ph type="title"/>
+          </p:nvPr>
+        </p:nvSpPr>
+        <p:spPr/>
+        <p:txBody>
+          <a:bodyPr/>
+          <a:lstStyle/>
+          <a:p>
+            <a:r>
+              <a:rPr lang="ru-RU" dirty="0"/>
+              <a:t>Пример вычислений</a:t>
+            </a:r>
+          </a:p>
+        </p:txBody>
+      </p:sp>
+      <p:sp>
+        <p:nvSpPr>
+          <p:cNvPr id="3" name="Объект 2">
+            <a:extLst>
+              <a:ext uri="{FF2B5EF4-FFF2-40B4-BE49-F238E27FC236}">
+                <a16:creationId xmlns:a16="http://schemas.microsoft.com/office/drawing/2014/main" id="{4134AA63-2AC5-3F51-5937-59FCC07DC27F}"/>
+              </a:ext>
+            </a:extLst>
+          </p:cNvPr>
+          <p:cNvSpPr>
+            <a:spLocks noGrp="1"/>
+          </p:cNvSpPr>
+          <p:nvPr>
+            <p:ph idx="1"/>
+          </p:nvPr>
+        </p:nvSpPr>
+        <p:spPr/>
+        <p:txBody>
+          <a:bodyPr/>
+          <a:lstStyle/>
+          <a:p>
+            <a:r>
+              <a:rPr lang="ru-RU" dirty="0"/>
+              <a:t>Исходный список</a:t>
+            </a:r>
+            <a:r>
+              <a:rPr lang="en-US" dirty="0"/>
+              <a:t>: </a:t>
+            </a:r>
+            <a:r>
+              <a:rPr lang="ru-RU" b="0" dirty="0">
+                <a:solidFill>
+                  <a:srgbClr val="000000"/>
+                </a:solidFill>
+                <a:effectLst/>
+                <a:latin typeface="Courier New" panose="02070309020205020404" pitchFamily="49" charset="0"/>
+              </a:rPr>
+              <a:t>[</a:t>
+            </a:r>
+            <a:r>
+              <a:rPr lang="ru-RU" b="0" dirty="0">
+                <a:solidFill>
+                  <a:srgbClr val="098156"/>
+                </a:solidFill>
+                <a:effectLst/>
+                <a:latin typeface="Courier New" panose="02070309020205020404" pitchFamily="49" charset="0"/>
+              </a:rPr>
+              <a:t>8.02</a:t>
+            </a:r>
+            <a:r>
+              <a:rPr lang="ru-RU" b="0" dirty="0">
+                <a:solidFill>
+                  <a:srgbClr val="000000"/>
+                </a:solidFill>
+                <a:effectLst/>
+                <a:latin typeface="Courier New" panose="02070309020205020404" pitchFamily="49" charset="0"/>
+              </a:rPr>
+              <a:t>, </a:t>
+            </a:r>
+            <a:r>
+              <a:rPr lang="ru-RU" b="0" dirty="0">
+                <a:solidFill>
+                  <a:srgbClr val="098156"/>
+                </a:solidFill>
+                <a:effectLst/>
+                <a:latin typeface="Courier New" panose="02070309020205020404" pitchFamily="49" charset="0"/>
+              </a:rPr>
+              <a:t>8.16</a:t>
+            </a:r>
+            <a:r>
+              <a:rPr lang="ru-RU" b="0" dirty="0">
+                <a:solidFill>
+                  <a:srgbClr val="000000"/>
+                </a:solidFill>
+                <a:effectLst/>
+                <a:latin typeface="Courier New" panose="02070309020205020404" pitchFamily="49" charset="0"/>
+              </a:rPr>
+              <a:t>, </a:t>
+            </a:r>
+            <a:r>
+              <a:rPr lang="ru-RU" b="0" dirty="0">
+                <a:solidFill>
+                  <a:srgbClr val="098156"/>
+                </a:solidFill>
+                <a:effectLst/>
+                <a:latin typeface="Courier New" panose="02070309020205020404" pitchFamily="49" charset="0"/>
+              </a:rPr>
+              <a:t>3.97</a:t>
+            </a:r>
+            <a:r>
+              <a:rPr lang="ru-RU" b="0" dirty="0">
+                <a:solidFill>
+                  <a:srgbClr val="000000"/>
+                </a:solidFill>
+                <a:effectLst/>
+                <a:latin typeface="Courier New" panose="02070309020205020404" pitchFamily="49" charset="0"/>
+              </a:rPr>
+              <a:t>, </a:t>
+            </a:r>
+            <a:r>
+              <a:rPr lang="ru-RU" b="0" dirty="0">
+                <a:solidFill>
+                  <a:srgbClr val="098156"/>
+                </a:solidFill>
+                <a:effectLst/>
+                <a:latin typeface="Courier New" panose="02070309020205020404" pitchFamily="49" charset="0"/>
+              </a:rPr>
+              <a:t>8.64</a:t>
+            </a:r>
+            <a:r>
+              <a:rPr lang="ru-RU" b="0" dirty="0">
+                <a:solidFill>
+                  <a:srgbClr val="000000"/>
+                </a:solidFill>
+                <a:effectLst/>
+                <a:latin typeface="Courier New" panose="02070309020205020404" pitchFamily="49" charset="0"/>
+              </a:rPr>
+              <a:t>, </a:t>
+            </a:r>
+            <a:r>
+              <a:rPr lang="ru-RU" b="0" dirty="0">
+                <a:solidFill>
+                  <a:srgbClr val="098156"/>
+                </a:solidFill>
+                <a:effectLst/>
+                <a:latin typeface="Courier New" panose="02070309020205020404" pitchFamily="49" charset="0"/>
+              </a:rPr>
+              <a:t>0.84</a:t>
+            </a:r>
+            <a:r>
+              <a:rPr lang="ru-RU" b="0" dirty="0">
+                <a:solidFill>
+                  <a:srgbClr val="000000"/>
+                </a:solidFill>
+                <a:effectLst/>
+                <a:latin typeface="Courier New" panose="02070309020205020404" pitchFamily="49" charset="0"/>
+              </a:rPr>
+              <a:t>, </a:t>
+            </a:r>
+            <a:r>
+              <a:rPr lang="ru-RU" b="0" dirty="0">
+                <a:solidFill>
+                  <a:srgbClr val="098156"/>
+                </a:solidFill>
+                <a:effectLst/>
+                <a:latin typeface="Courier New" panose="02070309020205020404" pitchFamily="49" charset="0"/>
+              </a:rPr>
+              <a:t>4.46</a:t>
+            </a:r>
+            <a:r>
+              <a:rPr lang="ru-RU" b="0" dirty="0">
+                <a:solidFill>
+                  <a:srgbClr val="000000"/>
+                </a:solidFill>
+                <a:effectLst/>
+                <a:latin typeface="Courier New" panose="02070309020205020404" pitchFamily="49" charset="0"/>
+              </a:rPr>
+              <a:t>, </a:t>
+            </a:r>
+            <a:r>
+              <a:rPr lang="ru-RU" b="0" dirty="0">
+                <a:solidFill>
+                  <a:srgbClr val="098156"/>
+                </a:solidFill>
+                <a:effectLst/>
+                <a:latin typeface="Courier New" panose="02070309020205020404" pitchFamily="49" charset="0"/>
+              </a:rPr>
+              <a:t>0.81</a:t>
+            </a:r>
+            <a:r>
+              <a:rPr lang="ru-RU" b="0" dirty="0">
+                <a:solidFill>
+                  <a:srgbClr val="000000"/>
+                </a:solidFill>
+                <a:effectLst/>
+                <a:latin typeface="Courier New" panose="02070309020205020404" pitchFamily="49" charset="0"/>
+              </a:rPr>
+              <a:t>, </a:t>
+            </a:r>
+            <a:r>
+              <a:rPr lang="ru-RU" b="0" dirty="0">
+                <a:solidFill>
+                  <a:srgbClr val="098156"/>
+                </a:solidFill>
+                <a:effectLst/>
+                <a:latin typeface="Courier New" panose="02070309020205020404" pitchFamily="49" charset="0"/>
+              </a:rPr>
+              <a:t>7.74</a:t>
+            </a:r>
+            <a:r>
+              <a:rPr lang="ru-RU" b="0" dirty="0">
+                <a:solidFill>
+                  <a:srgbClr val="000000"/>
+                </a:solidFill>
+                <a:effectLst/>
+                <a:latin typeface="Courier New" panose="02070309020205020404" pitchFamily="49" charset="0"/>
+              </a:rPr>
+              <a:t>, </a:t>
+            </a:r>
+            <a:r>
+              <a:rPr lang="ru-RU" b="0" dirty="0">
+                <a:solidFill>
+                  <a:srgbClr val="098156"/>
+                </a:solidFill>
+                <a:effectLst/>
+                <a:latin typeface="Courier New" panose="02070309020205020404" pitchFamily="49" charset="0"/>
+              </a:rPr>
+              <a:t>8.78</a:t>
+            </a:r>
+            <a:r>
+              <a:rPr lang="ru-RU" b="0" dirty="0">
+                <a:solidFill>
+                  <a:srgbClr val="000000"/>
+                </a:solidFill>
+                <a:effectLst/>
+                <a:latin typeface="Courier New" panose="02070309020205020404" pitchFamily="49" charset="0"/>
+              </a:rPr>
+              <a:t>, </a:t>
+            </a:r>
+            <a:r>
+              <a:rPr lang="ru-RU" b="0" dirty="0">
+                <a:solidFill>
+                  <a:srgbClr val="098156"/>
+                </a:solidFill>
+                <a:effectLst/>
+                <a:latin typeface="Courier New" panose="02070309020205020404" pitchFamily="49" charset="0"/>
+              </a:rPr>
+              <a:t>9.26</a:t>
+            </a:r>
+            <a:r>
+              <a:rPr lang="ru-RU" b="0" dirty="0">
+                <a:solidFill>
+                  <a:srgbClr val="000000"/>
+                </a:solidFill>
+                <a:effectLst/>
+                <a:latin typeface="Courier New" panose="02070309020205020404" pitchFamily="49" charset="0"/>
+              </a:rPr>
+              <a:t>, </a:t>
+            </a:r>
+            <a:r>
+              <a:rPr lang="ru-RU" b="0" dirty="0">
+                <a:solidFill>
+                  <a:srgbClr val="098156"/>
+                </a:solidFill>
+                <a:effectLst/>
+                <a:latin typeface="Courier New" panose="02070309020205020404" pitchFamily="49" charset="0"/>
+              </a:rPr>
+              <a:t>20.46</a:t>
+            </a:r>
+            <a:r>
+              <a:rPr lang="ru-RU" b="0" dirty="0">
+                <a:solidFill>
+                  <a:srgbClr val="000000"/>
+                </a:solidFill>
+                <a:effectLst/>
+                <a:latin typeface="Courier New" panose="02070309020205020404" pitchFamily="49" charset="0"/>
+              </a:rPr>
+              <a:t>, </a:t>
+            </a:r>
+            <a:r>
+              <a:rPr lang="ru-RU" b="0" dirty="0">
+                <a:solidFill>
+                  <a:srgbClr val="098156"/>
+                </a:solidFill>
+                <a:effectLst/>
+                <a:latin typeface="Courier New" panose="02070309020205020404" pitchFamily="49" charset="0"/>
+              </a:rPr>
+              <a:t>29.87</a:t>
+            </a:r>
+            <a:r>
+              <a:rPr lang="ru-RU" b="0" dirty="0">
+                <a:solidFill>
+                  <a:srgbClr val="000000"/>
+                </a:solidFill>
+                <a:effectLst/>
+                <a:latin typeface="Courier New" panose="02070309020205020404" pitchFamily="49" charset="0"/>
+              </a:rPr>
+              <a:t>, </a:t>
+            </a:r>
+            <a:r>
+              <a:rPr lang="ru-RU" b="0" dirty="0">
+                <a:solidFill>
+                  <a:srgbClr val="098156"/>
+                </a:solidFill>
+                <a:effectLst/>
+                <a:latin typeface="Courier New" panose="02070309020205020404" pitchFamily="49" charset="0"/>
+              </a:rPr>
+              <a:t>10.38</a:t>
+            </a:r>
+            <a:r>
+              <a:rPr lang="ru-RU" b="0" dirty="0">
+                <a:solidFill>
+                  <a:srgbClr val="000000"/>
+                </a:solidFill>
+                <a:effectLst/>
+                <a:latin typeface="Courier New" panose="02070309020205020404" pitchFamily="49" charset="0"/>
+              </a:rPr>
+              <a:t>, </a:t>
+            </a:r>
+            <a:r>
+              <a:rPr lang="ru-RU" b="0" dirty="0">
+                <a:solidFill>
+                  <a:srgbClr val="098156"/>
+                </a:solidFill>
+                <a:effectLst/>
+                <a:latin typeface="Courier New" panose="02070309020205020404" pitchFamily="49" charset="0"/>
+              </a:rPr>
+              <a:t>25.71</a:t>
+            </a:r>
+            <a:r>
+              <a:rPr lang="ru-RU" b="0" dirty="0">
+                <a:solidFill>
+                  <a:srgbClr val="000000"/>
+                </a:solidFill>
+                <a:effectLst/>
+                <a:latin typeface="Courier New" panose="02070309020205020404" pitchFamily="49" charset="0"/>
+              </a:rPr>
+              <a:t>]</a:t>
+            </a:r>
+          </a:p>
+          <a:p>
+            <a:endParaRPr lang="en-US" dirty="0"/>
+          </a:p>
+          <a:p>
+            <a:r>
+              <a:rPr lang="ru-RU" dirty="0"/>
+              <a:t>Отфильтрованный список</a:t>
+            </a:r>
+            <a:r>
+              <a:rPr lang="en-US" dirty="0"/>
+              <a:t>: </a:t>
+            </a:r>
+            <a:r>
+              <a:rPr lang="ru-RU" b="0" i="0" dirty="0">
+                <a:solidFill>
+                  <a:srgbClr val="212121"/>
+                </a:solidFill>
+                <a:effectLst/>
+                <a:latin typeface="Courier New" panose="02070309020205020404" pitchFamily="49" charset="0"/>
+              </a:rPr>
+              <a:t>[</a:t>
+            </a:r>
+            <a:r>
+              <a:rPr lang="ru-RU" dirty="0">
+                <a:solidFill>
+                  <a:srgbClr val="098156"/>
+                </a:solidFill>
+                <a:latin typeface="Courier New" panose="02070309020205020404" pitchFamily="49" charset="0"/>
+              </a:rPr>
+              <a:t>0.81, 0.84, 3.97, 4.46, 7.74, 8.02, 8.16, 8.64, 8.78, 9.26, 10.38</a:t>
+            </a:r>
+            <a:r>
+              <a:rPr lang="ru-RU" b="0" i="0" dirty="0">
+                <a:solidFill>
+                  <a:srgbClr val="212121"/>
+                </a:solidFill>
+                <a:effectLst/>
+                <a:latin typeface="Courier New" panose="02070309020205020404" pitchFamily="49" charset="0"/>
+              </a:rPr>
+              <a:t>]</a:t>
+            </a:r>
+            <a:endParaRPr lang="ru-RU" dirty="0"/>
+          </a:p>
+        </p:txBody>
+      </p:sp>
+    </p:spTree>
+    <p:extLst>
+      <p:ext uri="{BB962C8B-B14F-4D97-AF65-F5344CB8AC3E}">
+        <p14:creationId xmlns:p14="http://schemas.microsoft.com/office/powerpoint/2010/main" val="286195177"/>
+      </p:ext>
+    </p:extLst>
+  </p:cSld>
+  <p:clrMapOvr>
+    <a:masterClrMapping/>
+  </p:clrMapOvr>
+</p:sld>
+</file>
+
+<file path=ppt/slides/slide21.xml><?xml version="1.0" encoding="utf-8"?>
+<p:sld xmlns:a="http://schemas.openxmlformats.org/drawingml/2006/main" xmlns:r="http://schemas.openxmlformats.org/officeDocument/2006/relationships" xmlns:p="http://schemas.openxmlformats.org/presentationml/2006/main">
+  <p:cSld>
+    <p:spTree>
+      <p:nvGrpSpPr>
+        <p:cNvPr id="1" name=""/>
+        <p:cNvGrpSpPr/>
+        <p:nvPr/>
+      </p:nvGrpSpPr>
+      <p:grpSpPr>
+        <a:xfrm>
+          <a:off x="0" y="0"/>
+          <a:ext cx="0" cy="0"/>
+          <a:chOff x="0" y="0"/>
+          <a:chExt cx="0" cy="0"/>
+        </a:xfrm>
+      </p:grpSpPr>
+      <p:sp>
+        <p:nvSpPr>
           <p:cNvPr id="2" name="object 2"/>
           <p:cNvSpPr txBox="1"/>
           <p:nvPr/>
@@ -11671,7 +10134,7 @@
 </p:sld>
 </file>
 
-<file path=ppt/slides/slide21.xml><?xml version="1.0" encoding="utf-8"?>
+<file path=ppt/slides/slide22.xml><?xml version="1.0" encoding="utf-8"?>
 <p:sld xmlns:a="http://schemas.openxmlformats.org/drawingml/2006/main" xmlns:r="http://schemas.openxmlformats.org/officeDocument/2006/relationships" xmlns:p="http://schemas.openxmlformats.org/presentationml/2006/main">
   <p:cSld>
     <p:spTree>
@@ -11848,7 +10311,7 @@
 </p:sld>
 </file>
 
-<file path=ppt/slides/slide22.xml><?xml version="1.0" encoding="utf-8"?>
+<file path=ppt/slides/slide23.xml><?xml version="1.0" encoding="utf-8"?>
 <p:sld xmlns:a="http://schemas.openxmlformats.org/drawingml/2006/main" xmlns:r="http://schemas.openxmlformats.org/officeDocument/2006/relationships" xmlns:p="http://schemas.openxmlformats.org/presentationml/2006/main">
   <p:cSld>
     <p:spTree>
@@ -12370,7 +10833,7 @@
 </p:sld>
 </file>
 
-<file path=ppt/slides/slide23.xml><?xml version="1.0" encoding="utf-8"?>
+<file path=ppt/slides/slide24.xml><?xml version="1.0" encoding="utf-8"?>
 <p:sld xmlns:a="http://schemas.openxmlformats.org/drawingml/2006/main" xmlns:r="http://schemas.openxmlformats.org/officeDocument/2006/relationships" xmlns:p="http://schemas.openxmlformats.org/presentationml/2006/main">
   <p:cSld>
     <p:spTree>
@@ -12452,472 +10915,6 @@
           </a:p>
         </p:txBody>
       </p:sp>
-    </p:spTree>
-  </p:cSld>
-  <p:clrMapOvr>
-    <a:masterClrMapping/>
-  </p:clrMapOvr>
-</p:sld>
-</file>
-
-<file path=ppt/slides/slide24.xml><?xml version="1.0" encoding="utf-8"?>
-<p:sld xmlns:a="http://schemas.openxmlformats.org/drawingml/2006/main" xmlns:r="http://schemas.openxmlformats.org/officeDocument/2006/relationships" xmlns:p="http://schemas.openxmlformats.org/presentationml/2006/main">
-  <p:cSld>
-    <p:spTree>
-      <p:nvGrpSpPr>
-        <p:cNvPr id="1" name=""/>
-        <p:cNvGrpSpPr/>
-        <p:nvPr/>
-      </p:nvGrpSpPr>
-      <p:grpSpPr>
-        <a:xfrm>
-          <a:off x="0" y="0"/>
-          <a:ext cx="0" cy="0"/>
-          <a:chOff x="0" y="0"/>
-          <a:chExt cx="0" cy="0"/>
-        </a:xfrm>
-      </p:grpSpPr>
-      <p:sp>
-        <p:nvSpPr>
-          <p:cNvPr id="2" name="object 2"/>
-          <p:cNvSpPr txBox="1">
-            <a:spLocks noGrp="1"/>
-          </p:cNvSpPr>
-          <p:nvPr>
-            <p:ph type="title"/>
-          </p:nvPr>
-        </p:nvSpPr>
-        <p:spPr>
-          <a:xfrm>
-            <a:off x="384725" y="482513"/>
-            <a:ext cx="4377055" cy="452120"/>
-          </a:xfrm>
-          <a:prstGeom prst="rect">
-            <a:avLst/>
-          </a:prstGeom>
-        </p:spPr>
-        <p:txBody>
-          <a:bodyPr vert="horz" wrap="square" lIns="0" tIns="12700" rIns="0" bIns="0" rtlCol="0">
-            <a:spAutoFit/>
-          </a:bodyPr>
-          <a:lstStyle/>
-          <a:p>
-            <a:pPr marL="12700">
-              <a:lnSpc>
-                <a:spcPct val="100000"/>
-              </a:lnSpc>
-              <a:spcBef>
-                <a:spcPts val="100"/>
-              </a:spcBef>
-            </a:pPr>
-            <a:r>
-              <a:rPr sz="2800" spc="-5" dirty="0"/>
-              <a:t>Метрические</a:t>
-            </a:r>
-            <a:r>
-              <a:rPr sz="2800" spc="-95" dirty="0"/>
-              <a:t> </a:t>
-            </a:r>
-            <a:r>
-              <a:rPr sz="2800" spc="-5" dirty="0"/>
-              <a:t>методы</a:t>
-            </a:r>
-            <a:endParaRPr sz="2800"/>
-          </a:p>
-        </p:txBody>
-      </p:sp>
-      <p:sp>
-        <p:nvSpPr>
-          <p:cNvPr id="3" name="object 3"/>
-          <p:cNvSpPr txBox="1"/>
-          <p:nvPr/>
-        </p:nvSpPr>
-        <p:spPr>
-          <a:xfrm>
-            <a:off x="333345" y="1361838"/>
-            <a:ext cx="3773170" cy="2360930"/>
-          </a:xfrm>
-          <a:prstGeom prst="rect">
-            <a:avLst/>
-          </a:prstGeom>
-        </p:spPr>
-        <p:txBody>
-          <a:bodyPr vert="horz" wrap="square" lIns="0" tIns="26034" rIns="0" bIns="0" rtlCol="0">
-            <a:spAutoFit/>
-          </a:bodyPr>
-          <a:lstStyle/>
-          <a:p>
-            <a:pPr marL="38100" marR="30480">
-              <a:lnSpc>
-                <a:spcPts val="2620"/>
-              </a:lnSpc>
-              <a:spcBef>
-                <a:spcPts val="204"/>
-              </a:spcBef>
-            </a:pPr>
-            <a:r>
-              <a:rPr sz="2200" spc="-5" dirty="0">
-                <a:solidFill>
-                  <a:srgbClr val="595959"/>
-                </a:solidFill>
-                <a:latin typeface="Verdana"/>
-                <a:cs typeface="Verdana"/>
-              </a:rPr>
-              <a:t>Представим объекты </a:t>
-            </a:r>
-            <a:r>
-              <a:rPr sz="2200" dirty="0">
-                <a:solidFill>
-                  <a:srgbClr val="595959"/>
-                </a:solidFill>
-                <a:latin typeface="Verdana"/>
-                <a:cs typeface="Verdana"/>
-              </a:rPr>
-              <a:t>с </a:t>
-            </a:r>
-            <a:r>
-              <a:rPr sz="2200" i="1" dirty="0">
-                <a:solidFill>
-                  <a:srgbClr val="595959"/>
-                </a:solidFill>
-                <a:latin typeface="Verdana"/>
-                <a:cs typeface="Verdana"/>
-              </a:rPr>
-              <a:t>m </a:t>
-            </a:r>
-            <a:r>
-              <a:rPr sz="2200" i="1" spc="-760" dirty="0">
-                <a:solidFill>
-                  <a:srgbClr val="595959"/>
-                </a:solidFill>
-                <a:latin typeface="Verdana"/>
-                <a:cs typeface="Verdana"/>
-              </a:rPr>
-              <a:t> </a:t>
-            </a:r>
-            <a:r>
-              <a:rPr sz="2200" spc="-5" dirty="0">
-                <a:solidFill>
-                  <a:srgbClr val="595959"/>
-                </a:solidFill>
-                <a:latin typeface="Verdana"/>
-                <a:cs typeface="Verdana"/>
-              </a:rPr>
-              <a:t>признаками </a:t>
-            </a:r>
-            <a:r>
-              <a:rPr sz="2200" dirty="0">
-                <a:solidFill>
-                  <a:srgbClr val="595959"/>
-                </a:solidFill>
-                <a:latin typeface="Verdana"/>
-                <a:cs typeface="Verdana"/>
-              </a:rPr>
-              <a:t>с </a:t>
-            </a:r>
-            <a:r>
-              <a:rPr sz="2200" spc="-5" dirty="0">
-                <a:solidFill>
-                  <a:srgbClr val="595959"/>
-                </a:solidFill>
-                <a:latin typeface="Verdana"/>
-                <a:cs typeface="Verdana"/>
-              </a:rPr>
-              <a:t>помощью </a:t>
-            </a:r>
-            <a:r>
-              <a:rPr sz="2200" dirty="0">
-                <a:solidFill>
-                  <a:srgbClr val="595959"/>
-                </a:solidFill>
-                <a:latin typeface="Verdana"/>
-                <a:cs typeface="Verdana"/>
-              </a:rPr>
-              <a:t> </a:t>
-            </a:r>
-            <a:r>
-              <a:rPr sz="2200" spc="-5" dirty="0">
-                <a:solidFill>
-                  <a:srgbClr val="595959"/>
-                </a:solidFill>
-                <a:latin typeface="Verdana"/>
-                <a:cs typeface="Verdana"/>
-              </a:rPr>
-              <a:t>точек</a:t>
-            </a:r>
-            <a:r>
-              <a:rPr sz="2200" spc="-35" dirty="0">
-                <a:solidFill>
-                  <a:srgbClr val="595959"/>
-                </a:solidFill>
-                <a:latin typeface="Verdana"/>
-                <a:cs typeface="Verdana"/>
-              </a:rPr>
-              <a:t> </a:t>
-            </a:r>
-            <a:r>
-              <a:rPr sz="2200" dirty="0">
-                <a:solidFill>
-                  <a:srgbClr val="595959"/>
-                </a:solidFill>
-                <a:latin typeface="Verdana"/>
-                <a:cs typeface="Verdana"/>
-              </a:rPr>
-              <a:t>в</a:t>
-            </a:r>
-            <a:r>
-              <a:rPr sz="2200" spc="-30" dirty="0">
-                <a:solidFill>
-                  <a:srgbClr val="595959"/>
-                </a:solidFill>
-                <a:latin typeface="Verdana"/>
-                <a:cs typeface="Verdana"/>
-              </a:rPr>
-              <a:t> </a:t>
-            </a:r>
-            <a:r>
-              <a:rPr sz="2200" spc="-5" dirty="0">
-                <a:solidFill>
-                  <a:srgbClr val="595959"/>
-                </a:solidFill>
-                <a:latin typeface="Verdana"/>
-                <a:cs typeface="Verdana"/>
-              </a:rPr>
-              <a:t>пространстве</a:t>
-            </a:r>
-            <a:r>
-              <a:rPr sz="2200" spc="-20" dirty="0">
-                <a:solidFill>
-                  <a:srgbClr val="595959"/>
-                </a:solidFill>
-                <a:latin typeface="Verdana"/>
-                <a:cs typeface="Verdana"/>
-              </a:rPr>
-              <a:t> </a:t>
-            </a:r>
-            <a:r>
-              <a:rPr sz="2200" i="1" dirty="0">
-                <a:solidFill>
-                  <a:srgbClr val="595959"/>
-                </a:solidFill>
-                <a:latin typeface="Verdana"/>
-                <a:cs typeface="Verdana"/>
-              </a:rPr>
-              <a:t>R</a:t>
-            </a:r>
-            <a:r>
-              <a:rPr sz="2175" i="1" baseline="30651" dirty="0">
-                <a:solidFill>
-                  <a:srgbClr val="595959"/>
-                </a:solidFill>
-                <a:latin typeface="Verdana"/>
-                <a:cs typeface="Verdana"/>
-              </a:rPr>
-              <a:t>m</a:t>
-            </a:r>
-            <a:r>
-              <a:rPr sz="2200" dirty="0">
-                <a:solidFill>
-                  <a:srgbClr val="595959"/>
-                </a:solidFill>
-                <a:latin typeface="Verdana"/>
-                <a:cs typeface="Verdana"/>
-              </a:rPr>
-              <a:t>.</a:t>
-            </a:r>
-            <a:endParaRPr sz="2200">
-              <a:latin typeface="Verdana"/>
-              <a:cs typeface="Verdana"/>
-            </a:endParaRPr>
-          </a:p>
-          <a:p>
-            <a:pPr marL="495300" marR="501015" indent="-457200">
-              <a:lnSpc>
-                <a:spcPts val="2630"/>
-              </a:lnSpc>
-              <a:spcBef>
-                <a:spcPts val="5"/>
-              </a:spcBef>
-            </a:pPr>
-            <a:r>
-              <a:rPr sz="2200" spc="-5" dirty="0">
-                <a:solidFill>
-                  <a:srgbClr val="FF0000"/>
-                </a:solidFill>
-                <a:latin typeface="Verdana"/>
-                <a:cs typeface="Verdana"/>
-              </a:rPr>
-              <a:t>Идея</a:t>
-            </a:r>
-            <a:r>
-              <a:rPr sz="2200" spc="-5" dirty="0">
-                <a:solidFill>
-                  <a:srgbClr val="595959"/>
-                </a:solidFill>
-                <a:latin typeface="Verdana"/>
-                <a:cs typeface="Verdana"/>
-              </a:rPr>
-              <a:t>:</a:t>
-            </a:r>
-            <a:r>
-              <a:rPr sz="2200" spc="-35" dirty="0">
-                <a:solidFill>
-                  <a:srgbClr val="595959"/>
-                </a:solidFill>
-                <a:latin typeface="Verdana"/>
-                <a:cs typeface="Verdana"/>
-              </a:rPr>
-              <a:t> </a:t>
-            </a:r>
-            <a:r>
-              <a:rPr sz="2200" dirty="0">
-                <a:solidFill>
-                  <a:srgbClr val="595959"/>
-                </a:solidFill>
-                <a:latin typeface="Verdana"/>
-                <a:cs typeface="Verdana"/>
-              </a:rPr>
-              <a:t>у</a:t>
-            </a:r>
-            <a:r>
-              <a:rPr sz="2200" spc="-35" dirty="0">
-                <a:solidFill>
-                  <a:srgbClr val="595959"/>
-                </a:solidFill>
-                <a:latin typeface="Verdana"/>
-                <a:cs typeface="Verdana"/>
-              </a:rPr>
-              <a:t> </a:t>
-            </a:r>
-            <a:r>
-              <a:rPr sz="2200" spc="-5" dirty="0">
-                <a:solidFill>
-                  <a:srgbClr val="595959"/>
-                </a:solidFill>
-                <a:latin typeface="Verdana"/>
-                <a:cs typeface="Verdana"/>
-              </a:rPr>
-              <a:t>выброса</a:t>
-            </a:r>
-            <a:r>
-              <a:rPr sz="2200" spc="-30" dirty="0">
-                <a:solidFill>
-                  <a:srgbClr val="595959"/>
-                </a:solidFill>
-                <a:latin typeface="Verdana"/>
-                <a:cs typeface="Verdana"/>
-              </a:rPr>
-              <a:t> </a:t>
-            </a:r>
-            <a:r>
-              <a:rPr sz="2200" spc="-5" dirty="0">
-                <a:solidFill>
-                  <a:srgbClr val="595959"/>
-                </a:solidFill>
-                <a:latin typeface="Verdana"/>
-                <a:cs typeface="Verdana"/>
-              </a:rPr>
-              <a:t>мало </a:t>
-            </a:r>
-            <a:r>
-              <a:rPr sz="2200" spc="-760" dirty="0">
-                <a:solidFill>
-                  <a:srgbClr val="595959"/>
-                </a:solidFill>
-                <a:latin typeface="Verdana"/>
-                <a:cs typeface="Verdana"/>
-              </a:rPr>
-              <a:t> </a:t>
-            </a:r>
-            <a:r>
-              <a:rPr sz="2200" spc="-5" dirty="0">
-                <a:solidFill>
-                  <a:srgbClr val="595959"/>
-                </a:solidFill>
-                <a:latin typeface="Verdana"/>
-                <a:cs typeface="Verdana"/>
-              </a:rPr>
-              <a:t>соседей, </a:t>
-            </a:r>
-            <a:r>
-              <a:rPr sz="2200" dirty="0">
-                <a:solidFill>
-                  <a:srgbClr val="595959"/>
-                </a:solidFill>
-                <a:latin typeface="Verdana"/>
-                <a:cs typeface="Verdana"/>
-              </a:rPr>
-              <a:t>а у </a:t>
-            </a:r>
-            <a:r>
-              <a:rPr sz="2200" spc="5" dirty="0">
-                <a:solidFill>
-                  <a:srgbClr val="595959"/>
-                </a:solidFill>
-                <a:latin typeface="Verdana"/>
-                <a:cs typeface="Verdana"/>
-              </a:rPr>
-              <a:t> </a:t>
-            </a:r>
-            <a:r>
-              <a:rPr sz="2200" spc="-5" dirty="0">
-                <a:solidFill>
-                  <a:srgbClr val="595959"/>
-                </a:solidFill>
-                <a:latin typeface="Verdana"/>
-                <a:cs typeface="Verdana"/>
-              </a:rPr>
-              <a:t>типичного объекта </a:t>
-            </a:r>
-            <a:r>
-              <a:rPr sz="2200" spc="-760" dirty="0">
-                <a:solidFill>
-                  <a:srgbClr val="595959"/>
-                </a:solidFill>
-                <a:latin typeface="Verdana"/>
-                <a:cs typeface="Verdana"/>
-              </a:rPr>
-              <a:t> </a:t>
-            </a:r>
-            <a:r>
-              <a:rPr sz="2200" spc="-5" dirty="0">
-                <a:solidFill>
-                  <a:srgbClr val="595959"/>
-                </a:solidFill>
-                <a:latin typeface="Verdana"/>
-                <a:cs typeface="Verdana"/>
-              </a:rPr>
-              <a:t>много.</a:t>
-            </a:r>
-            <a:endParaRPr sz="2200">
-              <a:latin typeface="Verdana"/>
-              <a:cs typeface="Verdana"/>
-            </a:endParaRPr>
-          </a:p>
-        </p:txBody>
-      </p:sp>
-      <p:pic>
-        <p:nvPicPr>
-          <p:cNvPr id="4" name="object 4"/>
-          <p:cNvPicPr/>
-          <p:nvPr/>
-        </p:nvPicPr>
-        <p:blipFill>
-          <a:blip r:embed="rId2" cstate="print"/>
-          <a:stretch>
-            <a:fillRect/>
-          </a:stretch>
-        </p:blipFill>
-        <p:spPr>
-          <a:xfrm>
-            <a:off x="4067809" y="915566"/>
-            <a:ext cx="5073018" cy="3484810"/>
-          </a:xfrm>
-          <a:prstGeom prst="rect">
-            <a:avLst/>
-          </a:prstGeom>
-        </p:spPr>
-      </p:pic>
     </p:spTree>
   </p:cSld>
   <p:clrMapOvr>
@@ -13000,96 +10997,240 @@
         </p:nvSpPr>
         <p:spPr>
           <a:xfrm>
-            <a:off x="358745" y="1073806"/>
-            <a:ext cx="3676015" cy="2694305"/>
+            <a:off x="333345" y="1361838"/>
+            <a:ext cx="3773170" cy="2360930"/>
           </a:xfrm>
           <a:prstGeom prst="rect">
             <a:avLst/>
           </a:prstGeom>
         </p:spPr>
         <p:txBody>
-          <a:bodyPr vert="horz" wrap="square" lIns="0" tIns="22225" rIns="0" bIns="0" rtlCol="0">
+          <a:bodyPr vert="horz" wrap="square" lIns="0" tIns="26034" rIns="0" bIns="0" rtlCol="0">
             <a:spAutoFit/>
           </a:bodyPr>
           <a:lstStyle/>
           <a:p>
-            <a:pPr marL="12700" marR="5080">
+            <a:pPr marL="38100" marR="30480">
+              <a:lnSpc>
+                <a:spcPts val="2620"/>
+              </a:lnSpc>
+              <a:spcBef>
+                <a:spcPts val="204"/>
+              </a:spcBef>
+            </a:pPr>
+            <a:r>
+              <a:rPr sz="2200" spc="-5" dirty="0">
+                <a:solidFill>
+                  <a:srgbClr val="595959"/>
+                </a:solidFill>
+                <a:latin typeface="Verdana"/>
+                <a:cs typeface="Verdana"/>
+              </a:rPr>
+              <a:t>Представим объекты </a:t>
+            </a:r>
+            <a:r>
+              <a:rPr sz="2200" dirty="0">
+                <a:solidFill>
+                  <a:srgbClr val="595959"/>
+                </a:solidFill>
+                <a:latin typeface="Verdana"/>
+                <a:cs typeface="Verdana"/>
+              </a:rPr>
+              <a:t>с </a:t>
+            </a:r>
+            <a:r>
+              <a:rPr sz="2200" i="1" dirty="0">
+                <a:solidFill>
+                  <a:srgbClr val="595959"/>
+                </a:solidFill>
+                <a:latin typeface="Verdana"/>
+                <a:cs typeface="Verdana"/>
+              </a:rPr>
+              <a:t>m </a:t>
+            </a:r>
+            <a:r>
+              <a:rPr sz="2200" i="1" spc="-760" dirty="0">
+                <a:solidFill>
+                  <a:srgbClr val="595959"/>
+                </a:solidFill>
+                <a:latin typeface="Verdana"/>
+                <a:cs typeface="Verdana"/>
+              </a:rPr>
+              <a:t> </a:t>
+            </a:r>
+            <a:r>
+              <a:rPr sz="2200" spc="-5" dirty="0">
+                <a:solidFill>
+                  <a:srgbClr val="595959"/>
+                </a:solidFill>
+                <a:latin typeface="Verdana"/>
+                <a:cs typeface="Verdana"/>
+              </a:rPr>
+              <a:t>признаками </a:t>
+            </a:r>
+            <a:r>
+              <a:rPr sz="2200" dirty="0">
+                <a:solidFill>
+                  <a:srgbClr val="595959"/>
+                </a:solidFill>
+                <a:latin typeface="Verdana"/>
+                <a:cs typeface="Verdana"/>
+              </a:rPr>
+              <a:t>с </a:t>
+            </a:r>
+            <a:r>
+              <a:rPr sz="2200" spc="-5" dirty="0">
+                <a:solidFill>
+                  <a:srgbClr val="595959"/>
+                </a:solidFill>
+                <a:latin typeface="Verdana"/>
+                <a:cs typeface="Verdana"/>
+              </a:rPr>
+              <a:t>помощью </a:t>
+            </a:r>
+            <a:r>
+              <a:rPr sz="2200" dirty="0">
+                <a:solidFill>
+                  <a:srgbClr val="595959"/>
+                </a:solidFill>
+                <a:latin typeface="Verdana"/>
+                <a:cs typeface="Verdana"/>
+              </a:rPr>
+              <a:t> </a:t>
+            </a:r>
+            <a:r>
+              <a:rPr sz="2200" spc="-5" dirty="0">
+                <a:solidFill>
+                  <a:srgbClr val="595959"/>
+                </a:solidFill>
+                <a:latin typeface="Verdana"/>
+                <a:cs typeface="Verdana"/>
+              </a:rPr>
+              <a:t>точек</a:t>
+            </a:r>
+            <a:r>
+              <a:rPr sz="2200" spc="-35" dirty="0">
+                <a:solidFill>
+                  <a:srgbClr val="595959"/>
+                </a:solidFill>
+                <a:latin typeface="Verdana"/>
+                <a:cs typeface="Verdana"/>
+              </a:rPr>
+              <a:t> </a:t>
+            </a:r>
+            <a:r>
+              <a:rPr sz="2200" dirty="0">
+                <a:solidFill>
+                  <a:srgbClr val="595959"/>
+                </a:solidFill>
+                <a:latin typeface="Verdana"/>
+                <a:cs typeface="Verdana"/>
+              </a:rPr>
+              <a:t>в</a:t>
+            </a:r>
+            <a:r>
+              <a:rPr sz="2200" spc="-30" dirty="0">
+                <a:solidFill>
+                  <a:srgbClr val="595959"/>
+                </a:solidFill>
+                <a:latin typeface="Verdana"/>
+                <a:cs typeface="Verdana"/>
+              </a:rPr>
+              <a:t> </a:t>
+            </a:r>
+            <a:r>
+              <a:rPr sz="2200" spc="-5" dirty="0">
+                <a:solidFill>
+                  <a:srgbClr val="595959"/>
+                </a:solidFill>
+                <a:latin typeface="Verdana"/>
+                <a:cs typeface="Verdana"/>
+              </a:rPr>
+              <a:t>пространстве</a:t>
+            </a:r>
+            <a:r>
+              <a:rPr sz="2200" spc="-20" dirty="0">
+                <a:solidFill>
+                  <a:srgbClr val="595959"/>
+                </a:solidFill>
+                <a:latin typeface="Verdana"/>
+                <a:cs typeface="Verdana"/>
+              </a:rPr>
+              <a:t> </a:t>
+            </a:r>
+            <a:r>
+              <a:rPr sz="2200" i="1" dirty="0">
+                <a:solidFill>
+                  <a:srgbClr val="595959"/>
+                </a:solidFill>
+                <a:latin typeface="Verdana"/>
+                <a:cs typeface="Verdana"/>
+              </a:rPr>
+              <a:t>R</a:t>
+            </a:r>
+            <a:r>
+              <a:rPr sz="2175" i="1" baseline="30651" dirty="0">
+                <a:solidFill>
+                  <a:srgbClr val="595959"/>
+                </a:solidFill>
+                <a:latin typeface="Verdana"/>
+                <a:cs typeface="Verdana"/>
+              </a:rPr>
+              <a:t>m</a:t>
+            </a:r>
+            <a:r>
+              <a:rPr sz="2200" dirty="0">
+                <a:solidFill>
+                  <a:srgbClr val="595959"/>
+                </a:solidFill>
+                <a:latin typeface="Verdana"/>
+                <a:cs typeface="Verdana"/>
+              </a:rPr>
+              <a:t>.</a:t>
+            </a:r>
+            <a:endParaRPr sz="2200">
+              <a:latin typeface="Verdana"/>
+              <a:cs typeface="Verdana"/>
+            </a:endParaRPr>
+          </a:p>
+          <a:p>
+            <a:pPr marL="495300" marR="501015" indent="-457200">
               <a:lnSpc>
                 <a:spcPts val="2630"/>
               </a:lnSpc>
               <a:spcBef>
-                <a:spcPts val="175"/>
+                <a:spcPts val="5"/>
               </a:spcBef>
             </a:pPr>
             <a:r>
               <a:rPr sz="2200" spc="-5" dirty="0">
                 <a:solidFill>
-                  <a:srgbClr val="595959"/>
-                </a:solidFill>
-                <a:latin typeface="Verdana"/>
-                <a:cs typeface="Verdana"/>
-              </a:rPr>
-              <a:t>Можно</a:t>
-            </a:r>
-            <a:r>
-              <a:rPr sz="2200" spc="-50" dirty="0">
-                <a:solidFill>
-                  <a:srgbClr val="595959"/>
-                </a:solidFill>
-                <a:latin typeface="Verdana"/>
-                <a:cs typeface="Verdana"/>
-              </a:rPr>
-              <a:t> </a:t>
-            </a:r>
-            <a:r>
-              <a:rPr sz="2200" spc="-5" dirty="0">
-                <a:solidFill>
-                  <a:srgbClr val="595959"/>
-                </a:solidFill>
-                <a:latin typeface="Verdana"/>
-                <a:cs typeface="Verdana"/>
-              </a:rPr>
-              <a:t>найти</a:t>
-            </a:r>
-            <a:r>
-              <a:rPr sz="2200" spc="-50" dirty="0">
-                <a:solidFill>
-                  <a:srgbClr val="595959"/>
-                </a:solidFill>
-                <a:latin typeface="Verdana"/>
-                <a:cs typeface="Verdana"/>
-              </a:rPr>
-              <a:t> </a:t>
-            </a:r>
-            <a:r>
-              <a:rPr sz="2200" spc="-5" dirty="0">
-                <a:solidFill>
-                  <a:srgbClr val="595959"/>
-                </a:solidFill>
-                <a:latin typeface="Verdana"/>
-                <a:cs typeface="Verdana"/>
-              </a:rPr>
-              <a:t>расстояние </a:t>
-            </a:r>
-            <a:r>
-              <a:rPr sz="2200" spc="-755" dirty="0">
-                <a:solidFill>
-                  <a:srgbClr val="595959"/>
-                </a:solidFill>
-                <a:latin typeface="Verdana"/>
-                <a:cs typeface="Verdana"/>
-              </a:rPr>
-              <a:t> </a:t>
-            </a:r>
-            <a:r>
-              <a:rPr sz="2200" spc="-5" dirty="0">
-                <a:solidFill>
-                  <a:srgbClr val="595959"/>
-                </a:solidFill>
-                <a:latin typeface="Verdana"/>
-                <a:cs typeface="Verdana"/>
-              </a:rPr>
-              <a:t>от каждого объекта до </a:t>
+                  <a:srgbClr val="FF0000"/>
+                </a:solidFill>
+                <a:latin typeface="Verdana"/>
+                <a:cs typeface="Verdana"/>
+              </a:rPr>
+              <a:t>Идея</a:t>
+            </a:r>
+            <a:r>
+              <a:rPr sz="2200" spc="-5" dirty="0">
+                <a:solidFill>
+                  <a:srgbClr val="595959"/>
+                </a:solidFill>
+                <a:latin typeface="Verdana"/>
+                <a:cs typeface="Verdana"/>
+              </a:rPr>
+              <a:t>:</a:t>
+            </a:r>
+            <a:r>
+              <a:rPr sz="2200" spc="-35" dirty="0">
+                <a:solidFill>
+                  <a:srgbClr val="595959"/>
+                </a:solidFill>
+                <a:latin typeface="Verdana"/>
+                <a:cs typeface="Verdana"/>
+              </a:rPr>
+              <a:t> </a:t>
             </a:r>
             <a:r>
               <a:rPr sz="2200" dirty="0">
@@ -13099,17 +11240,67 @@
                 <a:latin typeface="Verdana"/>
                 <a:cs typeface="Verdana"/>
               </a:rPr>
-              <a:t> </a:t>
-            </a:r>
-            <a:r>
-              <a:rPr sz="2200" spc="-5" dirty="0">
-                <a:solidFill>
-                  <a:srgbClr val="595959"/>
-                </a:solidFill>
-                <a:latin typeface="Verdana"/>
-                <a:cs typeface="Verdana"/>
-              </a:rPr>
-              <a:t>его ближайшего соседа. </a:t>
+              <a:t>у</a:t>
+            </a:r>
+            <a:r>
+              <a:rPr sz="2200" spc="-35" dirty="0">
+                <a:solidFill>
+                  <a:srgbClr val="595959"/>
+                </a:solidFill>
+                <a:latin typeface="Verdana"/>
+                <a:cs typeface="Verdana"/>
+              </a:rPr>
+              <a:t> </a:t>
+            </a:r>
+            <a:r>
+              <a:rPr sz="2200" spc="-5" dirty="0">
+                <a:solidFill>
+                  <a:srgbClr val="595959"/>
+                </a:solidFill>
+                <a:latin typeface="Verdana"/>
+                <a:cs typeface="Verdana"/>
+              </a:rPr>
+              <a:t>выброса</a:t>
+            </a:r>
+            <a:r>
+              <a:rPr sz="2200" spc="-30" dirty="0">
+                <a:solidFill>
+                  <a:srgbClr val="595959"/>
+                </a:solidFill>
+                <a:latin typeface="Verdana"/>
+                <a:cs typeface="Verdana"/>
+              </a:rPr>
+              <a:t> </a:t>
+            </a:r>
+            <a:r>
+              <a:rPr sz="2200" spc="-5" dirty="0">
+                <a:solidFill>
+                  <a:srgbClr val="595959"/>
+                </a:solidFill>
+                <a:latin typeface="Verdana"/>
+                <a:cs typeface="Verdana"/>
+              </a:rPr>
+              <a:t>мало </a:t>
+            </a:r>
+            <a:r>
+              <a:rPr sz="2200" spc="-760" dirty="0">
+                <a:solidFill>
+                  <a:srgbClr val="595959"/>
+                </a:solidFill>
+                <a:latin typeface="Verdana"/>
+                <a:cs typeface="Verdana"/>
+              </a:rPr>
+              <a:t> </a:t>
+            </a:r>
+            <a:r>
+              <a:rPr sz="2200" spc="-5" dirty="0">
+                <a:solidFill>
+                  <a:srgbClr val="595959"/>
+                </a:solidFill>
+                <a:latin typeface="Verdana"/>
+                <a:cs typeface="Verdana"/>
+              </a:rPr>
+              <a:t>соседей, </a:t>
             </a:r>
             <a:r>
               <a:rPr sz="2200" dirty="0">
@@ -13119,137 +11310,47 @@
                 <a:latin typeface="Verdana"/>
                 <a:cs typeface="Verdana"/>
               </a:rPr>
-              <a:t> У </a:t>
-            </a:r>
-            <a:r>
-              <a:rPr sz="2200" spc="-5" dirty="0">
-                <a:solidFill>
-                  <a:srgbClr val="595959"/>
-                </a:solidFill>
-                <a:latin typeface="Verdana"/>
-                <a:cs typeface="Verdana"/>
-              </a:rPr>
-              <a:t>выбросов такое </a:t>
-            </a:r>
-            <a:r>
-              <a:rPr sz="2200" dirty="0">
-                <a:solidFill>
-                  <a:srgbClr val="595959"/>
-                </a:solidFill>
-                <a:latin typeface="Verdana"/>
-                <a:cs typeface="Verdana"/>
-              </a:rPr>
-              <a:t> </a:t>
-            </a:r>
-            <a:r>
-              <a:rPr sz="2200" spc="-5" dirty="0">
-                <a:solidFill>
-                  <a:srgbClr val="595959"/>
-                </a:solidFill>
-                <a:latin typeface="Verdana"/>
-                <a:cs typeface="Verdana"/>
-              </a:rPr>
-              <a:t>расстояние будет </a:t>
-            </a:r>
-            <a:r>
-              <a:rPr sz="2200" dirty="0">
-                <a:solidFill>
-                  <a:srgbClr val="595959"/>
-                </a:solidFill>
-                <a:latin typeface="Verdana"/>
-                <a:cs typeface="Verdana"/>
-              </a:rPr>
-              <a:t> </a:t>
-            </a:r>
-            <a:r>
-              <a:rPr sz="2200" spc="-5" dirty="0">
-                <a:solidFill>
-                  <a:srgbClr val="595959"/>
-                </a:solidFill>
-                <a:latin typeface="Verdana"/>
-                <a:cs typeface="Verdana"/>
-              </a:rPr>
-              <a:t>большим (можно </a:t>
-            </a:r>
-            <a:r>
-              <a:rPr sz="2200" dirty="0">
-                <a:solidFill>
-                  <a:srgbClr val="595959"/>
-                </a:solidFill>
-                <a:latin typeface="Verdana"/>
-                <a:cs typeface="Verdana"/>
-              </a:rPr>
-              <a:t> </a:t>
-            </a:r>
-            <a:r>
-              <a:rPr sz="2200" spc="-5" dirty="0">
-                <a:solidFill>
-                  <a:srgbClr val="595959"/>
-                </a:solidFill>
-                <a:latin typeface="Verdana"/>
-                <a:cs typeface="Verdana"/>
-              </a:rPr>
-              <a:t>предложить </a:t>
-            </a:r>
-            <a:r>
-              <a:rPr sz="2200" dirty="0">
-                <a:solidFill>
-                  <a:srgbClr val="595959"/>
-                </a:solidFill>
-                <a:latin typeface="Verdana"/>
-                <a:cs typeface="Verdana"/>
-              </a:rPr>
-              <a:t>и </a:t>
-            </a:r>
-            <a:r>
-              <a:rPr sz="2200" spc="-5" dirty="0">
-                <a:solidFill>
-                  <a:srgbClr val="595959"/>
-                </a:solidFill>
-                <a:latin typeface="Verdana"/>
-                <a:cs typeface="Verdana"/>
-              </a:rPr>
-              <a:t>другие </a:t>
-            </a:r>
-            <a:r>
-              <a:rPr sz="2200" dirty="0">
-                <a:solidFill>
-                  <a:srgbClr val="595959"/>
-                </a:solidFill>
-                <a:latin typeface="Verdana"/>
-                <a:cs typeface="Verdana"/>
-              </a:rPr>
-              <a:t> </a:t>
-            </a:r>
-            <a:r>
-              <a:rPr sz="2200" spc="-5" dirty="0">
-                <a:solidFill>
-                  <a:srgbClr val="595959"/>
-                </a:solidFill>
-                <a:latin typeface="Verdana"/>
-                <a:cs typeface="Verdana"/>
-              </a:rPr>
-              <a:t>варианты</a:t>
-            </a:r>
-            <a:r>
-              <a:rPr sz="2200" spc="-25" dirty="0">
-                <a:solidFill>
-                  <a:srgbClr val="595959"/>
-                </a:solidFill>
-                <a:latin typeface="Verdana"/>
-                <a:cs typeface="Verdana"/>
-              </a:rPr>
-              <a:t> </a:t>
-            </a:r>
-            <a:r>
-              <a:rPr sz="2200" spc="-5" dirty="0">
-                <a:solidFill>
-                  <a:srgbClr val="595959"/>
-                </a:solidFill>
-                <a:latin typeface="Verdana"/>
-                <a:cs typeface="Verdana"/>
-              </a:rPr>
-              <a:t>алгоритма).</a:t>
+              <a:t>а у </a:t>
+            </a:r>
+            <a:r>
+              <a:rPr sz="2200" spc="5" dirty="0">
+                <a:solidFill>
+                  <a:srgbClr val="595959"/>
+                </a:solidFill>
+                <a:latin typeface="Verdana"/>
+                <a:cs typeface="Verdana"/>
+              </a:rPr>
+              <a:t> </a:t>
+            </a:r>
+            <a:r>
+              <a:rPr sz="2200" spc="-5" dirty="0">
+                <a:solidFill>
+                  <a:srgbClr val="595959"/>
+                </a:solidFill>
+                <a:latin typeface="Verdana"/>
+                <a:cs typeface="Verdana"/>
+              </a:rPr>
+              <a:t>типичного объекта </a:t>
+            </a:r>
+            <a:r>
+              <a:rPr sz="2200" spc="-760" dirty="0">
+                <a:solidFill>
+                  <a:srgbClr val="595959"/>
+                </a:solidFill>
+                <a:latin typeface="Verdana"/>
+                <a:cs typeface="Verdana"/>
+              </a:rPr>
+              <a:t> </a:t>
+            </a:r>
+            <a:r>
+              <a:rPr sz="2200" spc="-5" dirty="0">
+                <a:solidFill>
+                  <a:srgbClr val="595959"/>
+                </a:solidFill>
+                <a:latin typeface="Verdana"/>
+                <a:cs typeface="Verdana"/>
+              </a:rPr>
+              <a:t>много.</a:t>
             </a:r>
             <a:endParaRPr sz="2200">
               <a:latin typeface="Verdana"/>
@@ -13318,7 +11419,7 @@
         <p:spPr>
           <a:xfrm>
             <a:off x="384725" y="482513"/>
-            <a:ext cx="5045710" cy="452120"/>
+            <a:ext cx="4377055" cy="452120"/>
           </a:xfrm>
           <a:prstGeom prst="rect">
             <a:avLst/>
@@ -13340,10 +11441,10 @@
             </a:pPr>
             <a:r>
               <a:rPr sz="2800" spc="-5" dirty="0"/>
-              <a:t>Геометрические</a:t>
-            </a:r>
-            <a:r>
-              <a:rPr sz="2800" spc="-85" dirty="0"/>
+              <a:t>Метрические</a:t>
+            </a:r>
+            <a:r>
+              <a:rPr sz="2800" spc="-95" dirty="0"/>
               <a:t> </a:t>
             </a:r>
             <a:r>
@@ -13363,14 +11464,14 @@
         <p:spPr>
           <a:xfrm>
             <a:off x="358745" y="1073806"/>
-            <a:ext cx="3738245" cy="3027680"/>
+            <a:ext cx="3676015" cy="2694305"/>
           </a:xfrm>
           <a:prstGeom prst="rect">
             <a:avLst/>
           </a:prstGeom>
         </p:spPr>
         <p:txBody>
-          <a:bodyPr vert="horz" wrap="square" lIns="0" tIns="24765" rIns="0" bIns="0" rtlCol="0">
+          <a:bodyPr vert="horz" wrap="square" lIns="0" tIns="22225" rIns="0" bIns="0" rtlCol="0">
             <a:spAutoFit/>
           </a:bodyPr>
           <a:lstStyle/>
@@ -13380,7 +11481,7 @@
                 <a:spcPts val="2630"/>
               </a:lnSpc>
               <a:spcBef>
-                <a:spcPts val="195"/>
+                <a:spcPts val="175"/>
               </a:spcBef>
             </a:pPr>
             <a:r>
@@ -13391,7 +11492,67 @@
                 <a:latin typeface="Verdana"/>
                 <a:cs typeface="Verdana"/>
               </a:rPr>
-              <a:t>Можно вычислить </a:t>
+              <a:t>Можно</a:t>
+            </a:r>
+            <a:r>
+              <a:rPr sz="2200" spc="-50" dirty="0">
+                <a:solidFill>
+                  <a:srgbClr val="595959"/>
+                </a:solidFill>
+                <a:latin typeface="Verdana"/>
+                <a:cs typeface="Verdana"/>
+              </a:rPr>
+              <a:t> </a:t>
+            </a:r>
+            <a:r>
+              <a:rPr sz="2200" spc="-5" dirty="0">
+                <a:solidFill>
+                  <a:srgbClr val="595959"/>
+                </a:solidFill>
+                <a:latin typeface="Verdana"/>
+                <a:cs typeface="Verdana"/>
+              </a:rPr>
+              <a:t>найти</a:t>
+            </a:r>
+            <a:r>
+              <a:rPr sz="2200" spc="-50" dirty="0">
+                <a:solidFill>
+                  <a:srgbClr val="595959"/>
+                </a:solidFill>
+                <a:latin typeface="Verdana"/>
+                <a:cs typeface="Verdana"/>
+              </a:rPr>
+              <a:t> </a:t>
+            </a:r>
+            <a:r>
+              <a:rPr sz="2200" spc="-5" dirty="0">
+                <a:solidFill>
+                  <a:srgbClr val="595959"/>
+                </a:solidFill>
+                <a:latin typeface="Verdana"/>
+                <a:cs typeface="Verdana"/>
+              </a:rPr>
+              <a:t>расстояние </a:t>
+            </a:r>
+            <a:r>
+              <a:rPr sz="2200" spc="-755" dirty="0">
+                <a:solidFill>
+                  <a:srgbClr val="595959"/>
+                </a:solidFill>
+                <a:latin typeface="Verdana"/>
+                <a:cs typeface="Verdana"/>
+              </a:rPr>
+              <a:t> </a:t>
+            </a:r>
+            <a:r>
+              <a:rPr sz="2200" spc="-5" dirty="0">
+                <a:solidFill>
+                  <a:srgbClr val="595959"/>
+                </a:solidFill>
+                <a:latin typeface="Verdana"/>
+                <a:cs typeface="Verdana"/>
+              </a:rPr>
+              <a:t>от каждого объекта до </a:t>
             </a:r>
             <a:r>
               <a:rPr sz="2200" dirty="0">
@@ -13411,7 +11572,7 @@
                 <a:latin typeface="Verdana"/>
                 <a:cs typeface="Verdana"/>
               </a:rPr>
-              <a:t>выпуклую оболочку </a:t>
+              <a:t>его ближайшего соседа. </a:t>
             </a:r>
             <a:r>
               <a:rPr sz="2200" dirty="0">
@@ -13421,37 +11582,117 @@
                 <a:latin typeface="Verdana"/>
                 <a:cs typeface="Verdana"/>
               </a:rPr>
-              <a:t> </a:t>
-            </a:r>
-            <a:r>
-              <a:rPr sz="2200" spc="-5" dirty="0">
-                <a:solidFill>
-                  <a:srgbClr val="595959"/>
-                </a:solidFill>
-                <a:latin typeface="Verdana"/>
-                <a:cs typeface="Verdana"/>
-              </a:rPr>
-              <a:t>объектов</a:t>
-            </a:r>
-            <a:r>
-              <a:rPr sz="2200" spc="-35" dirty="0">
-                <a:solidFill>
-                  <a:srgbClr val="595959"/>
-                </a:solidFill>
-                <a:latin typeface="Verdana"/>
-                <a:cs typeface="Verdana"/>
-              </a:rPr>
-              <a:t> </a:t>
-            </a:r>
-            <a:r>
-              <a:rPr sz="2200" spc="-5" dirty="0">
-                <a:solidFill>
-                  <a:srgbClr val="595959"/>
-                </a:solidFill>
-                <a:latin typeface="Verdana"/>
-                <a:cs typeface="Verdana"/>
-              </a:rPr>
-              <a:t>(как</a:t>
+              <a:t> У </a:t>
+            </a:r>
+            <a:r>
+              <a:rPr sz="2200" spc="-5" dirty="0">
+                <a:solidFill>
+                  <a:srgbClr val="595959"/>
+                </a:solidFill>
+                <a:latin typeface="Verdana"/>
+                <a:cs typeface="Verdana"/>
+              </a:rPr>
+              <a:t>выбросов такое </a:t>
+            </a:r>
+            <a:r>
+              <a:rPr sz="2200" dirty="0">
+                <a:solidFill>
+                  <a:srgbClr val="595959"/>
+                </a:solidFill>
+                <a:latin typeface="Verdana"/>
+                <a:cs typeface="Verdana"/>
+              </a:rPr>
+              <a:t> </a:t>
+            </a:r>
+            <a:r>
+              <a:rPr sz="2200" spc="-5" dirty="0">
+                <a:solidFill>
+                  <a:srgbClr val="595959"/>
+                </a:solidFill>
+                <a:latin typeface="Verdana"/>
+                <a:cs typeface="Verdana"/>
+              </a:rPr>
+              <a:t>расстояние будет </a:t>
+            </a:r>
+            <a:r>
+              <a:rPr sz="2200" dirty="0">
+                <a:solidFill>
+                  <a:srgbClr val="595959"/>
+                </a:solidFill>
+                <a:latin typeface="Verdana"/>
+                <a:cs typeface="Verdana"/>
+              </a:rPr>
+              <a:t> </a:t>
+            </a:r>
+            <a:r>
+              <a:rPr sz="2200" spc="-5" dirty="0">
+                <a:solidFill>
+                  <a:srgbClr val="595959"/>
+                </a:solidFill>
+                <a:latin typeface="Verdana"/>
+                <a:cs typeface="Verdana"/>
+              </a:rPr>
+              <a:t>большим (можно </a:t>
+            </a:r>
+            <a:r>
+              <a:rPr sz="2200" dirty="0">
+                <a:solidFill>
+                  <a:srgbClr val="595959"/>
+                </a:solidFill>
+                <a:latin typeface="Verdana"/>
+                <a:cs typeface="Verdana"/>
+              </a:rPr>
+              <a:t> </a:t>
+            </a:r>
+            <a:r>
+              <a:rPr sz="2200" spc="-5" dirty="0">
+                <a:solidFill>
+                  <a:srgbClr val="595959"/>
+                </a:solidFill>
+                <a:latin typeface="Verdana"/>
+                <a:cs typeface="Verdana"/>
+              </a:rPr>
+              <a:t>предложить </a:t>
+            </a:r>
+            <a:r>
+              <a:rPr sz="2200" dirty="0">
+                <a:solidFill>
+                  <a:srgbClr val="595959"/>
+                </a:solidFill>
+                <a:latin typeface="Verdana"/>
+                <a:cs typeface="Verdana"/>
+              </a:rPr>
+              <a:t>и </a:t>
+            </a:r>
+            <a:r>
+              <a:rPr sz="2200" spc="-5" dirty="0">
+                <a:solidFill>
+                  <a:srgbClr val="595959"/>
+                </a:solidFill>
+                <a:latin typeface="Verdana"/>
+                <a:cs typeface="Verdana"/>
+              </a:rPr>
+              <a:t>другие </a:t>
+            </a:r>
+            <a:r>
+              <a:rPr sz="2200" dirty="0">
+                <a:solidFill>
+                  <a:srgbClr val="595959"/>
+                </a:solidFill>
+                <a:latin typeface="Verdana"/>
+                <a:cs typeface="Verdana"/>
+              </a:rPr>
+              <a:t> </a:t>
+            </a:r>
+            <a:r>
+              <a:rPr sz="2200" spc="-5" dirty="0">
+                <a:solidFill>
+                  <a:srgbClr val="595959"/>
+                </a:solidFill>
+                <a:latin typeface="Verdana"/>
+                <a:cs typeface="Verdana"/>
+              </a:rPr>
+              <a:t>варианты</a:t>
             </a:r>
             <a:r>
               <a:rPr sz="2200" spc="-25" dirty="0">
@@ -13471,322 +11712,7 @@
                 <a:latin typeface="Verdana"/>
                 <a:cs typeface="Verdana"/>
               </a:rPr>
-              <a:t>точек</a:t>
-            </a:r>
-            <a:r>
-              <a:rPr sz="2200" spc="-25" dirty="0">
-                <a:solidFill>
-                  <a:srgbClr val="595959"/>
-                </a:solidFill>
-                <a:latin typeface="Verdana"/>
-                <a:cs typeface="Verdana"/>
-              </a:rPr>
-              <a:t> </a:t>
-            </a:r>
-            <a:r>
-              <a:rPr sz="2200" dirty="0">
-                <a:solidFill>
-                  <a:srgbClr val="595959"/>
-                </a:solidFill>
-                <a:latin typeface="Verdana"/>
-                <a:cs typeface="Verdana"/>
-              </a:rPr>
-              <a:t>в</a:t>
-            </a:r>
-            <a:r>
-              <a:rPr sz="2200" spc="-25" dirty="0">
-                <a:solidFill>
-                  <a:srgbClr val="595959"/>
-                </a:solidFill>
-                <a:latin typeface="Verdana"/>
-                <a:cs typeface="Verdana"/>
-              </a:rPr>
-              <a:t> </a:t>
-            </a:r>
-            <a:r>
-              <a:rPr sz="2200" spc="-5" dirty="0">
-                <a:solidFill>
-                  <a:srgbClr val="595959"/>
-                </a:solidFill>
-                <a:latin typeface="Verdana"/>
-                <a:cs typeface="Verdana"/>
-              </a:rPr>
-              <a:t>m- </a:t>
-            </a:r>
-            <a:r>
-              <a:rPr sz="2200" spc="-760" dirty="0">
-                <a:solidFill>
-                  <a:srgbClr val="595959"/>
-                </a:solidFill>
-                <a:latin typeface="Verdana"/>
-                <a:cs typeface="Verdana"/>
-              </a:rPr>
-              <a:t> </a:t>
-            </a:r>
-            <a:r>
-              <a:rPr sz="2200" spc="-5" dirty="0">
-                <a:solidFill>
-                  <a:srgbClr val="595959"/>
-                </a:solidFill>
-                <a:latin typeface="Verdana"/>
-                <a:cs typeface="Verdana"/>
-              </a:rPr>
-              <a:t>мерном</a:t>
-            </a:r>
-            <a:r>
-              <a:rPr sz="2200" spc="-25" dirty="0">
-                <a:solidFill>
-                  <a:srgbClr val="595959"/>
-                </a:solidFill>
-                <a:latin typeface="Verdana"/>
-                <a:cs typeface="Verdana"/>
-              </a:rPr>
-              <a:t> </a:t>
-            </a:r>
-            <a:r>
-              <a:rPr sz="2200" spc="-5" dirty="0">
-                <a:solidFill>
-                  <a:srgbClr val="595959"/>
-                </a:solidFill>
-                <a:latin typeface="Verdana"/>
-                <a:cs typeface="Verdana"/>
-              </a:rPr>
-              <a:t>пространстве).</a:t>
-            </a:r>
-            <a:endParaRPr sz="2200">
-              <a:latin typeface="Verdana"/>
-              <a:cs typeface="Verdana"/>
-            </a:endParaRPr>
-          </a:p>
-          <a:p>
-            <a:pPr marL="12700">
-              <a:lnSpc>
-                <a:spcPts val="2515"/>
-              </a:lnSpc>
-            </a:pPr>
-            <a:r>
-              <a:rPr sz="2200" spc="-5" dirty="0">
-                <a:solidFill>
-                  <a:srgbClr val="595959"/>
-                </a:solidFill>
-                <a:latin typeface="Verdana"/>
-                <a:cs typeface="Verdana"/>
-              </a:rPr>
-              <a:t>Выбросами</a:t>
-            </a:r>
-            <a:r>
-              <a:rPr sz="2200" spc="-55" dirty="0">
-                <a:solidFill>
-                  <a:srgbClr val="595959"/>
-                </a:solidFill>
-                <a:latin typeface="Verdana"/>
-                <a:cs typeface="Verdana"/>
-              </a:rPr>
-              <a:t> </a:t>
-            </a:r>
-            <a:r>
-              <a:rPr sz="2200" spc="-5" dirty="0">
-                <a:solidFill>
-                  <a:srgbClr val="595959"/>
-                </a:solidFill>
-                <a:latin typeface="Verdana"/>
-                <a:cs typeface="Verdana"/>
-              </a:rPr>
-              <a:t>будут</a:t>
-            </a:r>
-            <a:endParaRPr sz="2200">
-              <a:latin typeface="Verdana"/>
-              <a:cs typeface="Verdana"/>
-            </a:endParaRPr>
-          </a:p>
-          <a:p>
-            <a:pPr marL="12700" marR="88900">
-              <a:lnSpc>
-                <a:spcPts val="2630"/>
-              </a:lnSpc>
-              <a:spcBef>
-                <a:spcPts val="90"/>
-              </a:spcBef>
-            </a:pPr>
-            <a:r>
-              <a:rPr sz="2200" spc="-5" dirty="0">
-                <a:solidFill>
-                  <a:srgbClr val="595959"/>
-                </a:solidFill>
-                <a:latin typeface="Verdana"/>
-                <a:cs typeface="Verdana"/>
-              </a:rPr>
-              <a:t>объекты</a:t>
-            </a:r>
-            <a:r>
-              <a:rPr sz="2200" spc="-40" dirty="0">
-                <a:solidFill>
-                  <a:srgbClr val="595959"/>
-                </a:solidFill>
-                <a:latin typeface="Verdana"/>
-                <a:cs typeface="Verdana"/>
-              </a:rPr>
-              <a:t> </a:t>
-            </a:r>
-            <a:r>
-              <a:rPr sz="2200" spc="-5" dirty="0">
-                <a:solidFill>
-                  <a:srgbClr val="595959"/>
-                </a:solidFill>
-                <a:latin typeface="Verdana"/>
-                <a:cs typeface="Verdana"/>
-              </a:rPr>
-              <a:t>на</a:t>
-            </a:r>
-            <a:r>
-              <a:rPr sz="2200" spc="-30" dirty="0">
-                <a:solidFill>
-                  <a:srgbClr val="595959"/>
-                </a:solidFill>
-                <a:latin typeface="Verdana"/>
-                <a:cs typeface="Verdana"/>
-              </a:rPr>
-              <a:t> </a:t>
-            </a:r>
-            <a:r>
-              <a:rPr sz="2200" spc="-5" dirty="0">
-                <a:solidFill>
-                  <a:srgbClr val="595959"/>
-                </a:solidFill>
-                <a:latin typeface="Verdana"/>
-                <a:cs typeface="Verdana"/>
-              </a:rPr>
-              <a:t>границе.</a:t>
-            </a:r>
-            <a:r>
-              <a:rPr sz="2200" spc="-35" dirty="0">
-                <a:solidFill>
-                  <a:srgbClr val="595959"/>
-                </a:solidFill>
-                <a:latin typeface="Verdana"/>
-                <a:cs typeface="Verdana"/>
-              </a:rPr>
-              <a:t> </a:t>
-            </a:r>
-            <a:r>
-              <a:rPr sz="2200" spc="-5" dirty="0">
-                <a:solidFill>
-                  <a:srgbClr val="595959"/>
-                </a:solidFill>
-                <a:latin typeface="Verdana"/>
-                <a:cs typeface="Verdana"/>
-              </a:rPr>
-              <a:t>(Их </a:t>
-            </a:r>
-            <a:r>
-              <a:rPr sz="2200" spc="-760" dirty="0">
-                <a:solidFill>
-                  <a:srgbClr val="595959"/>
-                </a:solidFill>
-                <a:latin typeface="Verdana"/>
-                <a:cs typeface="Verdana"/>
-              </a:rPr>
-              <a:t> </a:t>
-            </a:r>
-            <a:r>
-              <a:rPr sz="2200" spc="-5" dirty="0">
-                <a:solidFill>
-                  <a:srgbClr val="595959"/>
-                </a:solidFill>
-                <a:latin typeface="Verdana"/>
-                <a:cs typeface="Verdana"/>
-              </a:rPr>
-              <a:t>можно удалить, </a:t>
-            </a:r>
-            <a:r>
-              <a:rPr sz="2200" dirty="0">
-                <a:solidFill>
-                  <a:srgbClr val="595959"/>
-                </a:solidFill>
-                <a:latin typeface="Verdana"/>
-                <a:cs typeface="Verdana"/>
-              </a:rPr>
-              <a:t>а </a:t>
-            </a:r>
-            <a:r>
-              <a:rPr sz="2200" spc="5" dirty="0">
-                <a:solidFill>
-                  <a:srgbClr val="595959"/>
-                </a:solidFill>
-                <a:latin typeface="Verdana"/>
-                <a:cs typeface="Verdana"/>
-              </a:rPr>
-              <a:t> </a:t>
-            </a:r>
-            <a:r>
-              <a:rPr sz="2200" spc="-5" dirty="0">
-                <a:solidFill>
-                  <a:srgbClr val="595959"/>
-                </a:solidFill>
-                <a:latin typeface="Verdana"/>
-                <a:cs typeface="Verdana"/>
-              </a:rPr>
-              <a:t>процедуру повторить </a:t>
-            </a:r>
-            <a:r>
-              <a:rPr sz="2200" dirty="0">
-                <a:solidFill>
-                  <a:srgbClr val="595959"/>
-                </a:solidFill>
-                <a:latin typeface="Verdana"/>
-                <a:cs typeface="Verdana"/>
-              </a:rPr>
-              <a:t> </a:t>
-            </a:r>
-            <a:r>
-              <a:rPr sz="2200" spc="-5" dirty="0">
-                <a:solidFill>
-                  <a:srgbClr val="595959"/>
-                </a:solidFill>
-                <a:latin typeface="Verdana"/>
-                <a:cs typeface="Verdana"/>
-              </a:rPr>
-              <a:t>еще</a:t>
-            </a:r>
-            <a:r>
-              <a:rPr sz="2200" spc="-20" dirty="0">
-                <a:solidFill>
-                  <a:srgbClr val="595959"/>
-                </a:solidFill>
-                <a:latin typeface="Verdana"/>
-                <a:cs typeface="Verdana"/>
-              </a:rPr>
-              <a:t> </a:t>
-            </a:r>
-            <a:r>
-              <a:rPr sz="2200" spc="-5" dirty="0">
-                <a:solidFill>
-                  <a:srgbClr val="595959"/>
-                </a:solidFill>
-                <a:latin typeface="Verdana"/>
-                <a:cs typeface="Verdana"/>
-              </a:rPr>
-              <a:t>несколько</a:t>
-            </a:r>
-            <a:r>
-              <a:rPr sz="2200" spc="-15" dirty="0">
-                <a:solidFill>
-                  <a:srgbClr val="595959"/>
-                </a:solidFill>
-                <a:latin typeface="Verdana"/>
-                <a:cs typeface="Verdana"/>
-              </a:rPr>
-              <a:t> </a:t>
-            </a:r>
-            <a:r>
-              <a:rPr sz="2200" spc="-5" dirty="0">
-                <a:solidFill>
-                  <a:srgbClr val="595959"/>
-                </a:solidFill>
-                <a:latin typeface="Verdana"/>
-                <a:cs typeface="Verdana"/>
-              </a:rPr>
-              <a:t>раз).</a:t>
+              <a:t>алгоритма).</a:t>
             </a:r>
             <a:endParaRPr sz="2200">
               <a:latin typeface="Verdana"/>
@@ -13809,8 +11735,8 @@
         </p:blipFill>
         <p:spPr>
           <a:xfrm>
-            <a:off x="4095045" y="1279788"/>
-            <a:ext cx="5020680" cy="3428564"/>
+            <a:off x="4067809" y="915566"/>
+            <a:ext cx="5073018" cy="3484810"/>
           </a:xfrm>
           <a:prstGeom prst="rect">
             <a:avLst/>
@@ -13845,13 +11771,17 @@
       <p:sp>
         <p:nvSpPr>
           <p:cNvPr id="2" name="object 2"/>
-          <p:cNvSpPr txBox="1"/>
-          <p:nvPr/>
+          <p:cNvSpPr txBox="1">
+            <a:spLocks noGrp="1"/>
+          </p:cNvSpPr>
+          <p:nvPr>
+            <p:ph type="title"/>
+          </p:nvPr>
         </p:nvSpPr>
         <p:spPr>
           <a:xfrm>
-            <a:off x="358745" y="485561"/>
-            <a:ext cx="7141209" cy="3621504"/>
+            <a:off x="384725" y="482513"/>
+            <a:ext cx="5045710" cy="452120"/>
           </a:xfrm>
           <a:prstGeom prst="rect">
             <a:avLst/>
@@ -13863,7 +11793,7 @@
           </a:bodyPr>
           <a:lstStyle/>
           <a:p>
-            <a:pPr marL="38100">
+            <a:pPr marL="12700">
               <a:lnSpc>
                 <a:spcPct val="100000"/>
               </a:lnSpc>
@@ -13872,107 +11802,48 @@
               </a:spcBef>
             </a:pPr>
             <a:r>
-              <a:rPr sz="2200" b="1" spc="-5" dirty="0">
-                <a:solidFill>
-                  <a:srgbClr val="353147"/>
-                </a:solidFill>
-                <a:latin typeface="Verdana"/>
-                <a:cs typeface="Verdana"/>
-              </a:rPr>
-              <a:t>Поиск</a:t>
-            </a:r>
-            <a:r>
-              <a:rPr sz="2200" b="1" spc="-25" dirty="0">
-                <a:solidFill>
-                  <a:srgbClr val="353147"/>
-                </a:solidFill>
-                <a:latin typeface="Verdana"/>
-                <a:cs typeface="Verdana"/>
-              </a:rPr>
-              <a:t> </a:t>
-            </a:r>
-            <a:r>
-              <a:rPr sz="2200" b="1" spc="-5" dirty="0">
-                <a:solidFill>
-                  <a:srgbClr val="353147"/>
-                </a:solidFill>
-                <a:latin typeface="Verdana"/>
-                <a:cs typeface="Verdana"/>
-              </a:rPr>
-              <a:t>выбросов</a:t>
-            </a:r>
-            <a:r>
-              <a:rPr sz="2200" b="1" spc="-25" dirty="0">
-                <a:solidFill>
-                  <a:srgbClr val="353147"/>
-                </a:solidFill>
-                <a:latin typeface="Verdana"/>
-                <a:cs typeface="Verdana"/>
-              </a:rPr>
-              <a:t> </a:t>
-            </a:r>
-            <a:r>
-              <a:rPr sz="2200" b="1" dirty="0">
-                <a:solidFill>
-                  <a:srgbClr val="353147"/>
-                </a:solidFill>
-                <a:latin typeface="Verdana"/>
-                <a:cs typeface="Verdana"/>
-              </a:rPr>
-              <a:t>с</a:t>
-            </a:r>
-            <a:r>
-              <a:rPr sz="2200" b="1" spc="-25" dirty="0">
-                <a:solidFill>
-                  <a:srgbClr val="353147"/>
-                </a:solidFill>
-                <a:latin typeface="Verdana"/>
-                <a:cs typeface="Verdana"/>
-              </a:rPr>
-              <a:t> </a:t>
-            </a:r>
-            <a:r>
-              <a:rPr sz="2200" b="1" spc="-5" dirty="0">
-                <a:solidFill>
-                  <a:srgbClr val="353147"/>
-                </a:solidFill>
-                <a:latin typeface="Verdana"/>
-                <a:cs typeface="Verdana"/>
-              </a:rPr>
-              <a:t>помощью</a:t>
-            </a:r>
-            <a:r>
-              <a:rPr sz="2200" b="1" spc="-25" dirty="0">
-                <a:solidFill>
-                  <a:srgbClr val="353147"/>
-                </a:solidFill>
-                <a:latin typeface="Verdana"/>
-                <a:cs typeface="Verdana"/>
-              </a:rPr>
-              <a:t> </a:t>
-            </a:r>
-            <a:r>
-              <a:rPr sz="2200" b="1" spc="-5" dirty="0">
-                <a:solidFill>
-                  <a:srgbClr val="353147"/>
-                </a:solidFill>
-                <a:latin typeface="Verdana"/>
-                <a:cs typeface="Verdana"/>
-              </a:rPr>
-              <a:t>кластеризации</a:t>
-            </a:r>
-            <a:endParaRPr sz="2200" dirty="0">
-              <a:latin typeface="Verdana"/>
-              <a:cs typeface="Verdana"/>
-            </a:endParaRPr>
-          </a:p>
-          <a:p>
-            <a:pPr marL="12700" marR="3536315">
+              <a:rPr sz="2800" spc="-5" dirty="0"/>
+              <a:t>Геометрические</a:t>
+            </a:r>
+            <a:r>
+              <a:rPr sz="2800" spc="-85" dirty="0"/>
+              <a:t> </a:t>
+            </a:r>
+            <a:r>
+              <a:rPr sz="2800" spc="-5" dirty="0"/>
+              <a:t>методы</a:t>
+            </a:r>
+            <a:endParaRPr sz="2800"/>
+          </a:p>
+        </p:txBody>
+      </p:sp>
+      <p:sp>
+        <p:nvSpPr>
+          <p:cNvPr id="3" name="object 3"/>
+          <p:cNvSpPr txBox="1"/>
+          <p:nvPr/>
+        </p:nvSpPr>
+        <p:spPr>
+          <a:xfrm>
+            <a:off x="358745" y="1073806"/>
+            <a:ext cx="3738245" cy="3027680"/>
+          </a:xfrm>
+          <a:prstGeom prst="rect">
+            <a:avLst/>
+          </a:prstGeom>
+        </p:spPr>
+        <p:txBody>
+          <a:bodyPr vert="horz" wrap="square" lIns="0" tIns="24765" rIns="0" bIns="0" rtlCol="0">
+            <a:spAutoFit/>
+          </a:bodyPr>
+          <a:lstStyle/>
+          <a:p>
+            <a:pPr marL="12700" marR="5080">
               <a:lnSpc>
                 <a:spcPts val="2630"/>
               </a:lnSpc>
               <a:spcBef>
-                <a:spcPts val="2085"/>
+                <a:spcPts val="195"/>
               </a:spcBef>
             </a:pPr>
             <a:r>
@@ -13983,7 +11854,7 @@
                 <a:latin typeface="Verdana"/>
                 <a:cs typeface="Verdana"/>
               </a:rPr>
-              <a:t>Можно запустить </a:t>
+              <a:t>Можно вычислить </a:t>
             </a:r>
             <a:r>
               <a:rPr sz="2200" dirty="0">
@@ -14003,27 +11874,107 @@
                 <a:latin typeface="Verdana"/>
                 <a:cs typeface="Verdana"/>
               </a:rPr>
-              <a:t>алгоритм</a:t>
-            </a:r>
-            <a:r>
-              <a:rPr sz="2200" spc="-95" dirty="0">
-                <a:solidFill>
-                  <a:srgbClr val="595959"/>
-                </a:solidFill>
-                <a:latin typeface="Verdana"/>
-                <a:cs typeface="Verdana"/>
-              </a:rPr>
-              <a:t> </a:t>
-            </a:r>
-            <a:r>
-              <a:rPr sz="2200" spc="-5" dirty="0">
-                <a:solidFill>
-                  <a:srgbClr val="595959"/>
-                </a:solidFill>
-                <a:latin typeface="Verdana"/>
-                <a:cs typeface="Verdana"/>
-              </a:rPr>
-              <a:t>кластеризации </a:t>
+              <a:t>выпуклую оболочку </a:t>
+            </a:r>
+            <a:r>
+              <a:rPr sz="2200" dirty="0">
+                <a:solidFill>
+                  <a:srgbClr val="595959"/>
+                </a:solidFill>
+                <a:latin typeface="Verdana"/>
+                <a:cs typeface="Verdana"/>
+              </a:rPr>
+              <a:t> </a:t>
+            </a:r>
+            <a:r>
+              <a:rPr sz="2200" spc="-5" dirty="0">
+                <a:solidFill>
+                  <a:srgbClr val="595959"/>
+                </a:solidFill>
+                <a:latin typeface="Verdana"/>
+                <a:cs typeface="Verdana"/>
+              </a:rPr>
+              <a:t>объектов</a:t>
+            </a:r>
+            <a:r>
+              <a:rPr sz="2200" spc="-35" dirty="0">
+                <a:solidFill>
+                  <a:srgbClr val="595959"/>
+                </a:solidFill>
+                <a:latin typeface="Verdana"/>
+                <a:cs typeface="Verdana"/>
+              </a:rPr>
+              <a:t> </a:t>
+            </a:r>
+            <a:r>
+              <a:rPr sz="2200" spc="-5" dirty="0">
+                <a:solidFill>
+                  <a:srgbClr val="595959"/>
+                </a:solidFill>
+                <a:latin typeface="Verdana"/>
+                <a:cs typeface="Verdana"/>
+              </a:rPr>
+              <a:t>(как</a:t>
+            </a:r>
+            <a:r>
+              <a:rPr sz="2200" spc="-25" dirty="0">
+                <a:solidFill>
+                  <a:srgbClr val="595959"/>
+                </a:solidFill>
+                <a:latin typeface="Verdana"/>
+                <a:cs typeface="Verdana"/>
+              </a:rPr>
+              <a:t> </a:t>
+            </a:r>
+            <a:r>
+              <a:rPr sz="2200" spc="-5" dirty="0">
+                <a:solidFill>
+                  <a:srgbClr val="595959"/>
+                </a:solidFill>
+                <a:latin typeface="Verdana"/>
+                <a:cs typeface="Verdana"/>
+              </a:rPr>
+              <a:t>точек</a:t>
+            </a:r>
+            <a:r>
+              <a:rPr sz="2200" spc="-25" dirty="0">
+                <a:solidFill>
+                  <a:srgbClr val="595959"/>
+                </a:solidFill>
+                <a:latin typeface="Verdana"/>
+                <a:cs typeface="Verdana"/>
+              </a:rPr>
+              <a:t> </a:t>
+            </a:r>
+            <a:r>
+              <a:rPr sz="2200" dirty="0">
+                <a:solidFill>
+                  <a:srgbClr val="595959"/>
+                </a:solidFill>
+                <a:latin typeface="Verdana"/>
+                <a:cs typeface="Verdana"/>
+              </a:rPr>
+              <a:t>в</a:t>
+            </a:r>
+            <a:r>
+              <a:rPr sz="2200" spc="-25" dirty="0">
+                <a:solidFill>
+                  <a:srgbClr val="595959"/>
+                </a:solidFill>
+                <a:latin typeface="Verdana"/>
+                <a:cs typeface="Verdana"/>
+              </a:rPr>
+              <a:t> </a:t>
+            </a:r>
+            <a:r>
+              <a:rPr sz="2200" spc="-5" dirty="0">
+                <a:solidFill>
+                  <a:srgbClr val="595959"/>
+                </a:solidFill>
+                <a:latin typeface="Verdana"/>
+                <a:cs typeface="Verdana"/>
+              </a:rPr>
+              <a:t>m- </a:t>
             </a:r>
             <a:r>
               <a:rPr sz="2200" spc="-760" dirty="0">
@@ -14043,119 +11994,29 @@
                 <a:latin typeface="Verdana"/>
                 <a:cs typeface="Verdana"/>
               </a:rPr>
-              <a:t>(подробности </a:t>
-            </a:r>
-            <a:r>
-              <a:rPr sz="2200" dirty="0">
-                <a:solidFill>
-                  <a:srgbClr val="595959"/>
-                </a:solidFill>
-                <a:latin typeface="Verdana"/>
-                <a:cs typeface="Verdana"/>
-              </a:rPr>
-              <a:t>в </a:t>
-            </a:r>
-            <a:r>
-              <a:rPr sz="2200" spc="-5" dirty="0">
-                <a:solidFill>
-                  <a:srgbClr val="595959"/>
-                </a:solidFill>
-                <a:latin typeface="Verdana"/>
-                <a:cs typeface="Verdana"/>
-              </a:rPr>
-              <a:t>след. </a:t>
-            </a:r>
-            <a:r>
-              <a:rPr sz="2200" dirty="0">
-                <a:solidFill>
-                  <a:srgbClr val="595959"/>
-                </a:solidFill>
-                <a:latin typeface="Verdana"/>
-                <a:cs typeface="Verdana"/>
-              </a:rPr>
-              <a:t> </a:t>
-            </a:r>
-            <a:r>
-              <a:rPr lang="ru-RU" sz="2200" spc="-5" dirty="0">
-                <a:solidFill>
-                  <a:srgbClr val="595959"/>
-                </a:solidFill>
-                <a:latin typeface="Verdana"/>
-                <a:cs typeface="Verdana"/>
-              </a:rPr>
-              <a:t>презентации</a:t>
-            </a:r>
-            <a:r>
-              <a:rPr sz="2200" spc="-5" dirty="0">
-                <a:solidFill>
-                  <a:srgbClr val="595959"/>
-                </a:solidFill>
-                <a:latin typeface="Verdana"/>
-                <a:cs typeface="Verdana"/>
-              </a:rPr>
-              <a:t>). Он разобьет </a:t>
-            </a:r>
-            <a:r>
-              <a:rPr sz="2200" dirty="0">
-                <a:solidFill>
-                  <a:srgbClr val="595959"/>
-                </a:solidFill>
-                <a:latin typeface="Verdana"/>
-                <a:cs typeface="Verdana"/>
-              </a:rPr>
-              <a:t> </a:t>
-            </a:r>
-            <a:r>
-              <a:rPr sz="2200" spc="-5" dirty="0">
-                <a:solidFill>
-                  <a:srgbClr val="595959"/>
-                </a:solidFill>
-                <a:latin typeface="Verdana"/>
-                <a:cs typeface="Verdana"/>
-              </a:rPr>
-              <a:t>объекты</a:t>
-            </a:r>
-            <a:r>
-              <a:rPr sz="2200" spc="-20" dirty="0">
-                <a:solidFill>
-                  <a:srgbClr val="595959"/>
-                </a:solidFill>
-                <a:latin typeface="Verdana"/>
-                <a:cs typeface="Verdana"/>
-              </a:rPr>
-              <a:t> </a:t>
-            </a:r>
-            <a:r>
-              <a:rPr sz="2200" spc="-5" dirty="0">
-                <a:solidFill>
-                  <a:srgbClr val="595959"/>
-                </a:solidFill>
-                <a:latin typeface="Verdana"/>
-                <a:cs typeface="Verdana"/>
-              </a:rPr>
-              <a:t>на</a:t>
-            </a:r>
-            <a:r>
-              <a:rPr sz="2200" spc="-15" dirty="0">
-                <a:solidFill>
-                  <a:srgbClr val="595959"/>
-                </a:solidFill>
-                <a:latin typeface="Verdana"/>
-                <a:cs typeface="Verdana"/>
-              </a:rPr>
-              <a:t> </a:t>
-            </a:r>
-            <a:r>
-              <a:rPr sz="2200" spc="-5" dirty="0">
-                <a:solidFill>
-                  <a:srgbClr val="595959"/>
-                </a:solidFill>
-                <a:latin typeface="Verdana"/>
-                <a:cs typeface="Verdana"/>
-              </a:rPr>
-              <a:t>группы.</a:t>
-            </a:r>
-            <a:endParaRPr sz="2200" dirty="0">
+              <a:t>мерном</a:t>
+            </a:r>
+            <a:r>
+              <a:rPr sz="2200" spc="-25" dirty="0">
+                <a:solidFill>
+                  <a:srgbClr val="595959"/>
+                </a:solidFill>
+                <a:latin typeface="Verdana"/>
+                <a:cs typeface="Verdana"/>
+              </a:rPr>
+              <a:t> </a:t>
+            </a:r>
+            <a:r>
+              <a:rPr sz="2200" spc="-5" dirty="0">
+                <a:solidFill>
+                  <a:srgbClr val="595959"/>
+                </a:solidFill>
+                <a:latin typeface="Verdana"/>
+                <a:cs typeface="Verdana"/>
+              </a:rPr>
+              <a:t>пространстве).</a:t>
+            </a:r>
+            <a:endParaRPr sz="2200">
               <a:latin typeface="Verdana"/>
               <a:cs typeface="Verdana"/>
             </a:endParaRPr>
@@ -14163,7 +12024,7 @@
           <a:p>
             <a:pPr marL="12700">
               <a:lnSpc>
-                <a:spcPts val="2510"/>
+                <a:spcPts val="2515"/>
               </a:lnSpc>
             </a:pPr>
             <a:r>
@@ -14174,75 +12035,35 @@
                 <a:latin typeface="Verdana"/>
                 <a:cs typeface="Verdana"/>
               </a:rPr>
-              <a:t>Выбросы</a:t>
-            </a:r>
-            <a:r>
-              <a:rPr sz="2200" spc="-30" dirty="0">
-                <a:solidFill>
-                  <a:srgbClr val="595959"/>
-                </a:solidFill>
-                <a:latin typeface="Verdana"/>
-                <a:cs typeface="Verdana"/>
-              </a:rPr>
-              <a:t> </a:t>
-            </a:r>
-            <a:r>
-              <a:rPr sz="2200" dirty="0">
-                <a:solidFill>
-                  <a:srgbClr val="595959"/>
-                </a:solidFill>
-                <a:latin typeface="Verdana"/>
-                <a:cs typeface="Verdana"/>
-              </a:rPr>
-              <a:t>–</a:t>
-            </a:r>
-            <a:r>
-              <a:rPr sz="2200" spc="-30" dirty="0">
-                <a:solidFill>
-                  <a:srgbClr val="595959"/>
-                </a:solidFill>
-                <a:latin typeface="Verdana"/>
-                <a:cs typeface="Verdana"/>
-              </a:rPr>
-              <a:t> </a:t>
-            </a:r>
-            <a:r>
-              <a:rPr sz="2200" spc="-5" dirty="0">
-                <a:solidFill>
-                  <a:srgbClr val="595959"/>
-                </a:solidFill>
-                <a:latin typeface="Verdana"/>
-                <a:cs typeface="Verdana"/>
-              </a:rPr>
-              <a:t>это</a:t>
-            </a:r>
-            <a:r>
-              <a:rPr sz="2200" spc="-30" dirty="0">
-                <a:solidFill>
-                  <a:srgbClr val="595959"/>
-                </a:solidFill>
-                <a:latin typeface="Verdana"/>
-                <a:cs typeface="Verdana"/>
-              </a:rPr>
-              <a:t> </a:t>
-            </a:r>
-            <a:r>
-              <a:rPr sz="2200" spc="-5" dirty="0">
-                <a:solidFill>
-                  <a:srgbClr val="595959"/>
-                </a:solidFill>
-                <a:latin typeface="Verdana"/>
-                <a:cs typeface="Verdana"/>
-              </a:rPr>
-              <a:t>элементы</a:t>
-            </a:r>
-            <a:endParaRPr sz="2200" dirty="0">
+              <a:t>Выбросами</a:t>
+            </a:r>
+            <a:r>
+              <a:rPr sz="2200" spc="-55" dirty="0">
+                <a:solidFill>
+                  <a:srgbClr val="595959"/>
+                </a:solidFill>
+                <a:latin typeface="Verdana"/>
+                <a:cs typeface="Verdana"/>
+              </a:rPr>
+              <a:t> </a:t>
+            </a:r>
+            <a:r>
+              <a:rPr sz="2200" spc="-5" dirty="0">
+                <a:solidFill>
+                  <a:srgbClr val="595959"/>
+                </a:solidFill>
+                <a:latin typeface="Verdana"/>
+                <a:cs typeface="Verdana"/>
+              </a:rPr>
+              <a:t>будут</a:t>
+            </a:r>
+            <a:endParaRPr sz="2200">
               <a:latin typeface="Verdana"/>
               <a:cs typeface="Verdana"/>
             </a:endParaRPr>
           </a:p>
           <a:p>
-            <a:pPr marL="12700" marR="3547745">
+            <a:pPr marL="12700" marR="88900">
               <a:lnSpc>
                 <a:spcPts val="2630"/>
               </a:lnSpc>
@@ -14258,7 +12079,87 @@
                 <a:latin typeface="Verdana"/>
                 <a:cs typeface="Verdana"/>
               </a:rPr>
-              <a:t>малых (в том числе </a:t>
+              <a:t>объекты</a:t>
+            </a:r>
+            <a:r>
+              <a:rPr sz="2200" spc="-40" dirty="0">
+                <a:solidFill>
+                  <a:srgbClr val="595959"/>
+                </a:solidFill>
+                <a:latin typeface="Verdana"/>
+                <a:cs typeface="Verdana"/>
+              </a:rPr>
+              <a:t> </a:t>
+            </a:r>
+            <a:r>
+              <a:rPr sz="2200" spc="-5" dirty="0">
+                <a:solidFill>
+                  <a:srgbClr val="595959"/>
+                </a:solidFill>
+                <a:latin typeface="Verdana"/>
+                <a:cs typeface="Verdana"/>
+              </a:rPr>
+              <a:t>на</a:t>
+            </a:r>
+            <a:r>
+              <a:rPr sz="2200" spc="-30" dirty="0">
+                <a:solidFill>
+                  <a:srgbClr val="595959"/>
+                </a:solidFill>
+                <a:latin typeface="Verdana"/>
+                <a:cs typeface="Verdana"/>
+              </a:rPr>
+              <a:t> </a:t>
+            </a:r>
+            <a:r>
+              <a:rPr sz="2200" spc="-5" dirty="0">
+                <a:solidFill>
+                  <a:srgbClr val="595959"/>
+                </a:solidFill>
+                <a:latin typeface="Verdana"/>
+                <a:cs typeface="Verdana"/>
+              </a:rPr>
+              <a:t>границе.</a:t>
+            </a:r>
+            <a:r>
+              <a:rPr sz="2200" spc="-35" dirty="0">
+                <a:solidFill>
+                  <a:srgbClr val="595959"/>
+                </a:solidFill>
+                <a:latin typeface="Verdana"/>
+                <a:cs typeface="Verdana"/>
+              </a:rPr>
+              <a:t> </a:t>
+            </a:r>
+            <a:r>
+              <a:rPr sz="2200" spc="-5" dirty="0">
+                <a:solidFill>
+                  <a:srgbClr val="595959"/>
+                </a:solidFill>
+                <a:latin typeface="Verdana"/>
+                <a:cs typeface="Verdana"/>
+              </a:rPr>
+              <a:t>(Их </a:t>
+            </a:r>
+            <a:r>
+              <a:rPr sz="2200" spc="-760" dirty="0">
+                <a:solidFill>
+                  <a:srgbClr val="595959"/>
+                </a:solidFill>
+                <a:latin typeface="Verdana"/>
+                <a:cs typeface="Verdana"/>
+              </a:rPr>
+              <a:t> </a:t>
+            </a:r>
+            <a:r>
+              <a:rPr sz="2200" spc="-5" dirty="0">
+                <a:solidFill>
+                  <a:srgbClr val="595959"/>
+                </a:solidFill>
+                <a:latin typeface="Verdana"/>
+                <a:cs typeface="Verdana"/>
+              </a:rPr>
+              <a:t>можно удалить, </a:t>
             </a:r>
             <a:r>
               <a:rPr sz="2200" dirty="0">
@@ -14268,7 +12169,7 @@
                 <a:latin typeface="Verdana"/>
                 <a:cs typeface="Verdana"/>
               </a:rPr>
-              <a:t>и </a:t>
+              <a:t>а </a:t>
             </a:r>
             <a:r>
               <a:rPr sz="2200" spc="5" dirty="0">
@@ -14288,29 +12189,69 @@
                 <a:latin typeface="Verdana"/>
                 <a:cs typeface="Verdana"/>
               </a:rPr>
-              <a:t>одноэлементных)</a:t>
-            </a:r>
-            <a:r>
-              <a:rPr sz="2200" spc="-100" dirty="0">
-                <a:solidFill>
-                  <a:srgbClr val="595959"/>
-                </a:solidFill>
-                <a:latin typeface="Verdana"/>
-                <a:cs typeface="Verdana"/>
-              </a:rPr>
-              <a:t> </a:t>
-            </a:r>
-            <a:r>
-              <a:rPr sz="2200" spc="-5" dirty="0">
-                <a:solidFill>
-                  <a:srgbClr val="595959"/>
-                </a:solidFill>
-                <a:latin typeface="Verdana"/>
-                <a:cs typeface="Verdana"/>
-              </a:rPr>
-              <a:t>групп.</a:t>
-            </a:r>
-            <a:endParaRPr sz="2200" dirty="0">
+              <a:t>процедуру повторить </a:t>
+            </a:r>
+            <a:r>
+              <a:rPr sz="2200" dirty="0">
+                <a:solidFill>
+                  <a:srgbClr val="595959"/>
+                </a:solidFill>
+                <a:latin typeface="Verdana"/>
+                <a:cs typeface="Verdana"/>
+              </a:rPr>
+              <a:t> </a:t>
+            </a:r>
+            <a:r>
+              <a:rPr sz="2200" spc="-5" dirty="0">
+                <a:solidFill>
+                  <a:srgbClr val="595959"/>
+                </a:solidFill>
+                <a:latin typeface="Verdana"/>
+                <a:cs typeface="Verdana"/>
+              </a:rPr>
+              <a:t>еще</a:t>
+            </a:r>
+            <a:r>
+              <a:rPr sz="2200" spc="-20" dirty="0">
+                <a:solidFill>
+                  <a:srgbClr val="595959"/>
+                </a:solidFill>
+                <a:latin typeface="Verdana"/>
+                <a:cs typeface="Verdana"/>
+              </a:rPr>
+              <a:t> </a:t>
+            </a:r>
+            <a:r>
+              <a:rPr sz="2200" spc="-5" dirty="0">
+                <a:solidFill>
+                  <a:srgbClr val="595959"/>
+                </a:solidFill>
+                <a:latin typeface="Verdana"/>
+                <a:cs typeface="Verdana"/>
+              </a:rPr>
+              <a:t>несколько</a:t>
+            </a:r>
+            <a:r>
+              <a:rPr sz="2200" spc="-15" dirty="0">
+                <a:solidFill>
+                  <a:srgbClr val="595959"/>
+                </a:solidFill>
+                <a:latin typeface="Verdana"/>
+                <a:cs typeface="Verdana"/>
+              </a:rPr>
+              <a:t> </a:t>
+            </a:r>
+            <a:r>
+              <a:rPr sz="2200" spc="-5" dirty="0">
+                <a:solidFill>
+                  <a:srgbClr val="595959"/>
+                </a:solidFill>
+                <a:latin typeface="Verdana"/>
+                <a:cs typeface="Verdana"/>
+              </a:rPr>
+              <a:t>раз).</a:t>
+            </a:r>
+            <a:endParaRPr sz="2200">
               <a:latin typeface="Verdana"/>
               <a:cs typeface="Verdana"/>
             </a:endParaRPr>
@@ -14319,7 +12260,7 @@
       </p:sp>
       <p:pic>
         <p:nvPicPr>
-          <p:cNvPr id="3" name="object 3"/>
+          <p:cNvPr id="4" name="object 4"/>
           <p:cNvPicPr/>
           <p:nvPr/>
         </p:nvPicPr>
@@ -14331,8 +12272,8 @@
         </p:blipFill>
         <p:spPr>
           <a:xfrm>
-            <a:off x="4038600" y="843558"/>
-            <a:ext cx="5085318" cy="3587513"/>
+            <a:off x="4095045" y="1279788"/>
+            <a:ext cx="5020680" cy="3428564"/>
           </a:xfrm>
           <a:prstGeom prst="rect">
             <a:avLst/>
@@ -14372,76 +12313,310 @@
         </p:nvSpPr>
         <p:spPr>
           <a:xfrm>
-            <a:off x="193996" y="485561"/>
-            <a:ext cx="8185150" cy="3498850"/>
+            <a:off x="358745" y="485561"/>
+            <a:ext cx="7141209" cy="3621504"/>
           </a:xfrm>
           <a:prstGeom prst="rect">
             <a:avLst/>
           </a:prstGeom>
         </p:spPr>
         <p:txBody>
-          <a:bodyPr vert="horz" wrap="square" lIns="0" tIns="24765" rIns="0" bIns="0" rtlCol="0">
+          <a:bodyPr vert="horz" wrap="square" lIns="0" tIns="12700" rIns="0" bIns="0" rtlCol="0">
             <a:spAutoFit/>
           </a:bodyPr>
           <a:lstStyle/>
           <a:p>
-            <a:pPr marL="203200" marR="1922145">
+            <a:pPr marL="38100">
+              <a:lnSpc>
+                <a:spcPct val="100000"/>
+              </a:lnSpc>
+              <a:spcBef>
+                <a:spcPts val="100"/>
+              </a:spcBef>
+            </a:pPr>
+            <a:r>
+              <a:rPr sz="2200" b="1" spc="-5" dirty="0">
+                <a:solidFill>
+                  <a:srgbClr val="353147"/>
+                </a:solidFill>
+                <a:latin typeface="Verdana"/>
+                <a:cs typeface="Verdana"/>
+              </a:rPr>
+              <a:t>Поиск</a:t>
+            </a:r>
+            <a:r>
+              <a:rPr sz="2200" b="1" spc="-25" dirty="0">
+                <a:solidFill>
+                  <a:srgbClr val="353147"/>
+                </a:solidFill>
+                <a:latin typeface="Verdana"/>
+                <a:cs typeface="Verdana"/>
+              </a:rPr>
+              <a:t> </a:t>
+            </a:r>
+            <a:r>
+              <a:rPr sz="2200" b="1" spc="-5" dirty="0">
+                <a:solidFill>
+                  <a:srgbClr val="353147"/>
+                </a:solidFill>
+                <a:latin typeface="Verdana"/>
+                <a:cs typeface="Verdana"/>
+              </a:rPr>
+              <a:t>выбросов</a:t>
+            </a:r>
+            <a:r>
+              <a:rPr sz="2200" b="1" spc="-25" dirty="0">
+                <a:solidFill>
+                  <a:srgbClr val="353147"/>
+                </a:solidFill>
+                <a:latin typeface="Verdana"/>
+                <a:cs typeface="Verdana"/>
+              </a:rPr>
+              <a:t> </a:t>
+            </a:r>
+            <a:r>
+              <a:rPr sz="2200" b="1" dirty="0">
+                <a:solidFill>
+                  <a:srgbClr val="353147"/>
+                </a:solidFill>
+                <a:latin typeface="Verdana"/>
+                <a:cs typeface="Verdana"/>
+              </a:rPr>
+              <a:t>с</a:t>
+            </a:r>
+            <a:r>
+              <a:rPr sz="2200" b="1" spc="-25" dirty="0">
+                <a:solidFill>
+                  <a:srgbClr val="353147"/>
+                </a:solidFill>
+                <a:latin typeface="Verdana"/>
+                <a:cs typeface="Verdana"/>
+              </a:rPr>
+              <a:t> </a:t>
+            </a:r>
+            <a:r>
+              <a:rPr sz="2200" b="1" spc="-5" dirty="0">
+                <a:solidFill>
+                  <a:srgbClr val="353147"/>
+                </a:solidFill>
+                <a:latin typeface="Verdana"/>
+                <a:cs typeface="Verdana"/>
+              </a:rPr>
+              <a:t>помощью</a:t>
+            </a:r>
+            <a:r>
+              <a:rPr sz="2200" b="1" spc="-25" dirty="0">
+                <a:solidFill>
+                  <a:srgbClr val="353147"/>
+                </a:solidFill>
+                <a:latin typeface="Verdana"/>
+                <a:cs typeface="Verdana"/>
+              </a:rPr>
+              <a:t> </a:t>
+            </a:r>
+            <a:r>
+              <a:rPr sz="2200" b="1" spc="-5" dirty="0">
+                <a:solidFill>
+                  <a:srgbClr val="353147"/>
+                </a:solidFill>
+                <a:latin typeface="Verdana"/>
+                <a:cs typeface="Verdana"/>
+              </a:rPr>
+              <a:t>кластеризации</a:t>
+            </a:r>
+            <a:endParaRPr sz="2200" dirty="0">
+              <a:latin typeface="Verdana"/>
+              <a:cs typeface="Verdana"/>
+            </a:endParaRPr>
+          </a:p>
+          <a:p>
+            <a:pPr marL="12700" marR="3536315">
               <a:lnSpc>
                 <a:spcPts val="2630"/>
               </a:lnSpc>
               <a:spcBef>
-                <a:spcPts val="195"/>
+                <a:spcPts val="2085"/>
               </a:spcBef>
             </a:pPr>
             <a:r>
-              <a:rPr sz="2200" b="1" spc="-5" dirty="0">
-                <a:solidFill>
-                  <a:srgbClr val="353147"/>
-                </a:solidFill>
-                <a:latin typeface="Verdana"/>
-                <a:cs typeface="Verdana"/>
-              </a:rPr>
-              <a:t>Поиск выбросов </a:t>
-            </a:r>
-            <a:r>
-              <a:rPr sz="2200" b="1" dirty="0">
-                <a:solidFill>
-                  <a:srgbClr val="353147"/>
-                </a:solidFill>
-                <a:latin typeface="Verdana"/>
-                <a:cs typeface="Verdana"/>
-              </a:rPr>
-              <a:t>с </a:t>
-            </a:r>
-            <a:r>
-              <a:rPr sz="2200" b="1" spc="-5" dirty="0">
-                <a:solidFill>
-                  <a:srgbClr val="353147"/>
-                </a:solidFill>
-                <a:latin typeface="Verdana"/>
-                <a:cs typeface="Verdana"/>
-              </a:rPr>
-              <a:t>помощью моделей </a:t>
-            </a:r>
-            <a:r>
-              <a:rPr sz="2200" b="1" spc="-745" dirty="0">
-                <a:solidFill>
-                  <a:srgbClr val="353147"/>
-                </a:solidFill>
-                <a:latin typeface="Verdana"/>
-                <a:cs typeface="Verdana"/>
-              </a:rPr>
-              <a:t> </a:t>
-            </a:r>
-            <a:r>
-              <a:rPr sz="2200" b="1" spc="-5" dirty="0">
-                <a:solidFill>
-                  <a:srgbClr val="353147"/>
-                </a:solidFill>
-                <a:latin typeface="Verdana"/>
-                <a:cs typeface="Verdana"/>
-              </a:rPr>
-              <a:t>предсказания</a:t>
+              <a:rPr sz="2200" spc="-5" dirty="0">
+                <a:solidFill>
+                  <a:srgbClr val="595959"/>
+                </a:solidFill>
+                <a:latin typeface="Verdana"/>
+                <a:cs typeface="Verdana"/>
+              </a:rPr>
+              <a:t>Можно запустить </a:t>
+            </a:r>
+            <a:r>
+              <a:rPr sz="2200" dirty="0">
+                <a:solidFill>
+                  <a:srgbClr val="595959"/>
+                </a:solidFill>
+                <a:latin typeface="Verdana"/>
+                <a:cs typeface="Verdana"/>
+              </a:rPr>
+              <a:t> </a:t>
+            </a:r>
+            <a:r>
+              <a:rPr sz="2200" spc="-5" dirty="0">
+                <a:solidFill>
+                  <a:srgbClr val="595959"/>
+                </a:solidFill>
+                <a:latin typeface="Verdana"/>
+                <a:cs typeface="Verdana"/>
+              </a:rPr>
+              <a:t>алгоритм</a:t>
+            </a:r>
+            <a:r>
+              <a:rPr sz="2200" spc="-95" dirty="0">
+                <a:solidFill>
+                  <a:srgbClr val="595959"/>
+                </a:solidFill>
+                <a:latin typeface="Verdana"/>
+                <a:cs typeface="Verdana"/>
+              </a:rPr>
+              <a:t> </a:t>
+            </a:r>
+            <a:r>
+              <a:rPr sz="2200" spc="-5" dirty="0">
+                <a:solidFill>
+                  <a:srgbClr val="595959"/>
+                </a:solidFill>
+                <a:latin typeface="Verdana"/>
+                <a:cs typeface="Verdana"/>
+              </a:rPr>
+              <a:t>кластеризации </a:t>
+            </a:r>
+            <a:r>
+              <a:rPr sz="2200" spc="-760" dirty="0">
+                <a:solidFill>
+                  <a:srgbClr val="595959"/>
+                </a:solidFill>
+                <a:latin typeface="Verdana"/>
+                <a:cs typeface="Verdana"/>
+              </a:rPr>
+              <a:t> </a:t>
+            </a:r>
+            <a:r>
+              <a:rPr sz="2200" spc="-5" dirty="0">
+                <a:solidFill>
+                  <a:srgbClr val="595959"/>
+                </a:solidFill>
+                <a:latin typeface="Verdana"/>
+                <a:cs typeface="Verdana"/>
+              </a:rPr>
+              <a:t>(подробности </a:t>
+            </a:r>
+            <a:r>
+              <a:rPr sz="2200" dirty="0">
+                <a:solidFill>
+                  <a:srgbClr val="595959"/>
+                </a:solidFill>
+                <a:latin typeface="Verdana"/>
+                <a:cs typeface="Verdana"/>
+              </a:rPr>
+              <a:t>в </a:t>
+            </a:r>
+            <a:r>
+              <a:rPr sz="2200" spc="-5" dirty="0">
+                <a:solidFill>
+                  <a:srgbClr val="595959"/>
+                </a:solidFill>
+                <a:latin typeface="Verdana"/>
+                <a:cs typeface="Verdana"/>
+              </a:rPr>
+              <a:t>след. </a:t>
+            </a:r>
+            <a:r>
+              <a:rPr sz="2200" dirty="0">
+                <a:solidFill>
+                  <a:srgbClr val="595959"/>
+                </a:solidFill>
+                <a:latin typeface="Verdana"/>
+                <a:cs typeface="Verdana"/>
+              </a:rPr>
+              <a:t> </a:t>
+            </a:r>
+            <a:r>
+              <a:rPr lang="ru-RU" sz="2200" spc="-5" dirty="0">
+                <a:solidFill>
+                  <a:srgbClr val="595959"/>
+                </a:solidFill>
+                <a:latin typeface="Verdana"/>
+                <a:cs typeface="Verdana"/>
+              </a:rPr>
+              <a:t>презентации</a:t>
+            </a:r>
+            <a:r>
+              <a:rPr sz="2200" spc="-5" dirty="0">
+                <a:solidFill>
+                  <a:srgbClr val="595959"/>
+                </a:solidFill>
+                <a:latin typeface="Verdana"/>
+                <a:cs typeface="Verdana"/>
+              </a:rPr>
+              <a:t>). Он разобьет </a:t>
+            </a:r>
+            <a:r>
+              <a:rPr sz="2200" dirty="0">
+                <a:solidFill>
+                  <a:srgbClr val="595959"/>
+                </a:solidFill>
+                <a:latin typeface="Verdana"/>
+                <a:cs typeface="Verdana"/>
+              </a:rPr>
+              <a:t> </a:t>
+            </a:r>
+            <a:r>
+              <a:rPr sz="2200" spc="-5" dirty="0">
+                <a:solidFill>
+                  <a:srgbClr val="595959"/>
+                </a:solidFill>
+                <a:latin typeface="Verdana"/>
+                <a:cs typeface="Verdana"/>
+              </a:rPr>
+              <a:t>объекты</a:t>
+            </a:r>
+            <a:r>
+              <a:rPr sz="2200" spc="-20" dirty="0">
+                <a:solidFill>
+                  <a:srgbClr val="595959"/>
+                </a:solidFill>
+                <a:latin typeface="Verdana"/>
+                <a:cs typeface="Verdana"/>
+              </a:rPr>
+              <a:t> </a:t>
+            </a:r>
+            <a:r>
+              <a:rPr sz="2200" spc="-5" dirty="0">
+                <a:solidFill>
+                  <a:srgbClr val="595959"/>
+                </a:solidFill>
+                <a:latin typeface="Verdana"/>
+                <a:cs typeface="Verdana"/>
+              </a:rPr>
+              <a:t>на</a:t>
+            </a:r>
+            <a:r>
+              <a:rPr sz="2200" spc="-15" dirty="0">
+                <a:solidFill>
+                  <a:srgbClr val="595959"/>
+                </a:solidFill>
+                <a:latin typeface="Verdana"/>
+                <a:cs typeface="Verdana"/>
+              </a:rPr>
+              <a:t> </a:t>
+            </a:r>
+            <a:r>
+              <a:rPr sz="2200" spc="-5" dirty="0">
+                <a:solidFill>
+                  <a:srgbClr val="595959"/>
+                </a:solidFill>
+                <a:latin typeface="Verdana"/>
+                <a:cs typeface="Verdana"/>
+              </a:rPr>
+              <a:t>группы.</a:t>
             </a:r>
             <a:endParaRPr sz="2200" dirty="0">
               <a:latin typeface="Verdana"/>
@@ -14449,18 +12624,10 @@
             </a:endParaRPr>
           </a:p>
           <a:p>
-            <a:pPr marL="634365" marR="605790" indent="-622300">
+            <a:pPr marL="12700">
               <a:lnSpc>
-                <a:spcPts val="2620"/>
+                <a:spcPts val="2510"/>
               </a:lnSpc>
-              <a:spcBef>
-                <a:spcPts val="1080"/>
-              </a:spcBef>
-              <a:buAutoNum type="arabicParenR"/>
-              <a:tabLst>
-                <a:tab pos="634365" algn="l"/>
-                <a:tab pos="635000" algn="l"/>
-              </a:tabLst>
             </a:pPr>
             <a:r>
               <a:rPr sz="2200" spc="-5" dirty="0">
@@ -14470,87 +12637,67 @@
                 <a:latin typeface="Verdana"/>
                 <a:cs typeface="Verdana"/>
               </a:rPr>
-              <a:t>Некоторые вариации метода опорных векторов </a:t>
-            </a:r>
-            <a:r>
-              <a:rPr sz="2200" spc="-760" dirty="0">
-                <a:solidFill>
-                  <a:srgbClr val="595959"/>
-                </a:solidFill>
-                <a:latin typeface="Verdana"/>
-                <a:cs typeface="Verdana"/>
-              </a:rPr>
-              <a:t> </a:t>
-            </a:r>
-            <a:r>
-              <a:rPr sz="2200" spc="-5" dirty="0">
-                <a:solidFill>
-                  <a:srgbClr val="595959"/>
-                </a:solidFill>
-                <a:latin typeface="Verdana"/>
-                <a:cs typeface="Verdana"/>
-              </a:rPr>
-              <a:t>(SVM)</a:t>
-            </a:r>
-            <a:r>
-              <a:rPr sz="2200" spc="-10" dirty="0">
-                <a:solidFill>
-                  <a:srgbClr val="595959"/>
-                </a:solidFill>
-                <a:latin typeface="Verdana"/>
-                <a:cs typeface="Verdana"/>
-              </a:rPr>
-              <a:t> </a:t>
-            </a:r>
-            <a:r>
-              <a:rPr sz="2200" spc="-5" dirty="0">
-                <a:solidFill>
-                  <a:srgbClr val="595959"/>
-                </a:solidFill>
-                <a:latin typeface="Verdana"/>
-                <a:cs typeface="Verdana"/>
-              </a:rPr>
-              <a:t>позволяют</a:t>
-            </a:r>
-            <a:r>
-              <a:rPr sz="2200" spc="-10" dirty="0">
-                <a:solidFill>
-                  <a:srgbClr val="595959"/>
-                </a:solidFill>
-                <a:latin typeface="Verdana"/>
-                <a:cs typeface="Verdana"/>
-              </a:rPr>
-              <a:t> </a:t>
-            </a:r>
-            <a:r>
-              <a:rPr sz="2200" spc="-5" dirty="0">
-                <a:solidFill>
-                  <a:srgbClr val="595959"/>
-                </a:solidFill>
-                <a:latin typeface="Verdana"/>
-                <a:cs typeface="Verdana"/>
-              </a:rPr>
-              <a:t>находить</a:t>
-            </a:r>
-            <a:r>
-              <a:rPr sz="2200" spc="-10" dirty="0">
-                <a:solidFill>
-                  <a:srgbClr val="595959"/>
-                </a:solidFill>
-                <a:latin typeface="Verdana"/>
-                <a:cs typeface="Verdana"/>
-              </a:rPr>
-              <a:t> </a:t>
-            </a:r>
-            <a:r>
-              <a:rPr sz="2200" spc="-5" dirty="0">
-                <a:solidFill>
-                  <a:srgbClr val="595959"/>
-                </a:solidFill>
-                <a:latin typeface="Verdana"/>
-                <a:cs typeface="Verdana"/>
-              </a:rPr>
-              <a:t>выбросы.</a:t>
+              <a:t>Выбросы</a:t>
+            </a:r>
+            <a:r>
+              <a:rPr sz="2200" spc="-30" dirty="0">
+                <a:solidFill>
+                  <a:srgbClr val="595959"/>
+                </a:solidFill>
+                <a:latin typeface="Verdana"/>
+                <a:cs typeface="Verdana"/>
+              </a:rPr>
+              <a:t> </a:t>
+            </a:r>
+            <a:r>
+              <a:rPr sz="2200" dirty="0">
+                <a:solidFill>
+                  <a:srgbClr val="595959"/>
+                </a:solidFill>
+                <a:latin typeface="Verdana"/>
+                <a:cs typeface="Verdana"/>
+              </a:rPr>
+              <a:t>–</a:t>
+            </a:r>
+            <a:r>
+              <a:rPr sz="2200" spc="-30" dirty="0">
+                <a:solidFill>
+                  <a:srgbClr val="595959"/>
+                </a:solidFill>
+                <a:latin typeface="Verdana"/>
+                <a:cs typeface="Verdana"/>
+              </a:rPr>
+              <a:t> </a:t>
+            </a:r>
+            <a:r>
+              <a:rPr sz="2200" spc="-5" dirty="0">
+                <a:solidFill>
+                  <a:srgbClr val="595959"/>
+                </a:solidFill>
+                <a:latin typeface="Verdana"/>
+                <a:cs typeface="Verdana"/>
+              </a:rPr>
+              <a:t>это</a:t>
+            </a:r>
+            <a:r>
+              <a:rPr sz="2200" spc="-30" dirty="0">
+                <a:solidFill>
+                  <a:srgbClr val="595959"/>
+                </a:solidFill>
+                <a:latin typeface="Verdana"/>
+                <a:cs typeface="Verdana"/>
+              </a:rPr>
+              <a:t> </a:t>
+            </a:r>
+            <a:r>
+              <a:rPr sz="2200" spc="-5" dirty="0">
+                <a:solidFill>
+                  <a:srgbClr val="595959"/>
+                </a:solidFill>
+                <a:latin typeface="Verdana"/>
+                <a:cs typeface="Verdana"/>
+              </a:rPr>
+              <a:t>элементы</a:t>
             </a:r>
             <a:endParaRPr sz="2200" dirty="0">
               <a:latin typeface="Verdana"/>
@@ -14558,15 +12705,13 @@
             </a:endParaRPr>
           </a:p>
           <a:p>
-            <a:pPr marL="634365" marR="118745" indent="-622300">
+            <a:pPr marL="12700" marR="3547745">
               <a:lnSpc>
                 <a:spcPts val="2630"/>
               </a:lnSpc>
-              <a:buAutoNum type="arabicParenR"/>
-              <a:tabLst>
-                <a:tab pos="634365" algn="l"/>
-                <a:tab pos="635000" algn="l"/>
-              </a:tabLst>
+              <a:spcBef>
+                <a:spcPts val="90"/>
+              </a:spcBef>
             </a:pPr>
             <a:r>
               <a:rPr sz="2200" spc="-5" dirty="0">
@@ -14576,27 +12721,7 @@
                 <a:latin typeface="Verdana"/>
                 <a:cs typeface="Verdana"/>
               </a:rPr>
-              <a:t>Вариация решающих деревьев (decision trees) под </a:t>
-            </a:r>
-            <a:r>
-              <a:rPr sz="2200" spc="-760" dirty="0">
-                <a:solidFill>
-                  <a:srgbClr val="595959"/>
-                </a:solidFill>
-                <a:latin typeface="Verdana"/>
-                <a:cs typeface="Verdana"/>
-              </a:rPr>
-              <a:t> </a:t>
-            </a:r>
-            <a:r>
-              <a:rPr sz="2200" spc="-5" dirty="0">
-                <a:solidFill>
-                  <a:srgbClr val="595959"/>
-                </a:solidFill>
-                <a:latin typeface="Verdana"/>
-                <a:cs typeface="Verdana"/>
-              </a:rPr>
-              <a:t>названием «изолирующий лес» может искать </a:t>
+              <a:t>малых (в том числе </a:t>
             </a:r>
             <a:r>
               <a:rPr sz="2200" dirty="0">
@@ -14606,77 +12731,77 @@
                 <a:latin typeface="Verdana"/>
                 <a:cs typeface="Verdana"/>
               </a:rPr>
-              <a:t> </a:t>
-            </a:r>
-            <a:r>
-              <a:rPr sz="2200" spc="-5" dirty="0">
-                <a:solidFill>
-                  <a:srgbClr val="595959"/>
-                </a:solidFill>
-                <a:latin typeface="Verdana"/>
-                <a:cs typeface="Verdana"/>
-              </a:rPr>
-              <a:t>выбросы.</a:t>
+              <a:t>и </a:t>
+            </a:r>
+            <a:r>
+              <a:rPr sz="2200" spc="5" dirty="0">
+                <a:solidFill>
+                  <a:srgbClr val="595959"/>
+                </a:solidFill>
+                <a:latin typeface="Verdana"/>
+                <a:cs typeface="Verdana"/>
+              </a:rPr>
+              <a:t> </a:t>
+            </a:r>
+            <a:r>
+              <a:rPr sz="2200" spc="-5" dirty="0">
+                <a:solidFill>
+                  <a:srgbClr val="595959"/>
+                </a:solidFill>
+                <a:latin typeface="Verdana"/>
+                <a:cs typeface="Verdana"/>
+              </a:rPr>
+              <a:t>одноэлементных)</a:t>
+            </a:r>
+            <a:r>
+              <a:rPr sz="2200" spc="-100" dirty="0">
+                <a:solidFill>
+                  <a:srgbClr val="595959"/>
+                </a:solidFill>
+                <a:latin typeface="Verdana"/>
+                <a:cs typeface="Verdana"/>
+              </a:rPr>
+              <a:t> </a:t>
+            </a:r>
+            <a:r>
+              <a:rPr sz="2200" spc="-5" dirty="0">
+                <a:solidFill>
+                  <a:srgbClr val="595959"/>
+                </a:solidFill>
+                <a:latin typeface="Verdana"/>
+                <a:cs typeface="Verdana"/>
+              </a:rPr>
+              <a:t>групп.</a:t>
             </a:r>
             <a:endParaRPr sz="2200" dirty="0">
               <a:latin typeface="Verdana"/>
               <a:cs typeface="Verdana"/>
             </a:endParaRPr>
           </a:p>
-          <a:p>
-            <a:pPr>
-              <a:lnSpc>
-                <a:spcPct val="100000"/>
-              </a:lnSpc>
-            </a:pPr>
-            <a:endParaRPr sz="2150" dirty="0">
-              <a:latin typeface="Verdana"/>
-              <a:cs typeface="Verdana"/>
-            </a:endParaRPr>
-          </a:p>
-          <a:p>
-            <a:pPr marL="634365" marR="5080" indent="-457200">
-              <a:lnSpc>
-                <a:spcPts val="2630"/>
-              </a:lnSpc>
-            </a:pPr>
-            <a:r>
-              <a:rPr sz="2200" spc="-5" dirty="0">
-                <a:solidFill>
-                  <a:srgbClr val="595959"/>
-                </a:solidFill>
-                <a:latin typeface="Verdana"/>
-                <a:cs typeface="Verdana"/>
-              </a:rPr>
-              <a:t>Подробнее об этом мы поговорим на соответствующих </a:t>
-            </a:r>
-            <a:r>
-              <a:rPr sz="2200" spc="-760" dirty="0">
-                <a:solidFill>
-                  <a:srgbClr val="595959"/>
-                </a:solidFill>
-                <a:latin typeface="Verdana"/>
-                <a:cs typeface="Verdana"/>
-              </a:rPr>
-              <a:t> </a:t>
-            </a:r>
-            <a:r>
-              <a:rPr sz="2200" spc="-5" dirty="0">
-                <a:solidFill>
-                  <a:srgbClr val="595959"/>
-                </a:solidFill>
-                <a:latin typeface="Verdana"/>
-                <a:cs typeface="Verdana"/>
-              </a:rPr>
-              <a:t>лекциях.</a:t>
-            </a:r>
-            <a:endParaRPr sz="2200" dirty="0">
-              <a:latin typeface="Verdana"/>
-              <a:cs typeface="Verdana"/>
-            </a:endParaRPr>
-          </a:p>
         </p:txBody>
       </p:sp>
+      <p:pic>
+        <p:nvPicPr>
+          <p:cNvPr id="3" name="object 3"/>
+          <p:cNvPicPr/>
+          <p:nvPr/>
+        </p:nvPicPr>
+        <p:blipFill>
+          <a:blip r:embed="rId2" cstate="print"/>
+          <a:stretch>
+            <a:fillRect/>
+          </a:stretch>
+        </p:blipFill>
+        <p:spPr>
+          <a:xfrm>
+            <a:off x="4038600" y="843558"/>
+            <a:ext cx="5085318" cy="3587513"/>
+          </a:xfrm>
+          <a:prstGeom prst="rect">
+            <a:avLst/>
+          </a:prstGeom>
+        </p:spPr>
+      </p:pic>
     </p:spTree>
   </p:cSld>
   <p:clrMapOvr>
@@ -14705,49 +12830,313 @@
       <p:sp>
         <p:nvSpPr>
           <p:cNvPr id="2" name="object 2"/>
-          <p:cNvSpPr txBox="1">
-            <a:spLocks noGrp="1"/>
-          </p:cNvSpPr>
-          <p:nvPr>
-            <p:ph type="title"/>
-          </p:nvPr>
+          <p:cNvSpPr txBox="1"/>
+          <p:nvPr/>
         </p:nvSpPr>
         <p:spPr>
           <a:xfrm>
-            <a:off x="2524000" y="2165068"/>
-            <a:ext cx="4091940" cy="574040"/>
+            <a:off x="193996" y="485561"/>
+            <a:ext cx="8185150" cy="3498850"/>
           </a:xfrm>
           <a:prstGeom prst="rect">
             <a:avLst/>
           </a:prstGeom>
         </p:spPr>
         <p:txBody>
-          <a:bodyPr vert="horz" wrap="square" lIns="0" tIns="12700" rIns="0" bIns="0" rtlCol="0">
+          <a:bodyPr vert="horz" wrap="square" lIns="0" tIns="24765" rIns="0" bIns="0" rtlCol="0">
             <a:spAutoFit/>
           </a:bodyPr>
           <a:lstStyle/>
           <a:p>
-            <a:pPr marL="12700">
+            <a:pPr marL="203200" marR="1922145">
+              <a:lnSpc>
+                <a:spcPts val="2630"/>
+              </a:lnSpc>
+              <a:spcBef>
+                <a:spcPts val="195"/>
+              </a:spcBef>
+            </a:pPr>
+            <a:r>
+              <a:rPr sz="2200" b="1" spc="-5" dirty="0">
+                <a:solidFill>
+                  <a:srgbClr val="353147"/>
+                </a:solidFill>
+                <a:latin typeface="Verdana"/>
+                <a:cs typeface="Verdana"/>
+              </a:rPr>
+              <a:t>Поиск выбросов </a:t>
+            </a:r>
+            <a:r>
+              <a:rPr sz="2200" b="1" dirty="0">
+                <a:solidFill>
+                  <a:srgbClr val="353147"/>
+                </a:solidFill>
+                <a:latin typeface="Verdana"/>
+                <a:cs typeface="Verdana"/>
+              </a:rPr>
+              <a:t>с </a:t>
+            </a:r>
+            <a:r>
+              <a:rPr sz="2200" b="1" spc="-5" dirty="0">
+                <a:solidFill>
+                  <a:srgbClr val="353147"/>
+                </a:solidFill>
+                <a:latin typeface="Verdana"/>
+                <a:cs typeface="Verdana"/>
+              </a:rPr>
+              <a:t>помощью моделей </a:t>
+            </a:r>
+            <a:r>
+              <a:rPr sz="2200" b="1" spc="-745" dirty="0">
+                <a:solidFill>
+                  <a:srgbClr val="353147"/>
+                </a:solidFill>
+                <a:latin typeface="Verdana"/>
+                <a:cs typeface="Verdana"/>
+              </a:rPr>
+              <a:t> </a:t>
+            </a:r>
+            <a:r>
+              <a:rPr sz="2200" b="1" spc="-5" dirty="0">
+                <a:solidFill>
+                  <a:srgbClr val="353147"/>
+                </a:solidFill>
+                <a:latin typeface="Verdana"/>
+                <a:cs typeface="Verdana"/>
+              </a:rPr>
+              <a:t>предсказания</a:t>
+            </a:r>
+            <a:endParaRPr sz="2200" dirty="0">
+              <a:latin typeface="Verdana"/>
+              <a:cs typeface="Verdana"/>
+            </a:endParaRPr>
+          </a:p>
+          <a:p>
+            <a:pPr marL="634365" marR="605790" indent="-622300">
+              <a:lnSpc>
+                <a:spcPts val="2620"/>
+              </a:lnSpc>
+              <a:spcBef>
+                <a:spcPts val="1080"/>
+              </a:spcBef>
+              <a:buAutoNum type="arabicParenR"/>
+              <a:tabLst>
+                <a:tab pos="634365" algn="l"/>
+                <a:tab pos="635000" algn="l"/>
+              </a:tabLst>
+            </a:pPr>
+            <a:r>
+              <a:rPr sz="2200" spc="-5" dirty="0">
+                <a:solidFill>
+                  <a:srgbClr val="595959"/>
+                </a:solidFill>
+                <a:latin typeface="Verdana"/>
+                <a:cs typeface="Verdana"/>
+              </a:rPr>
+              <a:t>Некоторые вариации метода опорных векторов </a:t>
+            </a:r>
+            <a:r>
+              <a:rPr sz="2200" spc="-760" dirty="0">
+                <a:solidFill>
+                  <a:srgbClr val="595959"/>
+                </a:solidFill>
+                <a:latin typeface="Verdana"/>
+                <a:cs typeface="Verdana"/>
+              </a:rPr>
+              <a:t> </a:t>
+            </a:r>
+            <a:r>
+              <a:rPr sz="2200" spc="-5" dirty="0">
+                <a:solidFill>
+                  <a:srgbClr val="595959"/>
+                </a:solidFill>
+                <a:latin typeface="Verdana"/>
+                <a:cs typeface="Verdana"/>
+              </a:rPr>
+              <a:t>(SVM)</a:t>
+            </a:r>
+            <a:r>
+              <a:rPr sz="2200" spc="-10" dirty="0">
+                <a:solidFill>
+                  <a:srgbClr val="595959"/>
+                </a:solidFill>
+                <a:latin typeface="Verdana"/>
+                <a:cs typeface="Verdana"/>
+              </a:rPr>
+              <a:t> </a:t>
+            </a:r>
+            <a:r>
+              <a:rPr sz="2200" spc="-5" dirty="0">
+                <a:solidFill>
+                  <a:srgbClr val="595959"/>
+                </a:solidFill>
+                <a:latin typeface="Verdana"/>
+                <a:cs typeface="Verdana"/>
+              </a:rPr>
+              <a:t>позволяют</a:t>
+            </a:r>
+            <a:r>
+              <a:rPr sz="2200" spc="-10" dirty="0">
+                <a:solidFill>
+                  <a:srgbClr val="595959"/>
+                </a:solidFill>
+                <a:latin typeface="Verdana"/>
+                <a:cs typeface="Verdana"/>
+              </a:rPr>
+              <a:t> </a:t>
+            </a:r>
+            <a:r>
+              <a:rPr sz="2200" spc="-5" dirty="0">
+                <a:solidFill>
+                  <a:srgbClr val="595959"/>
+                </a:solidFill>
+                <a:latin typeface="Verdana"/>
+                <a:cs typeface="Verdana"/>
+              </a:rPr>
+              <a:t>находить</a:t>
+            </a:r>
+            <a:r>
+              <a:rPr sz="2200" spc="-10" dirty="0">
+                <a:solidFill>
+                  <a:srgbClr val="595959"/>
+                </a:solidFill>
+                <a:latin typeface="Verdana"/>
+                <a:cs typeface="Verdana"/>
+              </a:rPr>
+              <a:t> </a:t>
+            </a:r>
+            <a:r>
+              <a:rPr sz="2200" spc="-5" dirty="0">
+                <a:solidFill>
+                  <a:srgbClr val="595959"/>
+                </a:solidFill>
+                <a:latin typeface="Verdana"/>
+                <a:cs typeface="Verdana"/>
+              </a:rPr>
+              <a:t>выбросы.</a:t>
+            </a:r>
+            <a:endParaRPr sz="2200" dirty="0">
+              <a:latin typeface="Verdana"/>
+              <a:cs typeface="Verdana"/>
+            </a:endParaRPr>
+          </a:p>
+          <a:p>
+            <a:pPr marL="634365" marR="118745" indent="-622300">
+              <a:lnSpc>
+                <a:spcPts val="2630"/>
+              </a:lnSpc>
+              <a:buAutoNum type="arabicParenR"/>
+              <a:tabLst>
+                <a:tab pos="634365" algn="l"/>
+                <a:tab pos="635000" algn="l"/>
+              </a:tabLst>
+            </a:pPr>
+            <a:r>
+              <a:rPr sz="2200" spc="-5" dirty="0">
+                <a:solidFill>
+                  <a:srgbClr val="595959"/>
+                </a:solidFill>
+                <a:latin typeface="Verdana"/>
+                <a:cs typeface="Verdana"/>
+              </a:rPr>
+              <a:t>Вариация решающих деревьев (decision trees) под </a:t>
+            </a:r>
+            <a:r>
+              <a:rPr sz="2200" spc="-760" dirty="0">
+                <a:solidFill>
+                  <a:srgbClr val="595959"/>
+                </a:solidFill>
+                <a:latin typeface="Verdana"/>
+                <a:cs typeface="Verdana"/>
+              </a:rPr>
+              <a:t> </a:t>
+            </a:r>
+            <a:r>
+              <a:rPr sz="2200" spc="-5" dirty="0">
+                <a:solidFill>
+                  <a:srgbClr val="595959"/>
+                </a:solidFill>
+                <a:latin typeface="Verdana"/>
+                <a:cs typeface="Verdana"/>
+              </a:rPr>
+              <a:t>названием «изолирующий лес» может искать </a:t>
+            </a:r>
+            <a:r>
+              <a:rPr sz="2200" dirty="0">
+                <a:solidFill>
+                  <a:srgbClr val="595959"/>
+                </a:solidFill>
+                <a:latin typeface="Verdana"/>
+                <a:cs typeface="Verdana"/>
+              </a:rPr>
+              <a:t> </a:t>
+            </a:r>
+            <a:r>
+              <a:rPr sz="2200" spc="-5" dirty="0">
+                <a:solidFill>
+                  <a:srgbClr val="595959"/>
+                </a:solidFill>
+                <a:latin typeface="Verdana"/>
+                <a:cs typeface="Verdana"/>
+              </a:rPr>
+              <a:t>выбросы.</a:t>
+            </a:r>
+            <a:endParaRPr sz="2200" dirty="0">
+              <a:latin typeface="Verdana"/>
+              <a:cs typeface="Verdana"/>
+            </a:endParaRPr>
+          </a:p>
+          <a:p>
+            <a:pPr>
               <a:lnSpc>
                 <a:spcPct val="100000"/>
               </a:lnSpc>
-              <a:spcBef>
-                <a:spcPts val="100"/>
-              </a:spcBef>
             </a:pPr>
-            <a:r>
-              <a:rPr sz="3600" spc="-5" dirty="0"/>
-              <a:t>Поиск</a:t>
-            </a:r>
-            <a:r>
-              <a:rPr sz="3600" spc="-100" dirty="0"/>
-              <a:t> </a:t>
-            </a:r>
-            <a:r>
-              <a:rPr sz="3600" spc="-5" dirty="0"/>
-              <a:t>новизны</a:t>
-            </a:r>
-            <a:endParaRPr sz="3600"/>
+            <a:endParaRPr sz="2150" dirty="0">
+              <a:latin typeface="Verdana"/>
+              <a:cs typeface="Verdana"/>
+            </a:endParaRPr>
+          </a:p>
+          <a:p>
+            <a:pPr marL="634365" marR="5080" indent="-457200">
+              <a:lnSpc>
+                <a:spcPts val="2630"/>
+              </a:lnSpc>
+            </a:pPr>
+            <a:r>
+              <a:rPr sz="2200" spc="-5" dirty="0">
+                <a:solidFill>
+                  <a:srgbClr val="595959"/>
+                </a:solidFill>
+                <a:latin typeface="Verdana"/>
+                <a:cs typeface="Verdana"/>
+              </a:rPr>
+              <a:t>Подробнее об этом мы поговорим на соответствующих </a:t>
+            </a:r>
+            <a:r>
+              <a:rPr sz="2200" spc="-760" dirty="0">
+                <a:solidFill>
+                  <a:srgbClr val="595959"/>
+                </a:solidFill>
+                <a:latin typeface="Verdana"/>
+                <a:cs typeface="Verdana"/>
+              </a:rPr>
+              <a:t> </a:t>
+            </a:r>
+            <a:r>
+              <a:rPr sz="2200" spc="-5" dirty="0">
+                <a:solidFill>
+                  <a:srgbClr val="595959"/>
+                </a:solidFill>
+                <a:latin typeface="Verdana"/>
+                <a:cs typeface="Verdana"/>
+              </a:rPr>
+              <a:t>лекциях.</a:t>
+            </a:r>
+            <a:endParaRPr sz="2200" dirty="0">
+              <a:latin typeface="Verdana"/>
+              <a:cs typeface="Verdana"/>
+            </a:endParaRPr>
           </a:p>
         </p:txBody>
       </p:sp>
@@ -14998,6 +13387,80 @@
         </p:nvSpPr>
         <p:spPr>
           <a:xfrm>
+            <a:off x="2524000" y="2165068"/>
+            <a:ext cx="4091940" cy="574040"/>
+          </a:xfrm>
+          <a:prstGeom prst="rect">
+            <a:avLst/>
+          </a:prstGeom>
+        </p:spPr>
+        <p:txBody>
+          <a:bodyPr vert="horz" wrap="square" lIns="0" tIns="12700" rIns="0" bIns="0" rtlCol="0">
+            <a:spAutoFit/>
+          </a:bodyPr>
+          <a:lstStyle/>
+          <a:p>
+            <a:pPr marL="12700">
+              <a:lnSpc>
+                <a:spcPct val="100000"/>
+              </a:lnSpc>
+              <a:spcBef>
+                <a:spcPts val="100"/>
+              </a:spcBef>
+            </a:pPr>
+            <a:r>
+              <a:rPr sz="3600" spc="-5" dirty="0"/>
+              <a:t>Поиск</a:t>
+            </a:r>
+            <a:r>
+              <a:rPr sz="3600" spc="-100" dirty="0"/>
+              <a:t> </a:t>
+            </a:r>
+            <a:r>
+              <a:rPr sz="3600" spc="-5" dirty="0"/>
+              <a:t>новизны</a:t>
+            </a:r>
+            <a:endParaRPr sz="3600"/>
+          </a:p>
+        </p:txBody>
+      </p:sp>
+    </p:spTree>
+  </p:cSld>
+  <p:clrMapOvr>
+    <a:masterClrMapping/>
+  </p:clrMapOvr>
+</p:sld>
+</file>
+
+<file path=ppt/slides/slide31.xml><?xml version="1.0" encoding="utf-8"?>
+<p:sld xmlns:a="http://schemas.openxmlformats.org/drawingml/2006/main" xmlns:r="http://schemas.openxmlformats.org/officeDocument/2006/relationships" xmlns:p="http://schemas.openxmlformats.org/presentationml/2006/main">
+  <p:cSld>
+    <p:spTree>
+      <p:nvGrpSpPr>
+        <p:cNvPr id="1" name=""/>
+        <p:cNvGrpSpPr/>
+        <p:nvPr/>
+      </p:nvGrpSpPr>
+      <p:grpSpPr>
+        <a:xfrm>
+          <a:off x="0" y="0"/>
+          <a:ext cx="0" cy="0"/>
+          <a:chOff x="0" y="0"/>
+          <a:chExt cx="0" cy="0"/>
+        </a:xfrm>
+      </p:grpSpPr>
+      <p:sp>
+        <p:nvSpPr>
+          <p:cNvPr id="2" name="object 2"/>
+          <p:cNvSpPr txBox="1">
+            <a:spLocks noGrp="1"/>
+          </p:cNvSpPr>
+          <p:nvPr>
+            <p:ph type="title"/>
+          </p:nvPr>
+        </p:nvSpPr>
+        <p:spPr>
+          <a:xfrm>
             <a:off x="384725" y="485561"/>
             <a:ext cx="8035925" cy="360680"/>
           </a:xfrm>
@@ -15788,7 +14251,7 @@
 </p:sld>
 </file>
 
-<file path=ppt/slides/slide31.xml><?xml version="1.0" encoding="utf-8"?>
+<file path=ppt/slides/slide32.xml><?xml version="1.0" encoding="utf-8"?>
 <p:sld xmlns:a="http://schemas.openxmlformats.org/drawingml/2006/main" xmlns:r="http://schemas.openxmlformats.org/officeDocument/2006/relationships" xmlns:p="http://schemas.openxmlformats.org/presentationml/2006/main">
   <p:cSld>
     <p:spTree>
@@ -16205,7 +14668,7 @@
 </p:sld>
 </file>
 
-<file path=ppt/slides/slide32.xml><?xml version="1.0" encoding="utf-8"?>
+<file path=ppt/slides/slide33.xml><?xml version="1.0" encoding="utf-8"?>
 <p:sld xmlns:a="http://schemas.openxmlformats.org/drawingml/2006/main" xmlns:r="http://schemas.openxmlformats.org/officeDocument/2006/relationships" xmlns:p="http://schemas.openxmlformats.org/presentationml/2006/main">
   <p:cSld>
     <p:spTree>
